--- a/Lecture Slides/VideoLectureSlides/14.4.pptx
+++ b/Lecture Slides/VideoLectureSlides/14.4.pptx
@@ -5,7 +5,7 @@
     <p:sldMasterId id="2147483660" r:id="rId4"/>
   </p:sldMasterIdLst>
   <p:notesMasterIdLst>
-    <p:notesMasterId r:id="rId17"/>
+    <p:notesMasterId r:id="rId19"/>
   </p:notesMasterIdLst>
   <p:sldIdLst>
     <p:sldId id="256" r:id="rId5"/>
@@ -18,8 +18,10 @@
     <p:sldId id="305" r:id="rId12"/>
     <p:sldId id="302" r:id="rId13"/>
     <p:sldId id="287" r:id="rId14"/>
-    <p:sldId id="264" r:id="rId15"/>
-    <p:sldId id="306" r:id="rId16"/>
+    <p:sldId id="307" r:id="rId15"/>
+    <p:sldId id="308" r:id="rId16"/>
+    <p:sldId id="264" r:id="rId17"/>
+    <p:sldId id="306" r:id="rId18"/>
   </p:sldIdLst>
   <p:sldSz cx="9144000" cy="6858000" type="screen4x3"/>
   <p:notesSz cx="6858000" cy="9144000"/>
@@ -233,7 +235,7 @@
           <a:p>
             <a:fld id="{1AA1AB63-216F-4D5B-8811-CCB935E98D4A}" type="datetimeFigureOut">
               <a:rPr lang="en-US" smtClean="0"/>
-              <a:t>1/13/2022</a:t>
+              <a:t>2/10/2022</a:t>
             </a:fld>
             <a:endParaRPr lang="en-US" dirty="0"/>
           </a:p>
@@ -3830,6 +3832,502 @@
       </p:grpSpPr>
       <p:sp>
         <p:nvSpPr>
+          <p:cNvPr id="2" name="Title 1">
+            <a:extLst>
+              <a:ext uri="{FF2B5EF4-FFF2-40B4-BE49-F238E27FC236}">
+                <a16:creationId xmlns:a16="http://schemas.microsoft.com/office/drawing/2014/main" id="{8533AF0D-B84F-45FB-A559-E98E74D2120E}"/>
+              </a:ext>
+            </a:extLst>
+          </p:cNvPr>
+          <p:cNvSpPr>
+            <a:spLocks noGrp="1"/>
+          </p:cNvSpPr>
+          <p:nvPr>
+            <p:ph type="title"/>
+          </p:nvPr>
+        </p:nvSpPr>
+        <p:spPr/>
+        <p:txBody>
+          <a:bodyPr/>
+          <a:lstStyle/>
+          <a:p>
+            <a:r>
+              <a:rPr lang="en-US" dirty="0"/>
+              <a:t>Worked Example</a:t>
+            </a:r>
+          </a:p>
+        </p:txBody>
+      </p:sp>
+      <p:sp>
+        <p:nvSpPr>
+          <p:cNvPr id="3" name="Content Placeholder 2">
+            <a:extLst>
+              <a:ext uri="{FF2B5EF4-FFF2-40B4-BE49-F238E27FC236}">
+                <a16:creationId xmlns:a16="http://schemas.microsoft.com/office/drawing/2014/main" id="{B1D88422-7F60-4F9F-868D-A12D4E5CB0DC}"/>
+              </a:ext>
+            </a:extLst>
+          </p:cNvPr>
+          <p:cNvSpPr>
+            <a:spLocks noGrp="1"/>
+          </p:cNvSpPr>
+          <p:nvPr>
+            <p:ph idx="1"/>
+          </p:nvPr>
+        </p:nvSpPr>
+        <p:spPr>
+          <a:xfrm>
+            <a:off x="457200" y="1600200"/>
+            <a:ext cx="8229600" cy="2133599"/>
+          </a:xfrm>
+        </p:spPr>
+        <p:txBody>
+          <a:bodyPr>
+            <a:normAutofit fontScale="85000" lnSpcReduction="20000"/>
+          </a:bodyPr>
+          <a:lstStyle/>
+          <a:p>
+            <a:r>
+              <a:rPr lang="en-US" dirty="0"/>
+              <a:t>The Ferris Wheel shown below can be approximated as a thin circular ring with a diameter of 96 meters and a mass of 20,000 kg. What is the power required from a motor in order to bring the Ferris wheel from rest to its operating speed of 0.5 rotations per minute over the course of 15 seconds?</a:t>
+            </a:r>
+          </a:p>
+        </p:txBody>
+      </p:sp>
+      <p:sp>
+        <p:nvSpPr>
+          <p:cNvPr id="4" name="Slide Number Placeholder 3">
+            <a:extLst>
+              <a:ext uri="{FF2B5EF4-FFF2-40B4-BE49-F238E27FC236}">
+                <a16:creationId xmlns:a16="http://schemas.microsoft.com/office/drawing/2014/main" id="{1AF10ADD-7821-494C-BA54-568823987B6A}"/>
+              </a:ext>
+            </a:extLst>
+          </p:cNvPr>
+          <p:cNvSpPr>
+            <a:spLocks noGrp="1"/>
+          </p:cNvSpPr>
+          <p:nvPr>
+            <p:ph type="sldNum" sz="quarter" idx="12"/>
+          </p:nvPr>
+        </p:nvSpPr>
+        <p:spPr/>
+        <p:txBody>
+          <a:bodyPr/>
+          <a:lstStyle/>
+          <a:p>
+            <a:fld id="{929262FE-7F58-4A1E-8AF3-5A510A86DEBD}" type="slidenum">
+              <a:rPr lang="en-US" smtClean="0"/>
+              <a:t>11</a:t>
+            </a:fld>
+            <a:endParaRPr lang="en-US" dirty="0"/>
+          </a:p>
+        </p:txBody>
+      </p:sp>
+      <p:pic>
+        <p:nvPicPr>
+          <p:cNvPr id="1026" name="Picture 2">
+            <a:extLst>
+              <a:ext uri="{FF2B5EF4-FFF2-40B4-BE49-F238E27FC236}">
+                <a16:creationId xmlns:a16="http://schemas.microsoft.com/office/drawing/2014/main" id="{6D64DA8C-457B-4396-8289-5297915F4EA2}"/>
+              </a:ext>
+            </a:extLst>
+          </p:cNvPr>
+          <p:cNvPicPr>
+            <a:picLocks noChangeAspect="1" noChangeArrowheads="1"/>
+          </p:cNvPicPr>
+          <p:nvPr/>
+        </p:nvPicPr>
+        <p:blipFill>
+          <a:blip r:embed="rId2">
+            <a:extLst>
+              <a:ext uri="{28A0092B-C50C-407E-A947-70E740481C1C}">
+                <a14:useLocalDpi xmlns:a14="http://schemas.microsoft.com/office/drawing/2010/main" val="0"/>
+              </a:ext>
+            </a:extLst>
+          </a:blip>
+          <a:srcRect/>
+          <a:stretch>
+            <a:fillRect/>
+          </a:stretch>
+        </p:blipFill>
+        <p:spPr bwMode="auto">
+          <a:xfrm>
+            <a:off x="2552629" y="4040188"/>
+            <a:ext cx="4038742" cy="2690812"/>
+          </a:xfrm>
+          <a:prstGeom prst="rect">
+            <a:avLst/>
+          </a:prstGeom>
+          <a:noFill/>
+          <a:extLst>
+            <a:ext uri="{909E8E84-426E-40DD-AFC4-6F175D3DCCD1}">
+              <a14:hiddenFill xmlns:a14="http://schemas.microsoft.com/office/drawing/2010/main">
+                <a:solidFill>
+                  <a:srgbClr val="FFFFFF"/>
+                </a:solidFill>
+              </a14:hiddenFill>
+            </a:ext>
+          </a:extLst>
+        </p:spPr>
+      </p:pic>
+      <p:sp>
+        <p:nvSpPr>
+          <p:cNvPr id="5" name="TextBox 4">
+            <a:extLst>
+              <a:ext uri="{FF2B5EF4-FFF2-40B4-BE49-F238E27FC236}">
+                <a16:creationId xmlns:a16="http://schemas.microsoft.com/office/drawing/2014/main" id="{480DC88A-9EA9-44C6-A81C-17A567C358FF}"/>
+              </a:ext>
+            </a:extLst>
+          </p:cNvPr>
+          <p:cNvSpPr txBox="1"/>
+          <p:nvPr/>
+        </p:nvSpPr>
+        <p:spPr>
+          <a:xfrm>
+            <a:off x="6781800" y="4923929"/>
+            <a:ext cx="2006727" cy="923330"/>
+          </a:xfrm>
+          <a:prstGeom prst="rect">
+            <a:avLst/>
+          </a:prstGeom>
+          <a:noFill/>
+        </p:spPr>
+        <p:txBody>
+          <a:bodyPr wrap="square" rtlCol="0">
+            <a:spAutoFit/>
+          </a:bodyPr>
+          <a:lstStyle/>
+          <a:p>
+            <a:r>
+              <a:rPr lang="en-US" dirty="0"/>
+              <a:t>Image by Orlandowood365</a:t>
+            </a:r>
+          </a:p>
+          <a:p>
+            <a:r>
+              <a:rPr lang="en-US" dirty="0"/>
+              <a:t>CC-BY-SA 4.0</a:t>
+            </a:r>
+          </a:p>
+        </p:txBody>
+      </p:sp>
+    </p:spTree>
+    <p:extLst>
+      <p:ext uri="{BB962C8B-B14F-4D97-AF65-F5344CB8AC3E}">
+        <p14:creationId xmlns:p14="http://schemas.microsoft.com/office/powerpoint/2010/main" val="477139429"/>
+      </p:ext>
+    </p:extLst>
+  </p:cSld>
+  <p:clrMapOvr>
+    <a:masterClrMapping/>
+  </p:clrMapOvr>
+</p:sld>
+</file>
+
+<file path=ppt/slides/slide12.xml><?xml version="1.0" encoding="utf-8"?>
+<p:sld xmlns:a="http://schemas.openxmlformats.org/drawingml/2006/main" xmlns:r="http://schemas.openxmlformats.org/officeDocument/2006/relationships" xmlns:p="http://schemas.openxmlformats.org/presentationml/2006/main">
+  <p:cSld>
+    <p:spTree>
+      <p:nvGrpSpPr>
+        <p:cNvPr id="1" name=""/>
+        <p:cNvGrpSpPr/>
+        <p:nvPr/>
+      </p:nvGrpSpPr>
+      <p:grpSpPr>
+        <a:xfrm>
+          <a:off x="0" y="0"/>
+          <a:ext cx="0" cy="0"/>
+          <a:chOff x="0" y="0"/>
+          <a:chExt cx="0" cy="0"/>
+        </a:xfrm>
+      </p:grpSpPr>
+      <p:sp>
+        <p:nvSpPr>
+          <p:cNvPr id="2" name="Title 1">
+            <a:extLst>
+              <a:ext uri="{FF2B5EF4-FFF2-40B4-BE49-F238E27FC236}">
+                <a16:creationId xmlns:a16="http://schemas.microsoft.com/office/drawing/2014/main" id="{27076BA7-84E2-4563-9ABF-3302CF545A68}"/>
+              </a:ext>
+            </a:extLst>
+          </p:cNvPr>
+          <p:cNvSpPr>
+            <a:spLocks noGrp="1"/>
+          </p:cNvSpPr>
+          <p:nvPr>
+            <p:ph type="title"/>
+          </p:nvPr>
+        </p:nvSpPr>
+        <p:spPr/>
+        <p:txBody>
+          <a:bodyPr/>
+          <a:lstStyle/>
+          <a:p>
+            <a:r>
+              <a:rPr lang="en-US" dirty="0"/>
+              <a:t>Worked Example</a:t>
+            </a:r>
+          </a:p>
+        </p:txBody>
+      </p:sp>
+      <p:sp>
+        <p:nvSpPr>
+          <p:cNvPr id="3" name="Content Placeholder 2">
+            <a:extLst>
+              <a:ext uri="{FF2B5EF4-FFF2-40B4-BE49-F238E27FC236}">
+                <a16:creationId xmlns:a16="http://schemas.microsoft.com/office/drawing/2014/main" id="{BD166A9F-FF6B-4F87-B2D3-AA310237601A}"/>
+              </a:ext>
+            </a:extLst>
+          </p:cNvPr>
+          <p:cNvSpPr>
+            <a:spLocks noGrp="1"/>
+          </p:cNvSpPr>
+          <p:nvPr>
+            <p:ph idx="1"/>
+          </p:nvPr>
+        </p:nvSpPr>
+        <p:spPr>
+          <a:xfrm>
+            <a:off x="457200" y="1600201"/>
+            <a:ext cx="8229600" cy="2253930"/>
+          </a:xfrm>
+        </p:spPr>
+        <p:txBody>
+          <a:bodyPr>
+            <a:normAutofit fontScale="77500" lnSpcReduction="20000"/>
+          </a:bodyPr>
+          <a:lstStyle/>
+          <a:p>
+            <a:r>
+              <a:rPr lang="en-US" dirty="0"/>
+              <a:t>A small off-road trailer can be approximated as a rectangular prism with a mass of 100kg supported by two wheels each approximated as thin circular discs with as mass of 25 kg and a diameter of 60 cm. Assuming the wheels roll without slipping, what is the power required to bring the trailer from rest to a speed of 80 kph over the course of 10 seconds? </a:t>
+            </a:r>
+          </a:p>
+        </p:txBody>
+      </p:sp>
+      <p:sp>
+        <p:nvSpPr>
+          <p:cNvPr id="4" name="Slide Number Placeholder 3">
+            <a:extLst>
+              <a:ext uri="{FF2B5EF4-FFF2-40B4-BE49-F238E27FC236}">
+                <a16:creationId xmlns:a16="http://schemas.microsoft.com/office/drawing/2014/main" id="{35FD0D2A-31F1-4F5B-9D3E-FA4CE39A1418}"/>
+              </a:ext>
+            </a:extLst>
+          </p:cNvPr>
+          <p:cNvSpPr>
+            <a:spLocks noGrp="1"/>
+          </p:cNvSpPr>
+          <p:nvPr>
+            <p:ph type="sldNum" sz="quarter" idx="12"/>
+          </p:nvPr>
+        </p:nvSpPr>
+        <p:spPr/>
+        <p:txBody>
+          <a:bodyPr/>
+          <a:lstStyle/>
+          <a:p>
+            <a:fld id="{929262FE-7F58-4A1E-8AF3-5A510A86DEBD}" type="slidenum">
+              <a:rPr lang="en-US" smtClean="0"/>
+              <a:t>12</a:t>
+            </a:fld>
+            <a:endParaRPr lang="en-US" dirty="0"/>
+          </a:p>
+        </p:txBody>
+      </p:sp>
+      <p:sp>
+        <p:nvSpPr>
+          <p:cNvPr id="5" name="Rectangle 4">
+            <a:extLst>
+              <a:ext uri="{FF2B5EF4-FFF2-40B4-BE49-F238E27FC236}">
+                <a16:creationId xmlns:a16="http://schemas.microsoft.com/office/drawing/2014/main" id="{A874D40A-C8A8-4C05-B179-6B2F715568BF}"/>
+              </a:ext>
+            </a:extLst>
+          </p:cNvPr>
+          <p:cNvSpPr/>
+          <p:nvPr/>
+        </p:nvSpPr>
+        <p:spPr>
+          <a:xfrm>
+            <a:off x="1716092" y="4800600"/>
+            <a:ext cx="2342354" cy="685799"/>
+          </a:xfrm>
+          <a:prstGeom prst="rect">
+            <a:avLst/>
+          </a:prstGeom>
+        </p:spPr>
+        <p:style>
+          <a:lnRef idx="1">
+            <a:schemeClr val="dk1"/>
+          </a:lnRef>
+          <a:fillRef idx="2">
+            <a:schemeClr val="dk1"/>
+          </a:fillRef>
+          <a:effectRef idx="1">
+            <a:schemeClr val="dk1"/>
+          </a:effectRef>
+          <a:fontRef idx="minor">
+            <a:schemeClr val="dk1"/>
+          </a:fontRef>
+        </p:style>
+        <p:txBody>
+          <a:bodyPr rtlCol="0" anchor="ctr"/>
+          <a:lstStyle/>
+          <a:p>
+            <a:pPr algn="ctr"/>
+            <a:endParaRPr lang="en-US"/>
+          </a:p>
+        </p:txBody>
+      </p:sp>
+      <p:sp>
+        <p:nvSpPr>
+          <p:cNvPr id="8" name="Rectangle 7">
+            <a:extLst>
+              <a:ext uri="{FF2B5EF4-FFF2-40B4-BE49-F238E27FC236}">
+                <a16:creationId xmlns:a16="http://schemas.microsoft.com/office/drawing/2014/main" id="{E1B336E3-1B49-44E6-9A5A-98AEEE521E28}"/>
+              </a:ext>
+            </a:extLst>
+          </p:cNvPr>
+          <p:cNvSpPr/>
+          <p:nvPr/>
+        </p:nvSpPr>
+        <p:spPr>
+          <a:xfrm>
+            <a:off x="4058446" y="5333999"/>
+            <a:ext cx="874708" cy="76201"/>
+          </a:xfrm>
+          <a:prstGeom prst="rect">
+            <a:avLst/>
+          </a:prstGeom>
+        </p:spPr>
+        <p:style>
+          <a:lnRef idx="1">
+            <a:schemeClr val="dk1"/>
+          </a:lnRef>
+          <a:fillRef idx="2">
+            <a:schemeClr val="dk1"/>
+          </a:fillRef>
+          <a:effectRef idx="1">
+            <a:schemeClr val="dk1"/>
+          </a:effectRef>
+          <a:fontRef idx="minor">
+            <a:schemeClr val="dk1"/>
+          </a:fontRef>
+        </p:style>
+        <p:txBody>
+          <a:bodyPr rtlCol="0" anchor="ctr"/>
+          <a:lstStyle/>
+          <a:p>
+            <a:pPr algn="ctr"/>
+            <a:endParaRPr lang="en-US"/>
+          </a:p>
+        </p:txBody>
+      </p:sp>
+      <p:sp>
+        <p:nvSpPr>
+          <p:cNvPr id="9" name="Oval 8">
+            <a:extLst>
+              <a:ext uri="{FF2B5EF4-FFF2-40B4-BE49-F238E27FC236}">
+                <a16:creationId xmlns:a16="http://schemas.microsoft.com/office/drawing/2014/main" id="{DF4C2BA1-8A43-4553-BBC7-5873D6E77406}"/>
+              </a:ext>
+            </a:extLst>
+          </p:cNvPr>
+          <p:cNvSpPr/>
+          <p:nvPr/>
+        </p:nvSpPr>
+        <p:spPr>
+          <a:xfrm>
+            <a:off x="2440703" y="5055869"/>
+            <a:ext cx="822960" cy="822960"/>
+          </a:xfrm>
+          <a:prstGeom prst="ellipse">
+            <a:avLst/>
+          </a:prstGeom>
+        </p:spPr>
+        <p:style>
+          <a:lnRef idx="2">
+            <a:schemeClr val="dk1">
+              <a:shade val="50000"/>
+            </a:schemeClr>
+          </a:lnRef>
+          <a:fillRef idx="1">
+            <a:schemeClr val="dk1"/>
+          </a:fillRef>
+          <a:effectRef idx="0">
+            <a:schemeClr val="dk1"/>
+          </a:effectRef>
+          <a:fontRef idx="minor">
+            <a:schemeClr val="lt1"/>
+          </a:fontRef>
+        </p:style>
+        <p:txBody>
+          <a:bodyPr rtlCol="0" anchor="ctr"/>
+          <a:lstStyle/>
+          <a:p>
+            <a:pPr algn="ctr"/>
+            <a:endParaRPr lang="en-US"/>
+          </a:p>
+        </p:txBody>
+      </p:sp>
+      <p:pic>
+        <p:nvPicPr>
+          <p:cNvPr id="7" name="Picture 6">
+            <a:extLst>
+              <a:ext uri="{FF2B5EF4-FFF2-40B4-BE49-F238E27FC236}">
+                <a16:creationId xmlns:a16="http://schemas.microsoft.com/office/drawing/2014/main" id="{D8FB3EC9-4626-4A28-B651-3C16CEE9B5F7}"/>
+              </a:ext>
+            </a:extLst>
+          </p:cNvPr>
+          <p:cNvPicPr>
+            <a:picLocks noChangeAspect="1"/>
+          </p:cNvPicPr>
+          <p:nvPr/>
+        </p:nvPicPr>
+        <p:blipFill>
+          <a:blip r:embed="rId2"/>
+          <a:stretch>
+            <a:fillRect/>
+          </a:stretch>
+        </p:blipFill>
+        <p:spPr>
+          <a:xfrm>
+            <a:off x="4760913" y="3524250"/>
+            <a:ext cx="3163887" cy="3163887"/>
+          </a:xfrm>
+          <a:prstGeom prst="rect">
+            <a:avLst/>
+          </a:prstGeom>
+        </p:spPr>
+      </p:pic>
+    </p:spTree>
+    <p:extLst>
+      <p:ext uri="{BB962C8B-B14F-4D97-AF65-F5344CB8AC3E}">
+        <p14:creationId xmlns:p14="http://schemas.microsoft.com/office/powerpoint/2010/main" val="477969691"/>
+      </p:ext>
+    </p:extLst>
+  </p:cSld>
+  <p:clrMapOvr>
+    <a:masterClrMapping/>
+  </p:clrMapOvr>
+</p:sld>
+</file>
+
+<file path=ppt/slides/slide13.xml><?xml version="1.0" encoding="utf-8"?>
+<p:sld xmlns:a="http://schemas.openxmlformats.org/drawingml/2006/main" xmlns:r="http://schemas.openxmlformats.org/officeDocument/2006/relationships" xmlns:p="http://schemas.openxmlformats.org/presentationml/2006/main">
+  <p:cSld>
+    <p:spTree>
+      <p:nvGrpSpPr>
+        <p:cNvPr id="1" name=""/>
+        <p:cNvGrpSpPr/>
+        <p:nvPr/>
+      </p:nvGrpSpPr>
+      <p:grpSpPr>
+        <a:xfrm>
+          <a:off x="0" y="0"/>
+          <a:ext cx="0" cy="0"/>
+          <a:chOff x="0" y="0"/>
+          <a:chExt cx="0" cy="0"/>
+        </a:xfrm>
+      </p:grpSpPr>
+      <p:sp>
+        <p:nvSpPr>
           <p:cNvPr id="2" name="Title 1"/>
           <p:cNvSpPr>
             <a:spLocks noGrp="1"/>
@@ -3917,7 +4415,7 @@
           <a:p>
             <a:fld id="{929262FE-7F58-4A1E-8AF3-5A510A86DEBD}" type="slidenum">
               <a:rPr lang="en-US" smtClean="0"/>
-              <a:t>11</a:t>
+              <a:t>13</a:t>
             </a:fld>
             <a:endParaRPr lang="en-US"/>
           </a:p>
@@ -3983,7 +4481,7 @@
 </p:sld>
 </file>
 
-<file path=ppt/slides/slide12.xml><?xml version="1.0" encoding="utf-8"?>
+<file path=ppt/slides/slide14.xml><?xml version="1.0" encoding="utf-8"?>
 <p:sld xmlns:a="http://schemas.openxmlformats.org/drawingml/2006/main" xmlns:r="http://schemas.openxmlformats.org/officeDocument/2006/relationships" xmlns:p="http://schemas.openxmlformats.org/presentationml/2006/main">
   <p:cSld>
     <p:spTree>
@@ -4105,7 +4603,7 @@
           <a:p>
             <a:fld id="{929262FE-7F58-4A1E-8AF3-5A510A86DEBD}" type="slidenum">
               <a:rPr lang="en-US" smtClean="0"/>
-              <a:t>12</a:t>
+              <a:t>14</a:t>
             </a:fld>
             <a:endParaRPr lang="en-US"/>
           </a:p>
@@ -8816,6 +9314,21 @@
 </file>
 
 <file path=customXml/item1.xml><?xml version="1.0" encoding="utf-8"?>
+<?mso-contentType ?>
+<FormTemplates xmlns="http://schemas.microsoft.com/sharepoint/v3/contenttype/forms">
+  <Display>DocumentLibraryForm</Display>
+  <Edit>DocumentLibraryForm</Edit>
+  <New>DocumentLibraryForm</New>
+</FormTemplates>
+</file>
+
+<file path=customXml/item2.xml><?xml version="1.0" encoding="utf-8"?>
+<p:properties xmlns:p="http://schemas.microsoft.com/office/2006/metadata/properties" xmlns:xsi="http://www.w3.org/2001/XMLSchema-instance" xmlns:pc="http://schemas.microsoft.com/office/infopath/2007/PartnerControls">
+  <documentManagement/>
+</p:properties>
+</file>
+
+<file path=customXml/item3.xml><?xml version="1.0" encoding="utf-8"?>
 <ct:contentTypeSchema xmlns:ct="http://schemas.microsoft.com/office/2006/metadata/contentType" xmlns:ma="http://schemas.microsoft.com/office/2006/metadata/properties/metaAttributes" ct:_="" ma:_="" ma:contentTypeName="Document" ma:contentTypeID="0x010100A06DF21F5BB2734A800ED30F3F452129" ma:contentTypeVersion="12" ma:contentTypeDescription="Create a new document." ma:contentTypeScope="" ma:versionID="544d96a5fbac5de9d5d902b535c73fb2">
   <xsd:schema xmlns:xsd="http://www.w3.org/2001/XMLSchema" xmlns:xs="http://www.w3.org/2001/XMLSchema" xmlns:p="http://schemas.microsoft.com/office/2006/metadata/properties" xmlns:ns3="90d05cb5-950f-4f68-bc2c-e17794455b92" xmlns:ns4="b4eab9fa-dbb0-4082-8491-8bd54207a265" targetNamespace="http://schemas.microsoft.com/office/2006/metadata/properties" ma:root="true" ma:fieldsID="7a710efc71c2169bf9c05e5a40dddf12" ns3:_="" ns4:_="">
     <xsd:import namespace="90d05cb5-950f-4f68-bc2c-e17794455b92"/>
@@ -9032,36 +9545,10 @@
 </ct:contentTypeSchema>
 </file>
 
-<file path=customXml/item2.xml><?xml version="1.0" encoding="utf-8"?>
-<p:properties xmlns:p="http://schemas.microsoft.com/office/2006/metadata/properties" xmlns:xsi="http://www.w3.org/2001/XMLSchema-instance" xmlns:pc="http://schemas.microsoft.com/office/infopath/2007/PartnerControls">
-  <documentManagement/>
-</p:properties>
-</file>
-
-<file path=customXml/item3.xml><?xml version="1.0" encoding="utf-8"?>
-<?mso-contentType ?>
-<FormTemplates xmlns="http://schemas.microsoft.com/sharepoint/v3/contenttype/forms">
-  <Display>DocumentLibraryForm</Display>
-  <Edit>DocumentLibraryForm</Edit>
-  <New>DocumentLibraryForm</New>
-</FormTemplates>
-</file>
-
 <file path=customXml/itemProps1.xml><?xml version="1.0" encoding="utf-8"?>
-<ds:datastoreItem xmlns:ds="http://schemas.openxmlformats.org/officeDocument/2006/customXml" ds:itemID="{A43B8A4B-79FE-4529-931C-D64224FA70E3}">
+<ds:datastoreItem xmlns:ds="http://schemas.openxmlformats.org/officeDocument/2006/customXml" ds:itemID="{F5CF5F32-56DC-4068-8B04-457CF34A96F3}">
   <ds:schemaRefs>
-    <ds:schemaRef ds:uri="http://schemas.microsoft.com/office/2006/metadata/contentType"/>
-    <ds:schemaRef ds:uri="http://schemas.microsoft.com/office/2006/metadata/properties/metaAttributes"/>
-    <ds:schemaRef ds:uri="http://www.w3.org/2001/XMLSchema"/>
-    <ds:schemaRef ds:uri="http://schemas.microsoft.com/office/2006/metadata/properties"/>
-    <ds:schemaRef ds:uri="90d05cb5-950f-4f68-bc2c-e17794455b92"/>
-    <ds:schemaRef ds:uri="b4eab9fa-dbb0-4082-8491-8bd54207a265"/>
-    <ds:schemaRef ds:uri="http://schemas.microsoft.com/office/2006/documentManagement/types"/>
-    <ds:schemaRef ds:uri="http://schemas.microsoft.com/office/infopath/2007/PartnerControls"/>
-    <ds:schemaRef ds:uri="http://schemas.openxmlformats.org/package/2006/metadata/core-properties"/>
-    <ds:schemaRef ds:uri="http://purl.org/dc/elements/1.1/"/>
-    <ds:schemaRef ds:uri="http://purl.org/dc/terms/"/>
-    <ds:schemaRef ds:uri="http://schemas.microsoft.com/internal/obd"/>
+    <ds:schemaRef ds:uri="http://schemas.microsoft.com/sharepoint/v3/contenttype/forms"/>
   </ds:schemaRefs>
 </ds:datastoreItem>
 </file>
@@ -9084,9 +9571,20 @@
 </file>
 
 <file path=customXml/itemProps3.xml><?xml version="1.0" encoding="utf-8"?>
-<ds:datastoreItem xmlns:ds="http://schemas.openxmlformats.org/officeDocument/2006/customXml" ds:itemID="{F5CF5F32-56DC-4068-8B04-457CF34A96F3}">
+<ds:datastoreItem xmlns:ds="http://schemas.openxmlformats.org/officeDocument/2006/customXml" ds:itemID="{A43B8A4B-79FE-4529-931C-D64224FA70E3}">
   <ds:schemaRefs>
-    <ds:schemaRef ds:uri="http://schemas.microsoft.com/sharepoint/v3/contenttype/forms"/>
+    <ds:schemaRef ds:uri="http://schemas.microsoft.com/office/2006/metadata/contentType"/>
+    <ds:schemaRef ds:uri="http://schemas.microsoft.com/office/2006/metadata/properties/metaAttributes"/>
+    <ds:schemaRef ds:uri="http://www.w3.org/2001/XMLSchema"/>
+    <ds:schemaRef ds:uri="http://schemas.microsoft.com/office/2006/metadata/properties"/>
+    <ds:schemaRef ds:uri="90d05cb5-950f-4f68-bc2c-e17794455b92"/>
+    <ds:schemaRef ds:uri="b4eab9fa-dbb0-4082-8491-8bd54207a265"/>
+    <ds:schemaRef ds:uri="http://schemas.microsoft.com/office/2006/documentManagement/types"/>
+    <ds:schemaRef ds:uri="http://schemas.microsoft.com/office/infopath/2007/PartnerControls"/>
+    <ds:schemaRef ds:uri="http://schemas.openxmlformats.org/package/2006/metadata/core-properties"/>
+    <ds:schemaRef ds:uri="http://purl.org/dc/elements/1.1/"/>
+    <ds:schemaRef ds:uri="http://purl.org/dc/terms/"/>
+    <ds:schemaRef ds:uri="http://schemas.microsoft.com/internal/obd"/>
   </ds:schemaRefs>
 </ds:datastoreItem>
 </file>
--- a/Lecture Slides/VideoLectureSlides/14.4.pptx
+++ b/Lecture Slides/VideoLectureSlides/14.4.pptx
@@ -5,23 +5,18 @@
     <p:sldMasterId id="2147483660" r:id="rId4"/>
   </p:sldMasterIdLst>
   <p:notesMasterIdLst>
-    <p:notesMasterId r:id="rId19"/>
+    <p:notesMasterId r:id="rId14"/>
   </p:notesMasterIdLst>
   <p:sldIdLst>
     <p:sldId id="256" r:id="rId5"/>
-    <p:sldId id="298" r:id="rId6"/>
-    <p:sldId id="258" r:id="rId7"/>
-    <p:sldId id="300" r:id="rId8"/>
-    <p:sldId id="303" r:id="rId9"/>
-    <p:sldId id="301" r:id="rId10"/>
-    <p:sldId id="304" r:id="rId11"/>
-    <p:sldId id="305" r:id="rId12"/>
-    <p:sldId id="302" r:id="rId13"/>
-    <p:sldId id="287" r:id="rId14"/>
-    <p:sldId id="307" r:id="rId15"/>
-    <p:sldId id="308" r:id="rId16"/>
-    <p:sldId id="264" r:id="rId17"/>
-    <p:sldId id="306" r:id="rId18"/>
+    <p:sldId id="288" r:id="rId6"/>
+    <p:sldId id="263" r:id="rId7"/>
+    <p:sldId id="289" r:id="rId8"/>
+    <p:sldId id="290" r:id="rId9"/>
+    <p:sldId id="287" r:id="rId10"/>
+    <p:sldId id="264" r:id="rId11"/>
+    <p:sldId id="292" r:id="rId12"/>
+    <p:sldId id="293" r:id="rId13"/>
   </p:sldIdLst>
   <p:sldSz cx="9144000" cy="6858000" type="screen4x3"/>
   <p:notesSz cx="6858000" cy="9144000"/>
@@ -235,7 +230,7 @@
           <a:p>
             <a:fld id="{1AA1AB63-216F-4D5B-8811-CCB935E98D4A}" type="datetimeFigureOut">
               <a:rPr lang="en-US" smtClean="0"/>
-              <a:t>2/10/2022</a:t>
+              <a:t>9/13/2022</a:t>
             </a:fld>
             <a:endParaRPr lang="en-US" dirty="0"/>
           </a:p>
@@ -3685,7 +3680,7 @@
           <a:p>
             <a:r>
               <a:rPr lang="en-US" dirty="0"/>
-              <a:t>Power and Efficiency in Rigid Bodies</a:t>
+              <a:t>Efficiency for Rigid Body Systems</a:t>
             </a:r>
           </a:p>
         </p:txBody>
@@ -3730,936 +3725,6 @@
     <p:extLst>
       <p:ext uri="{BB962C8B-B14F-4D97-AF65-F5344CB8AC3E}">
         <p14:creationId xmlns:p14="http://schemas.microsoft.com/office/powerpoint/2010/main" val="3080430471"/>
-      </p:ext>
-    </p:extLst>
-  </p:cSld>
-  <p:clrMapOvr>
-    <a:masterClrMapping/>
-  </p:clrMapOvr>
-</p:sld>
-</file>
-
-<file path=ppt/slides/slide10.xml><?xml version="1.0" encoding="utf-8"?>
-<p:sld xmlns:a="http://schemas.openxmlformats.org/drawingml/2006/main" xmlns:r="http://schemas.openxmlformats.org/officeDocument/2006/relationships" xmlns:p="http://schemas.openxmlformats.org/presentationml/2006/main">
-  <p:cSld>
-    <p:spTree>
-      <p:nvGrpSpPr>
-        <p:cNvPr id="1" name=""/>
-        <p:cNvGrpSpPr/>
-        <p:nvPr/>
-      </p:nvGrpSpPr>
-      <p:grpSpPr>
-        <a:xfrm>
-          <a:off x="0" y="0"/>
-          <a:ext cx="0" cy="0"/>
-          <a:chOff x="0" y="0"/>
-          <a:chExt cx="0" cy="0"/>
-        </a:xfrm>
-      </p:grpSpPr>
-      <p:sp>
-        <p:nvSpPr>
-          <p:cNvPr id="2" name="Title 1"/>
-          <p:cNvSpPr>
-            <a:spLocks noGrp="1"/>
-          </p:cNvSpPr>
-          <p:nvPr>
-            <p:ph type="ctrTitle"/>
-          </p:nvPr>
-        </p:nvSpPr>
-        <p:spPr/>
-        <p:txBody>
-          <a:bodyPr/>
-          <a:lstStyle/>
-          <a:p>
-            <a:r>
-              <a:rPr lang="en-US" dirty="0"/>
-              <a:t>Thanks for Watching</a:t>
-            </a:r>
-          </a:p>
-        </p:txBody>
-      </p:sp>
-      <p:sp>
-        <p:nvSpPr>
-          <p:cNvPr id="3" name="Subtitle 2"/>
-          <p:cNvSpPr>
-            <a:spLocks noGrp="1"/>
-          </p:cNvSpPr>
-          <p:nvPr>
-            <p:ph type="subTitle" idx="1"/>
-          </p:nvPr>
-        </p:nvSpPr>
-        <p:spPr/>
-        <p:txBody>
-          <a:bodyPr/>
-          <a:lstStyle/>
-          <a:p>
-            <a:r>
-              <a:rPr lang="en-US" dirty="0"/>
-              <a:t>See other engineering mechanics videos and access the full tool at…</a:t>
-            </a:r>
-          </a:p>
-        </p:txBody>
-      </p:sp>
-    </p:spTree>
-    <p:extLst>
-      <p:ext uri="{BB962C8B-B14F-4D97-AF65-F5344CB8AC3E}">
-        <p14:creationId xmlns:p14="http://schemas.microsoft.com/office/powerpoint/2010/main" val="3129637585"/>
-      </p:ext>
-    </p:extLst>
-  </p:cSld>
-  <p:clrMapOvr>
-    <a:masterClrMapping/>
-  </p:clrMapOvr>
-</p:sld>
-</file>
-
-<file path=ppt/slides/slide11.xml><?xml version="1.0" encoding="utf-8"?>
-<p:sld xmlns:a="http://schemas.openxmlformats.org/drawingml/2006/main" xmlns:r="http://schemas.openxmlformats.org/officeDocument/2006/relationships" xmlns:p="http://schemas.openxmlformats.org/presentationml/2006/main">
-  <p:cSld>
-    <p:spTree>
-      <p:nvGrpSpPr>
-        <p:cNvPr id="1" name=""/>
-        <p:cNvGrpSpPr/>
-        <p:nvPr/>
-      </p:nvGrpSpPr>
-      <p:grpSpPr>
-        <a:xfrm>
-          <a:off x="0" y="0"/>
-          <a:ext cx="0" cy="0"/>
-          <a:chOff x="0" y="0"/>
-          <a:chExt cx="0" cy="0"/>
-        </a:xfrm>
-      </p:grpSpPr>
-      <p:sp>
-        <p:nvSpPr>
-          <p:cNvPr id="2" name="Title 1">
-            <a:extLst>
-              <a:ext uri="{FF2B5EF4-FFF2-40B4-BE49-F238E27FC236}">
-                <a16:creationId xmlns:a16="http://schemas.microsoft.com/office/drawing/2014/main" id="{8533AF0D-B84F-45FB-A559-E98E74D2120E}"/>
-              </a:ext>
-            </a:extLst>
-          </p:cNvPr>
-          <p:cNvSpPr>
-            <a:spLocks noGrp="1"/>
-          </p:cNvSpPr>
-          <p:nvPr>
-            <p:ph type="title"/>
-          </p:nvPr>
-        </p:nvSpPr>
-        <p:spPr/>
-        <p:txBody>
-          <a:bodyPr/>
-          <a:lstStyle/>
-          <a:p>
-            <a:r>
-              <a:rPr lang="en-US" dirty="0"/>
-              <a:t>Worked Example</a:t>
-            </a:r>
-          </a:p>
-        </p:txBody>
-      </p:sp>
-      <p:sp>
-        <p:nvSpPr>
-          <p:cNvPr id="3" name="Content Placeholder 2">
-            <a:extLst>
-              <a:ext uri="{FF2B5EF4-FFF2-40B4-BE49-F238E27FC236}">
-                <a16:creationId xmlns:a16="http://schemas.microsoft.com/office/drawing/2014/main" id="{B1D88422-7F60-4F9F-868D-A12D4E5CB0DC}"/>
-              </a:ext>
-            </a:extLst>
-          </p:cNvPr>
-          <p:cNvSpPr>
-            <a:spLocks noGrp="1"/>
-          </p:cNvSpPr>
-          <p:nvPr>
-            <p:ph idx="1"/>
-          </p:nvPr>
-        </p:nvSpPr>
-        <p:spPr>
-          <a:xfrm>
-            <a:off x="457200" y="1600200"/>
-            <a:ext cx="8229600" cy="2133599"/>
-          </a:xfrm>
-        </p:spPr>
-        <p:txBody>
-          <a:bodyPr>
-            <a:normAutofit fontScale="85000" lnSpcReduction="20000"/>
-          </a:bodyPr>
-          <a:lstStyle/>
-          <a:p>
-            <a:r>
-              <a:rPr lang="en-US" dirty="0"/>
-              <a:t>The Ferris Wheel shown below can be approximated as a thin circular ring with a diameter of 96 meters and a mass of 20,000 kg. What is the power required from a motor in order to bring the Ferris wheel from rest to its operating speed of 0.5 rotations per minute over the course of 15 seconds?</a:t>
-            </a:r>
-          </a:p>
-        </p:txBody>
-      </p:sp>
-      <p:sp>
-        <p:nvSpPr>
-          <p:cNvPr id="4" name="Slide Number Placeholder 3">
-            <a:extLst>
-              <a:ext uri="{FF2B5EF4-FFF2-40B4-BE49-F238E27FC236}">
-                <a16:creationId xmlns:a16="http://schemas.microsoft.com/office/drawing/2014/main" id="{1AF10ADD-7821-494C-BA54-568823987B6A}"/>
-              </a:ext>
-            </a:extLst>
-          </p:cNvPr>
-          <p:cNvSpPr>
-            <a:spLocks noGrp="1"/>
-          </p:cNvSpPr>
-          <p:nvPr>
-            <p:ph type="sldNum" sz="quarter" idx="12"/>
-          </p:nvPr>
-        </p:nvSpPr>
-        <p:spPr/>
-        <p:txBody>
-          <a:bodyPr/>
-          <a:lstStyle/>
-          <a:p>
-            <a:fld id="{929262FE-7F58-4A1E-8AF3-5A510A86DEBD}" type="slidenum">
-              <a:rPr lang="en-US" smtClean="0"/>
-              <a:t>11</a:t>
-            </a:fld>
-            <a:endParaRPr lang="en-US" dirty="0"/>
-          </a:p>
-        </p:txBody>
-      </p:sp>
-      <p:pic>
-        <p:nvPicPr>
-          <p:cNvPr id="1026" name="Picture 2">
-            <a:extLst>
-              <a:ext uri="{FF2B5EF4-FFF2-40B4-BE49-F238E27FC236}">
-                <a16:creationId xmlns:a16="http://schemas.microsoft.com/office/drawing/2014/main" id="{6D64DA8C-457B-4396-8289-5297915F4EA2}"/>
-              </a:ext>
-            </a:extLst>
-          </p:cNvPr>
-          <p:cNvPicPr>
-            <a:picLocks noChangeAspect="1" noChangeArrowheads="1"/>
-          </p:cNvPicPr>
-          <p:nvPr/>
-        </p:nvPicPr>
-        <p:blipFill>
-          <a:blip r:embed="rId2">
-            <a:extLst>
-              <a:ext uri="{28A0092B-C50C-407E-A947-70E740481C1C}">
-                <a14:useLocalDpi xmlns:a14="http://schemas.microsoft.com/office/drawing/2010/main" val="0"/>
-              </a:ext>
-            </a:extLst>
-          </a:blip>
-          <a:srcRect/>
-          <a:stretch>
-            <a:fillRect/>
-          </a:stretch>
-        </p:blipFill>
-        <p:spPr bwMode="auto">
-          <a:xfrm>
-            <a:off x="2552629" y="4040188"/>
-            <a:ext cx="4038742" cy="2690812"/>
-          </a:xfrm>
-          <a:prstGeom prst="rect">
-            <a:avLst/>
-          </a:prstGeom>
-          <a:noFill/>
-          <a:extLst>
-            <a:ext uri="{909E8E84-426E-40DD-AFC4-6F175D3DCCD1}">
-              <a14:hiddenFill xmlns:a14="http://schemas.microsoft.com/office/drawing/2010/main">
-                <a:solidFill>
-                  <a:srgbClr val="FFFFFF"/>
-                </a:solidFill>
-              </a14:hiddenFill>
-            </a:ext>
-          </a:extLst>
-        </p:spPr>
-      </p:pic>
-      <p:sp>
-        <p:nvSpPr>
-          <p:cNvPr id="5" name="TextBox 4">
-            <a:extLst>
-              <a:ext uri="{FF2B5EF4-FFF2-40B4-BE49-F238E27FC236}">
-                <a16:creationId xmlns:a16="http://schemas.microsoft.com/office/drawing/2014/main" id="{480DC88A-9EA9-44C6-A81C-17A567C358FF}"/>
-              </a:ext>
-            </a:extLst>
-          </p:cNvPr>
-          <p:cNvSpPr txBox="1"/>
-          <p:nvPr/>
-        </p:nvSpPr>
-        <p:spPr>
-          <a:xfrm>
-            <a:off x="6781800" y="4923929"/>
-            <a:ext cx="2006727" cy="923330"/>
-          </a:xfrm>
-          <a:prstGeom prst="rect">
-            <a:avLst/>
-          </a:prstGeom>
-          <a:noFill/>
-        </p:spPr>
-        <p:txBody>
-          <a:bodyPr wrap="square" rtlCol="0">
-            <a:spAutoFit/>
-          </a:bodyPr>
-          <a:lstStyle/>
-          <a:p>
-            <a:r>
-              <a:rPr lang="en-US" dirty="0"/>
-              <a:t>Image by Orlandowood365</a:t>
-            </a:r>
-          </a:p>
-          <a:p>
-            <a:r>
-              <a:rPr lang="en-US" dirty="0"/>
-              <a:t>CC-BY-SA 4.0</a:t>
-            </a:r>
-          </a:p>
-        </p:txBody>
-      </p:sp>
-    </p:spTree>
-    <p:extLst>
-      <p:ext uri="{BB962C8B-B14F-4D97-AF65-F5344CB8AC3E}">
-        <p14:creationId xmlns:p14="http://schemas.microsoft.com/office/powerpoint/2010/main" val="477139429"/>
-      </p:ext>
-    </p:extLst>
-  </p:cSld>
-  <p:clrMapOvr>
-    <a:masterClrMapping/>
-  </p:clrMapOvr>
-</p:sld>
-</file>
-
-<file path=ppt/slides/slide12.xml><?xml version="1.0" encoding="utf-8"?>
-<p:sld xmlns:a="http://schemas.openxmlformats.org/drawingml/2006/main" xmlns:r="http://schemas.openxmlformats.org/officeDocument/2006/relationships" xmlns:p="http://schemas.openxmlformats.org/presentationml/2006/main">
-  <p:cSld>
-    <p:spTree>
-      <p:nvGrpSpPr>
-        <p:cNvPr id="1" name=""/>
-        <p:cNvGrpSpPr/>
-        <p:nvPr/>
-      </p:nvGrpSpPr>
-      <p:grpSpPr>
-        <a:xfrm>
-          <a:off x="0" y="0"/>
-          <a:ext cx="0" cy="0"/>
-          <a:chOff x="0" y="0"/>
-          <a:chExt cx="0" cy="0"/>
-        </a:xfrm>
-      </p:grpSpPr>
-      <p:sp>
-        <p:nvSpPr>
-          <p:cNvPr id="2" name="Title 1">
-            <a:extLst>
-              <a:ext uri="{FF2B5EF4-FFF2-40B4-BE49-F238E27FC236}">
-                <a16:creationId xmlns:a16="http://schemas.microsoft.com/office/drawing/2014/main" id="{27076BA7-84E2-4563-9ABF-3302CF545A68}"/>
-              </a:ext>
-            </a:extLst>
-          </p:cNvPr>
-          <p:cNvSpPr>
-            <a:spLocks noGrp="1"/>
-          </p:cNvSpPr>
-          <p:nvPr>
-            <p:ph type="title"/>
-          </p:nvPr>
-        </p:nvSpPr>
-        <p:spPr/>
-        <p:txBody>
-          <a:bodyPr/>
-          <a:lstStyle/>
-          <a:p>
-            <a:r>
-              <a:rPr lang="en-US" dirty="0"/>
-              <a:t>Worked Example</a:t>
-            </a:r>
-          </a:p>
-        </p:txBody>
-      </p:sp>
-      <p:sp>
-        <p:nvSpPr>
-          <p:cNvPr id="3" name="Content Placeholder 2">
-            <a:extLst>
-              <a:ext uri="{FF2B5EF4-FFF2-40B4-BE49-F238E27FC236}">
-                <a16:creationId xmlns:a16="http://schemas.microsoft.com/office/drawing/2014/main" id="{BD166A9F-FF6B-4F87-B2D3-AA310237601A}"/>
-              </a:ext>
-            </a:extLst>
-          </p:cNvPr>
-          <p:cNvSpPr>
-            <a:spLocks noGrp="1"/>
-          </p:cNvSpPr>
-          <p:nvPr>
-            <p:ph idx="1"/>
-          </p:nvPr>
-        </p:nvSpPr>
-        <p:spPr>
-          <a:xfrm>
-            <a:off x="457200" y="1600201"/>
-            <a:ext cx="8229600" cy="2253930"/>
-          </a:xfrm>
-        </p:spPr>
-        <p:txBody>
-          <a:bodyPr>
-            <a:normAutofit fontScale="77500" lnSpcReduction="20000"/>
-          </a:bodyPr>
-          <a:lstStyle/>
-          <a:p>
-            <a:r>
-              <a:rPr lang="en-US" dirty="0"/>
-              <a:t>A small off-road trailer can be approximated as a rectangular prism with a mass of 100kg supported by two wheels each approximated as thin circular discs with as mass of 25 kg and a diameter of 60 cm. Assuming the wheels roll without slipping, what is the power required to bring the trailer from rest to a speed of 80 kph over the course of 10 seconds? </a:t>
-            </a:r>
-          </a:p>
-        </p:txBody>
-      </p:sp>
-      <p:sp>
-        <p:nvSpPr>
-          <p:cNvPr id="4" name="Slide Number Placeholder 3">
-            <a:extLst>
-              <a:ext uri="{FF2B5EF4-FFF2-40B4-BE49-F238E27FC236}">
-                <a16:creationId xmlns:a16="http://schemas.microsoft.com/office/drawing/2014/main" id="{35FD0D2A-31F1-4F5B-9D3E-FA4CE39A1418}"/>
-              </a:ext>
-            </a:extLst>
-          </p:cNvPr>
-          <p:cNvSpPr>
-            <a:spLocks noGrp="1"/>
-          </p:cNvSpPr>
-          <p:nvPr>
-            <p:ph type="sldNum" sz="quarter" idx="12"/>
-          </p:nvPr>
-        </p:nvSpPr>
-        <p:spPr/>
-        <p:txBody>
-          <a:bodyPr/>
-          <a:lstStyle/>
-          <a:p>
-            <a:fld id="{929262FE-7F58-4A1E-8AF3-5A510A86DEBD}" type="slidenum">
-              <a:rPr lang="en-US" smtClean="0"/>
-              <a:t>12</a:t>
-            </a:fld>
-            <a:endParaRPr lang="en-US" dirty="0"/>
-          </a:p>
-        </p:txBody>
-      </p:sp>
-      <p:sp>
-        <p:nvSpPr>
-          <p:cNvPr id="5" name="Rectangle 4">
-            <a:extLst>
-              <a:ext uri="{FF2B5EF4-FFF2-40B4-BE49-F238E27FC236}">
-                <a16:creationId xmlns:a16="http://schemas.microsoft.com/office/drawing/2014/main" id="{A874D40A-C8A8-4C05-B179-6B2F715568BF}"/>
-              </a:ext>
-            </a:extLst>
-          </p:cNvPr>
-          <p:cNvSpPr/>
-          <p:nvPr/>
-        </p:nvSpPr>
-        <p:spPr>
-          <a:xfrm>
-            <a:off x="1716092" y="4800600"/>
-            <a:ext cx="2342354" cy="685799"/>
-          </a:xfrm>
-          <a:prstGeom prst="rect">
-            <a:avLst/>
-          </a:prstGeom>
-        </p:spPr>
-        <p:style>
-          <a:lnRef idx="1">
-            <a:schemeClr val="dk1"/>
-          </a:lnRef>
-          <a:fillRef idx="2">
-            <a:schemeClr val="dk1"/>
-          </a:fillRef>
-          <a:effectRef idx="1">
-            <a:schemeClr val="dk1"/>
-          </a:effectRef>
-          <a:fontRef idx="minor">
-            <a:schemeClr val="dk1"/>
-          </a:fontRef>
-        </p:style>
-        <p:txBody>
-          <a:bodyPr rtlCol="0" anchor="ctr"/>
-          <a:lstStyle/>
-          <a:p>
-            <a:pPr algn="ctr"/>
-            <a:endParaRPr lang="en-US"/>
-          </a:p>
-        </p:txBody>
-      </p:sp>
-      <p:sp>
-        <p:nvSpPr>
-          <p:cNvPr id="8" name="Rectangle 7">
-            <a:extLst>
-              <a:ext uri="{FF2B5EF4-FFF2-40B4-BE49-F238E27FC236}">
-                <a16:creationId xmlns:a16="http://schemas.microsoft.com/office/drawing/2014/main" id="{E1B336E3-1B49-44E6-9A5A-98AEEE521E28}"/>
-              </a:ext>
-            </a:extLst>
-          </p:cNvPr>
-          <p:cNvSpPr/>
-          <p:nvPr/>
-        </p:nvSpPr>
-        <p:spPr>
-          <a:xfrm>
-            <a:off x="4058446" y="5333999"/>
-            <a:ext cx="874708" cy="76201"/>
-          </a:xfrm>
-          <a:prstGeom prst="rect">
-            <a:avLst/>
-          </a:prstGeom>
-        </p:spPr>
-        <p:style>
-          <a:lnRef idx="1">
-            <a:schemeClr val="dk1"/>
-          </a:lnRef>
-          <a:fillRef idx="2">
-            <a:schemeClr val="dk1"/>
-          </a:fillRef>
-          <a:effectRef idx="1">
-            <a:schemeClr val="dk1"/>
-          </a:effectRef>
-          <a:fontRef idx="minor">
-            <a:schemeClr val="dk1"/>
-          </a:fontRef>
-        </p:style>
-        <p:txBody>
-          <a:bodyPr rtlCol="0" anchor="ctr"/>
-          <a:lstStyle/>
-          <a:p>
-            <a:pPr algn="ctr"/>
-            <a:endParaRPr lang="en-US"/>
-          </a:p>
-        </p:txBody>
-      </p:sp>
-      <p:sp>
-        <p:nvSpPr>
-          <p:cNvPr id="9" name="Oval 8">
-            <a:extLst>
-              <a:ext uri="{FF2B5EF4-FFF2-40B4-BE49-F238E27FC236}">
-                <a16:creationId xmlns:a16="http://schemas.microsoft.com/office/drawing/2014/main" id="{DF4C2BA1-8A43-4553-BBC7-5873D6E77406}"/>
-              </a:ext>
-            </a:extLst>
-          </p:cNvPr>
-          <p:cNvSpPr/>
-          <p:nvPr/>
-        </p:nvSpPr>
-        <p:spPr>
-          <a:xfrm>
-            <a:off x="2440703" y="5055869"/>
-            <a:ext cx="822960" cy="822960"/>
-          </a:xfrm>
-          <a:prstGeom prst="ellipse">
-            <a:avLst/>
-          </a:prstGeom>
-        </p:spPr>
-        <p:style>
-          <a:lnRef idx="2">
-            <a:schemeClr val="dk1">
-              <a:shade val="50000"/>
-            </a:schemeClr>
-          </a:lnRef>
-          <a:fillRef idx="1">
-            <a:schemeClr val="dk1"/>
-          </a:fillRef>
-          <a:effectRef idx="0">
-            <a:schemeClr val="dk1"/>
-          </a:effectRef>
-          <a:fontRef idx="minor">
-            <a:schemeClr val="lt1"/>
-          </a:fontRef>
-        </p:style>
-        <p:txBody>
-          <a:bodyPr rtlCol="0" anchor="ctr"/>
-          <a:lstStyle/>
-          <a:p>
-            <a:pPr algn="ctr"/>
-            <a:endParaRPr lang="en-US"/>
-          </a:p>
-        </p:txBody>
-      </p:sp>
-      <p:pic>
-        <p:nvPicPr>
-          <p:cNvPr id="7" name="Picture 6">
-            <a:extLst>
-              <a:ext uri="{FF2B5EF4-FFF2-40B4-BE49-F238E27FC236}">
-                <a16:creationId xmlns:a16="http://schemas.microsoft.com/office/drawing/2014/main" id="{D8FB3EC9-4626-4A28-B651-3C16CEE9B5F7}"/>
-              </a:ext>
-            </a:extLst>
-          </p:cNvPr>
-          <p:cNvPicPr>
-            <a:picLocks noChangeAspect="1"/>
-          </p:cNvPicPr>
-          <p:nvPr/>
-        </p:nvPicPr>
-        <p:blipFill>
-          <a:blip r:embed="rId2"/>
-          <a:stretch>
-            <a:fillRect/>
-          </a:stretch>
-        </p:blipFill>
-        <p:spPr>
-          <a:xfrm>
-            <a:off x="4760913" y="3524250"/>
-            <a:ext cx="3163887" cy="3163887"/>
-          </a:xfrm>
-          <a:prstGeom prst="rect">
-            <a:avLst/>
-          </a:prstGeom>
-        </p:spPr>
-      </p:pic>
-    </p:spTree>
-    <p:extLst>
-      <p:ext uri="{BB962C8B-B14F-4D97-AF65-F5344CB8AC3E}">
-        <p14:creationId xmlns:p14="http://schemas.microsoft.com/office/powerpoint/2010/main" val="477969691"/>
-      </p:ext>
-    </p:extLst>
-  </p:cSld>
-  <p:clrMapOvr>
-    <a:masterClrMapping/>
-  </p:clrMapOvr>
-</p:sld>
-</file>
-
-<file path=ppt/slides/slide13.xml><?xml version="1.0" encoding="utf-8"?>
-<p:sld xmlns:a="http://schemas.openxmlformats.org/drawingml/2006/main" xmlns:r="http://schemas.openxmlformats.org/officeDocument/2006/relationships" xmlns:p="http://schemas.openxmlformats.org/presentationml/2006/main">
-  <p:cSld>
-    <p:spTree>
-      <p:nvGrpSpPr>
-        <p:cNvPr id="1" name=""/>
-        <p:cNvGrpSpPr/>
-        <p:nvPr/>
-      </p:nvGrpSpPr>
-      <p:grpSpPr>
-        <a:xfrm>
-          <a:off x="0" y="0"/>
-          <a:ext cx="0" cy="0"/>
-          <a:chOff x="0" y="0"/>
-          <a:chExt cx="0" cy="0"/>
-        </a:xfrm>
-      </p:grpSpPr>
-      <p:sp>
-        <p:nvSpPr>
-          <p:cNvPr id="2" name="Title 1"/>
-          <p:cNvSpPr>
-            <a:spLocks noGrp="1"/>
-          </p:cNvSpPr>
-          <p:nvPr>
-            <p:ph type="title"/>
-          </p:nvPr>
-        </p:nvSpPr>
-        <p:spPr/>
-        <p:txBody>
-          <a:bodyPr/>
-          <a:lstStyle/>
-          <a:p>
-            <a:r>
-              <a:rPr lang="en-US" dirty="0"/>
-              <a:t>Worked Example</a:t>
-            </a:r>
-          </a:p>
-        </p:txBody>
-      </p:sp>
-      <p:sp>
-        <p:nvSpPr>
-          <p:cNvPr id="3" name="Content Placeholder 2"/>
-          <p:cNvSpPr>
-            <a:spLocks noGrp="1"/>
-          </p:cNvSpPr>
-          <p:nvPr>
-            <p:ph idx="1"/>
-          </p:nvPr>
-        </p:nvSpPr>
-        <p:spPr>
-          <a:xfrm>
-            <a:off x="457200" y="1600201"/>
-            <a:ext cx="8229600" cy="2362200"/>
-          </a:xfrm>
-        </p:spPr>
-        <p:txBody>
-          <a:bodyPr>
-            <a:normAutofit fontScale="85000" lnSpcReduction="20000"/>
-          </a:bodyPr>
-          <a:lstStyle/>
-          <a:p>
-            <a:r>
-              <a:rPr lang="en-US" dirty="0"/>
-              <a:t>The input to a gearbox has a measured 32 ft lbs of torque at 700 rpm.  The output has 207 ft lbs of torque at 100 rpm.  </a:t>
-            </a:r>
-          </a:p>
-          <a:p>
-            <a:pPr lvl="1"/>
-            <a:r>
-              <a:rPr lang="en-US" dirty="0"/>
-              <a:t>What is the power input?</a:t>
-            </a:r>
-          </a:p>
-          <a:p>
-            <a:pPr lvl="1"/>
-            <a:r>
-              <a:rPr lang="en-US" dirty="0"/>
-              <a:t>What is the power output?</a:t>
-            </a:r>
-          </a:p>
-          <a:p>
-            <a:pPr lvl="1"/>
-            <a:r>
-              <a:rPr lang="en-US" dirty="0"/>
-              <a:t>What is the efficiency of the gear train?</a:t>
-            </a:r>
-          </a:p>
-        </p:txBody>
-      </p:sp>
-      <p:sp>
-        <p:nvSpPr>
-          <p:cNvPr id="4" name="Slide Number Placeholder 3"/>
-          <p:cNvSpPr>
-            <a:spLocks noGrp="1"/>
-          </p:cNvSpPr>
-          <p:nvPr>
-            <p:ph type="sldNum" sz="quarter" idx="12"/>
-          </p:nvPr>
-        </p:nvSpPr>
-        <p:spPr/>
-        <p:txBody>
-          <a:bodyPr/>
-          <a:lstStyle/>
-          <a:p>
-            <a:fld id="{929262FE-7F58-4A1E-8AF3-5A510A86DEBD}" type="slidenum">
-              <a:rPr lang="en-US" smtClean="0"/>
-              <a:t>13</a:t>
-            </a:fld>
-            <a:endParaRPr lang="en-US"/>
-          </a:p>
-        </p:txBody>
-      </p:sp>
-      <p:pic>
-        <p:nvPicPr>
-          <p:cNvPr id="3074" name="Picture 2" descr="crafts, gearbox, gears">
-            <a:extLst>
-              <a:ext uri="{FF2B5EF4-FFF2-40B4-BE49-F238E27FC236}">
-                <a16:creationId xmlns:a16="http://schemas.microsoft.com/office/drawing/2014/main" id="{6619458D-97A6-4BB8-8885-5A76929939A3}"/>
-              </a:ext>
-            </a:extLst>
-          </p:cNvPr>
-          <p:cNvPicPr>
-            <a:picLocks noChangeAspect="1" noChangeArrowheads="1"/>
-          </p:cNvPicPr>
-          <p:nvPr/>
-        </p:nvPicPr>
-        <p:blipFill>
-          <a:blip r:embed="rId2" cstate="print">
-            <a:extLst>
-              <a:ext uri="{28A0092B-C50C-407E-A947-70E740481C1C}">
-                <a14:useLocalDpi xmlns:a14="http://schemas.microsoft.com/office/drawing/2010/main" val="0"/>
-              </a:ext>
-            </a:extLst>
-          </a:blip>
-          <a:srcRect/>
-          <a:stretch>
-            <a:fillRect/>
-          </a:stretch>
-        </p:blipFill>
-        <p:spPr bwMode="auto">
-          <a:xfrm>
-            <a:off x="2476500" y="3962401"/>
-            <a:ext cx="4191000" cy="2788906"/>
-          </a:xfrm>
-          <a:prstGeom prst="rect">
-            <a:avLst/>
-          </a:prstGeom>
-          <a:noFill/>
-          <a:extLst>
-            <a:ext uri="{909E8E84-426E-40DD-AFC4-6F175D3DCCD1}">
-              <a14:hiddenFill xmlns:a14="http://schemas.microsoft.com/office/drawing/2010/main">
-                <a:solidFill>
-                  <a:srgbClr val="FFFFFF"/>
-                </a:solidFill>
-              </a14:hiddenFill>
-            </a:ext>
-          </a:extLst>
-        </p:spPr>
-      </p:pic>
-    </p:spTree>
-    <p:extLst>
-      <p:ext uri="{BB962C8B-B14F-4D97-AF65-F5344CB8AC3E}">
-        <p14:creationId xmlns:p14="http://schemas.microsoft.com/office/powerpoint/2010/main" val="2144110765"/>
-      </p:ext>
-    </p:extLst>
-  </p:cSld>
-  <p:clrMapOvr>
-    <a:masterClrMapping/>
-  </p:clrMapOvr>
-</p:sld>
-</file>
-
-<file path=ppt/slides/slide14.xml><?xml version="1.0" encoding="utf-8"?>
-<p:sld xmlns:a="http://schemas.openxmlformats.org/drawingml/2006/main" xmlns:r="http://schemas.openxmlformats.org/officeDocument/2006/relationships" xmlns:p="http://schemas.openxmlformats.org/presentationml/2006/main">
-  <p:cSld>
-    <p:spTree>
-      <p:nvGrpSpPr>
-        <p:cNvPr id="1" name=""/>
-        <p:cNvGrpSpPr/>
-        <p:nvPr/>
-      </p:nvGrpSpPr>
-      <p:grpSpPr>
-        <a:xfrm>
-          <a:off x="0" y="0"/>
-          <a:ext cx="0" cy="0"/>
-          <a:chOff x="0" y="0"/>
-          <a:chExt cx="0" cy="0"/>
-        </a:xfrm>
-      </p:grpSpPr>
-      <p:sp>
-        <p:nvSpPr>
-          <p:cNvPr id="2" name="Title 1"/>
-          <p:cNvSpPr>
-            <a:spLocks noGrp="1"/>
-          </p:cNvSpPr>
-          <p:nvPr>
-            <p:ph type="title"/>
-          </p:nvPr>
-        </p:nvSpPr>
-        <p:spPr/>
-        <p:txBody>
-          <a:bodyPr/>
-          <a:lstStyle/>
-          <a:p>
-            <a:r>
-              <a:rPr lang="en-US" dirty="0"/>
-              <a:t>Worked Example</a:t>
-            </a:r>
-          </a:p>
-        </p:txBody>
-      </p:sp>
-      <p:sp>
-        <p:nvSpPr>
-          <p:cNvPr id="3" name="Content Placeholder 2"/>
-          <p:cNvSpPr>
-            <a:spLocks noGrp="1"/>
-          </p:cNvSpPr>
-          <p:nvPr>
-            <p:ph idx="1"/>
-          </p:nvPr>
-        </p:nvSpPr>
-        <p:spPr>
-          <a:xfrm>
-            <a:off x="457200" y="1600201"/>
-            <a:ext cx="8229600" cy="2362200"/>
-          </a:xfrm>
-        </p:spPr>
-        <p:txBody>
-          <a:bodyPr>
-            <a:normAutofit fontScale="77500" lnSpcReduction="20000"/>
-          </a:bodyPr>
-          <a:lstStyle/>
-          <a:p>
-            <a:r>
-              <a:rPr lang="en-US" b="0" i="0" dirty="0">
-                <a:solidFill>
-                  <a:srgbClr val="000000"/>
-                </a:solidFill>
-                <a:effectLst/>
-                <a:latin typeface="Arial" panose="020B0604020202020204" pitchFamily="34" charset="0"/>
-              </a:rPr>
-              <a:t>You ask your little cousin to move a 1 kg box up a hill with a coefficient of kinetic friction </a:t>
-            </a:r>
-            <a:r>
-              <a:rPr lang="en-US" b="0" i="0" dirty="0" err="1">
-                <a:solidFill>
-                  <a:srgbClr val="000000"/>
-                </a:solidFill>
-                <a:effectLst/>
-                <a:latin typeface="Arial" panose="020B0604020202020204" pitchFamily="34" charset="0"/>
-              </a:rPr>
-              <a:t>μ</a:t>
-            </a:r>
-            <a:r>
-              <a:rPr lang="en-US" b="0" i="0" baseline="-25000" dirty="0" err="1">
-                <a:solidFill>
-                  <a:srgbClr val="000000"/>
-                </a:solidFill>
-                <a:effectLst/>
-                <a:latin typeface="Arial" panose="020B0604020202020204" pitchFamily="34" charset="0"/>
-              </a:rPr>
-              <a:t>k</a:t>
-            </a:r>
-            <a:r>
-              <a:rPr lang="en-US" b="0" i="0" dirty="0">
-                <a:solidFill>
-                  <a:srgbClr val="000000"/>
-                </a:solidFill>
-                <a:effectLst/>
-                <a:latin typeface="Arial" panose="020B0604020202020204" pitchFamily="34" charset="0"/>
-              </a:rPr>
-              <a:t>=0.2. Rather than carrying the box, he overthinks things and drags the box up the hill with a rope. Determine the average power exerted by your little cousin if he applies a force F=10 N and he drags the box up the hill d=3 m with an incline of θ=30 degrees.</a:t>
-            </a:r>
-            <a:endParaRPr lang="en-US" dirty="0"/>
-          </a:p>
-        </p:txBody>
-      </p:sp>
-      <p:sp>
-        <p:nvSpPr>
-          <p:cNvPr id="4" name="Slide Number Placeholder 3"/>
-          <p:cNvSpPr>
-            <a:spLocks noGrp="1"/>
-          </p:cNvSpPr>
-          <p:nvPr>
-            <p:ph type="sldNum" sz="quarter" idx="12"/>
-          </p:nvPr>
-        </p:nvSpPr>
-        <p:spPr/>
-        <p:txBody>
-          <a:bodyPr/>
-          <a:lstStyle/>
-          <a:p>
-            <a:fld id="{929262FE-7F58-4A1E-8AF3-5A510A86DEBD}" type="slidenum">
-              <a:rPr lang="en-US" smtClean="0"/>
-              <a:t>14</a:t>
-            </a:fld>
-            <a:endParaRPr lang="en-US"/>
-          </a:p>
-        </p:txBody>
-      </p:sp>
-      <p:pic>
-        <p:nvPicPr>
-          <p:cNvPr id="1026" name="Picture 2" descr="Problem 2 Diagram">
-            <a:extLst>
-              <a:ext uri="{FF2B5EF4-FFF2-40B4-BE49-F238E27FC236}">
-                <a16:creationId xmlns:a16="http://schemas.microsoft.com/office/drawing/2014/main" id="{0752D0B8-4BAA-4B39-A7EB-29CBB98C99F5}"/>
-              </a:ext>
-            </a:extLst>
-          </p:cNvPr>
-          <p:cNvPicPr>
-            <a:picLocks noChangeAspect="1" noChangeArrowheads="1"/>
-          </p:cNvPicPr>
-          <p:nvPr/>
-        </p:nvPicPr>
-        <p:blipFill>
-          <a:blip r:embed="rId2" cstate="print">
-            <a:extLst>
-              <a:ext uri="{28A0092B-C50C-407E-A947-70E740481C1C}">
-                <a14:useLocalDpi xmlns:a14="http://schemas.microsoft.com/office/drawing/2010/main" val="0"/>
-              </a:ext>
-            </a:extLst>
-          </a:blip>
-          <a:srcRect/>
-          <a:stretch>
-            <a:fillRect/>
-          </a:stretch>
-        </p:blipFill>
-        <p:spPr bwMode="auto">
-          <a:xfrm>
-            <a:off x="2286000" y="3694906"/>
-            <a:ext cx="4572000" cy="3169444"/>
-          </a:xfrm>
-          <a:prstGeom prst="rect">
-            <a:avLst/>
-          </a:prstGeom>
-          <a:noFill/>
-          <a:extLst>
-            <a:ext uri="{909E8E84-426E-40DD-AFC4-6F175D3DCCD1}">
-              <a14:hiddenFill xmlns:a14="http://schemas.microsoft.com/office/drawing/2010/main">
-                <a:solidFill>
-                  <a:srgbClr val="FFFFFF"/>
-                </a:solidFill>
-              </a14:hiddenFill>
-            </a:ext>
-          </a:extLst>
-        </p:spPr>
-      </p:pic>
-    </p:spTree>
-    <p:extLst>
-      <p:ext uri="{BB962C8B-B14F-4D97-AF65-F5344CB8AC3E}">
-        <p14:creationId xmlns:p14="http://schemas.microsoft.com/office/powerpoint/2010/main" val="747336606"/>
       </p:ext>
     </p:extLst>
   </p:cSld>
@@ -4691,7 +3756,7 @@
           <p:cNvPr id="2" name="Title 1">
             <a:extLst>
               <a:ext uri="{FF2B5EF4-FFF2-40B4-BE49-F238E27FC236}">
-                <a16:creationId xmlns:a16="http://schemas.microsoft.com/office/drawing/2014/main" id="{03A2256D-408D-4D01-BBB8-EEE1C5E7378B}"/>
+                <a16:creationId xmlns:a16="http://schemas.microsoft.com/office/drawing/2014/main" id="{8975C4F9-7F4C-42CF-8E91-D4F15CCD58F4}"/>
               </a:ext>
             </a:extLst>
           </p:cNvPr>
@@ -4709,7 +3774,791 @@
           <a:p>
             <a:r>
               <a:rPr lang="en-US" dirty="0"/>
-              <a:t>Power</a:t>
+              <a:t>Work, Power, and Energy Transfer</a:t>
+            </a:r>
+          </a:p>
+        </p:txBody>
+      </p:sp>
+      <p:sp>
+        <p:nvSpPr>
+          <p:cNvPr id="3" name="Content Placeholder 2">
+            <a:extLst>
+              <a:ext uri="{FF2B5EF4-FFF2-40B4-BE49-F238E27FC236}">
+                <a16:creationId xmlns:a16="http://schemas.microsoft.com/office/drawing/2014/main" id="{750F6DF8-C2C0-4F3E-9160-D3F5555B4E6C}"/>
+              </a:ext>
+            </a:extLst>
+          </p:cNvPr>
+          <p:cNvSpPr>
+            <a:spLocks noGrp="1"/>
+          </p:cNvSpPr>
+          <p:nvPr>
+            <p:ph idx="1"/>
+          </p:nvPr>
+        </p:nvSpPr>
+        <p:spPr>
+          <a:xfrm>
+            <a:off x="457200" y="1320211"/>
+            <a:ext cx="8477250" cy="2184921"/>
+          </a:xfrm>
+        </p:spPr>
+        <p:txBody>
+          <a:bodyPr>
+            <a:normAutofit fontScale="85000" lnSpcReduction="20000"/>
+          </a:bodyPr>
+          <a:lstStyle/>
+          <a:p>
+            <a:r>
+              <a:rPr lang="en-US" dirty="0"/>
+              <a:t>Before we discuss efficiency, we need to discuss the concept of energy transfer.</a:t>
+            </a:r>
+          </a:p>
+          <a:p>
+            <a:r>
+              <a:rPr lang="en-US" dirty="0"/>
+              <a:t>Energy can’t be created or destroyed (first law of thermodynamics), but many engineering devices convert energy from one form to another. This is an energy transfer.</a:t>
+            </a:r>
+          </a:p>
+        </p:txBody>
+      </p:sp>
+      <p:sp>
+        <p:nvSpPr>
+          <p:cNvPr id="4" name="Slide Number Placeholder 3">
+            <a:extLst>
+              <a:ext uri="{FF2B5EF4-FFF2-40B4-BE49-F238E27FC236}">
+                <a16:creationId xmlns:a16="http://schemas.microsoft.com/office/drawing/2014/main" id="{41B1B246-274A-4C42-B75F-723FFECA0B3D}"/>
+              </a:ext>
+            </a:extLst>
+          </p:cNvPr>
+          <p:cNvSpPr>
+            <a:spLocks noGrp="1"/>
+          </p:cNvSpPr>
+          <p:nvPr>
+            <p:ph type="sldNum" sz="quarter" idx="12"/>
+          </p:nvPr>
+        </p:nvSpPr>
+        <p:spPr/>
+        <p:txBody>
+          <a:bodyPr/>
+          <a:lstStyle/>
+          <a:p>
+            <a:fld id="{929262FE-7F58-4A1E-8AF3-5A510A86DEBD}" type="slidenum">
+              <a:rPr lang="en-US" smtClean="0"/>
+              <a:t>2</a:t>
+            </a:fld>
+            <a:endParaRPr lang="en-US" dirty="0"/>
+          </a:p>
+        </p:txBody>
+      </p:sp>
+      <p:pic>
+        <p:nvPicPr>
+          <p:cNvPr id="1026" name="Picture 2">
+            <a:extLst>
+              <a:ext uri="{FF2B5EF4-FFF2-40B4-BE49-F238E27FC236}">
+                <a16:creationId xmlns:a16="http://schemas.microsoft.com/office/drawing/2014/main" id="{A76496E6-2F35-4AF4-8011-A1C614AF61D5}"/>
+              </a:ext>
+            </a:extLst>
+          </p:cNvPr>
+          <p:cNvPicPr>
+            <a:picLocks noChangeAspect="1" noChangeArrowheads="1"/>
+          </p:cNvPicPr>
+          <p:nvPr/>
+        </p:nvPicPr>
+        <p:blipFill rotWithShape="1">
+          <a:blip r:embed="rId2">
+            <a:extLst>
+              <a:ext uri="{28A0092B-C50C-407E-A947-70E740481C1C}">
+                <a14:useLocalDpi xmlns:a14="http://schemas.microsoft.com/office/drawing/2010/main" val="0"/>
+              </a:ext>
+            </a:extLst>
+          </a:blip>
+          <a:srcRect t="15392"/>
+          <a:stretch/>
+        </p:blipFill>
+        <p:spPr bwMode="auto">
+          <a:xfrm>
+            <a:off x="140626" y="3919823"/>
+            <a:ext cx="2983574" cy="1679844"/>
+          </a:xfrm>
+          <a:prstGeom prst="rect">
+            <a:avLst/>
+          </a:prstGeom>
+          <a:noFill/>
+          <a:extLst>
+            <a:ext uri="{909E8E84-426E-40DD-AFC4-6F175D3DCCD1}">
+              <a14:hiddenFill xmlns:a14="http://schemas.microsoft.com/office/drawing/2010/main">
+                <a:solidFill>
+                  <a:srgbClr val="FFFFFF"/>
+                </a:solidFill>
+              </a14:hiddenFill>
+            </a:ext>
+          </a:extLst>
+        </p:spPr>
+      </p:pic>
+      <p:sp>
+        <p:nvSpPr>
+          <p:cNvPr id="5" name="TextBox 4">
+            <a:extLst>
+              <a:ext uri="{FF2B5EF4-FFF2-40B4-BE49-F238E27FC236}">
+                <a16:creationId xmlns:a16="http://schemas.microsoft.com/office/drawing/2014/main" id="{08685342-4F5B-42B3-9CFB-BA01732DFBB5}"/>
+              </a:ext>
+            </a:extLst>
+          </p:cNvPr>
+          <p:cNvSpPr txBox="1"/>
+          <p:nvPr/>
+        </p:nvSpPr>
+        <p:spPr>
+          <a:xfrm>
+            <a:off x="209550" y="5644959"/>
+            <a:ext cx="2983574" cy="369332"/>
+          </a:xfrm>
+          <a:prstGeom prst="rect">
+            <a:avLst/>
+          </a:prstGeom>
+          <a:noFill/>
+        </p:spPr>
+        <p:txBody>
+          <a:bodyPr wrap="none" rtlCol="0">
+            <a:spAutoFit/>
+          </a:bodyPr>
+          <a:lstStyle/>
+          <a:p>
+            <a:r>
+              <a:rPr lang="en-US" dirty="0"/>
+              <a:t>Image by </a:t>
+            </a:r>
+            <a:r>
+              <a:rPr lang="en-US" dirty="0" err="1"/>
+              <a:t>AleSpa</a:t>
+            </a:r>
+            <a:r>
+              <a:rPr lang="en-US" dirty="0"/>
+              <a:t> CC-BY-SA 3.0</a:t>
+            </a:r>
+          </a:p>
+        </p:txBody>
+      </p:sp>
+      <p:pic>
+        <p:nvPicPr>
+          <p:cNvPr id="1028" name="Picture 4">
+            <a:extLst>
+              <a:ext uri="{FF2B5EF4-FFF2-40B4-BE49-F238E27FC236}">
+                <a16:creationId xmlns:a16="http://schemas.microsoft.com/office/drawing/2014/main" id="{8AE906C4-57F9-4362-862E-7AFC4008165B}"/>
+              </a:ext>
+            </a:extLst>
+          </p:cNvPr>
+          <p:cNvPicPr>
+            <a:picLocks noChangeAspect="1" noChangeArrowheads="1"/>
+          </p:cNvPicPr>
+          <p:nvPr/>
+        </p:nvPicPr>
+        <p:blipFill rotWithShape="1">
+          <a:blip r:embed="rId3">
+            <a:extLst>
+              <a:ext uri="{28A0092B-C50C-407E-A947-70E740481C1C}">
+                <a14:useLocalDpi xmlns:a14="http://schemas.microsoft.com/office/drawing/2010/main" val="0"/>
+              </a:ext>
+            </a:extLst>
+          </a:blip>
+          <a:srcRect b="12333"/>
+          <a:stretch/>
+        </p:blipFill>
+        <p:spPr bwMode="auto">
+          <a:xfrm>
+            <a:off x="3276600" y="3615718"/>
+            <a:ext cx="2282667" cy="2668212"/>
+          </a:xfrm>
+          <a:prstGeom prst="rect">
+            <a:avLst/>
+          </a:prstGeom>
+          <a:noFill/>
+          <a:extLst>
+            <a:ext uri="{909E8E84-426E-40DD-AFC4-6F175D3DCCD1}">
+              <a14:hiddenFill xmlns:a14="http://schemas.microsoft.com/office/drawing/2010/main">
+                <a:solidFill>
+                  <a:srgbClr val="FFFFFF"/>
+                </a:solidFill>
+              </a14:hiddenFill>
+            </a:ext>
+          </a:extLst>
+        </p:spPr>
+      </p:pic>
+      <p:sp>
+        <p:nvSpPr>
+          <p:cNvPr id="8" name="TextBox 7">
+            <a:extLst>
+              <a:ext uri="{FF2B5EF4-FFF2-40B4-BE49-F238E27FC236}">
+                <a16:creationId xmlns:a16="http://schemas.microsoft.com/office/drawing/2014/main" id="{83E22411-1973-4A37-A9AE-AAC77F6D152C}"/>
+              </a:ext>
+            </a:extLst>
+          </p:cNvPr>
+          <p:cNvSpPr txBox="1"/>
+          <p:nvPr/>
+        </p:nvSpPr>
+        <p:spPr>
+          <a:xfrm>
+            <a:off x="2871612" y="6329222"/>
+            <a:ext cx="3092641" cy="369332"/>
+          </a:xfrm>
+          <a:prstGeom prst="rect">
+            <a:avLst/>
+          </a:prstGeom>
+          <a:noFill/>
+        </p:spPr>
+        <p:txBody>
+          <a:bodyPr wrap="none" rtlCol="0">
+            <a:spAutoFit/>
+          </a:bodyPr>
+          <a:lstStyle/>
+          <a:p>
+            <a:r>
+              <a:rPr lang="en-US" dirty="0"/>
+              <a:t>Image by </a:t>
+            </a:r>
+            <a:r>
+              <a:rPr lang="en-US" dirty="0" err="1"/>
+              <a:t>Mj</a:t>
+            </a:r>
+            <a:r>
+              <a:rPr lang="en-US" dirty="0"/>
+              <a:t>-bird CC-BY-SA 3.0</a:t>
+            </a:r>
+          </a:p>
+        </p:txBody>
+      </p:sp>
+      <p:pic>
+        <p:nvPicPr>
+          <p:cNvPr id="1030" name="Picture 6">
+            <a:extLst>
+              <a:ext uri="{FF2B5EF4-FFF2-40B4-BE49-F238E27FC236}">
+                <a16:creationId xmlns:a16="http://schemas.microsoft.com/office/drawing/2014/main" id="{56C15226-9B5D-472E-A92C-3886FD369561}"/>
+              </a:ext>
+            </a:extLst>
+          </p:cNvPr>
+          <p:cNvPicPr>
+            <a:picLocks noChangeAspect="1" noChangeArrowheads="1"/>
+          </p:cNvPicPr>
+          <p:nvPr/>
+        </p:nvPicPr>
+        <p:blipFill rotWithShape="1">
+          <a:blip r:embed="rId4">
+            <a:extLst>
+              <a:ext uri="{28A0092B-C50C-407E-A947-70E740481C1C}">
+                <a14:useLocalDpi xmlns:a14="http://schemas.microsoft.com/office/drawing/2010/main" val="0"/>
+              </a:ext>
+            </a:extLst>
+          </a:blip>
+          <a:srcRect l="12476" t="11863" r="5708" b="9460"/>
+          <a:stretch/>
+        </p:blipFill>
+        <p:spPr bwMode="auto">
+          <a:xfrm>
+            <a:off x="5726774" y="3881133"/>
+            <a:ext cx="3276600" cy="2099283"/>
+          </a:xfrm>
+          <a:prstGeom prst="rect">
+            <a:avLst/>
+          </a:prstGeom>
+          <a:noFill/>
+          <a:extLst>
+            <a:ext uri="{909E8E84-426E-40DD-AFC4-6F175D3DCCD1}">
+              <a14:hiddenFill xmlns:a14="http://schemas.microsoft.com/office/drawing/2010/main">
+                <a:solidFill>
+                  <a:srgbClr val="FFFFFF"/>
+                </a:solidFill>
+              </a14:hiddenFill>
+            </a:ext>
+          </a:extLst>
+        </p:spPr>
+      </p:pic>
+      <p:sp>
+        <p:nvSpPr>
+          <p:cNvPr id="11" name="TextBox 10">
+            <a:extLst>
+              <a:ext uri="{FF2B5EF4-FFF2-40B4-BE49-F238E27FC236}">
+                <a16:creationId xmlns:a16="http://schemas.microsoft.com/office/drawing/2014/main" id="{00C4BE4B-3CB0-4530-B1D8-C76DC3ABAD75}"/>
+              </a:ext>
+            </a:extLst>
+          </p:cNvPr>
+          <p:cNvSpPr txBox="1"/>
+          <p:nvPr/>
+        </p:nvSpPr>
+        <p:spPr>
+          <a:xfrm>
+            <a:off x="5827894" y="5979132"/>
+            <a:ext cx="3106556" cy="646331"/>
+          </a:xfrm>
+          <a:prstGeom prst="rect">
+            <a:avLst/>
+          </a:prstGeom>
+          <a:noFill/>
+        </p:spPr>
+        <p:txBody>
+          <a:bodyPr wrap="none" rtlCol="0">
+            <a:spAutoFit/>
+          </a:bodyPr>
+          <a:lstStyle/>
+          <a:p>
+            <a:pPr algn="ctr"/>
+            <a:r>
+              <a:rPr lang="en-US" dirty="0"/>
+              <a:t>Image by Johannes Maximilian </a:t>
+            </a:r>
+          </a:p>
+          <a:p>
+            <a:pPr algn="ctr"/>
+            <a:r>
+              <a:rPr lang="en-US" dirty="0"/>
+              <a:t>CC-BY-SA 4.0</a:t>
+            </a:r>
+          </a:p>
+        </p:txBody>
+      </p:sp>
+    </p:spTree>
+    <p:extLst>
+      <p:ext uri="{BB962C8B-B14F-4D97-AF65-F5344CB8AC3E}">
+        <p14:creationId xmlns:p14="http://schemas.microsoft.com/office/powerpoint/2010/main" val="3827164661"/>
+      </p:ext>
+    </p:extLst>
+  </p:cSld>
+  <p:clrMapOvr>
+    <a:masterClrMapping/>
+  </p:clrMapOvr>
+  <p:timing>
+    <p:tnLst>
+      <p:par>
+        <p:cTn id="1" dur="indefinite" restart="never" nodeType="tmRoot">
+          <p:childTnLst>
+            <p:seq concurrent="1" nextAc="seek">
+              <p:cTn id="2" dur="indefinite" nodeType="mainSeq">
+                <p:childTnLst>
+                  <p:par>
+                    <p:cTn id="3" fill="hold">
+                      <p:stCondLst>
+                        <p:cond delay="indefinite"/>
+                      </p:stCondLst>
+                      <p:childTnLst>
+                        <p:par>
+                          <p:cTn id="4" fill="hold">
+                            <p:stCondLst>
+                              <p:cond delay="0"/>
+                            </p:stCondLst>
+                            <p:childTnLst>
+                              <p:par>
+                                <p:cTn id="5" presetID="1" presetClass="entr" presetSubtype="0" fill="hold" grpId="0" nodeType="clickEffect">
+                                  <p:stCondLst>
+                                    <p:cond delay="0"/>
+                                  </p:stCondLst>
+                                  <p:childTnLst>
+                                    <p:set>
+                                      <p:cBhvr>
+                                        <p:cTn id="6" dur="1" fill="hold">
+                                          <p:stCondLst>
+                                            <p:cond delay="0"/>
+                                          </p:stCondLst>
+                                        </p:cTn>
+                                        <p:tgtEl>
+                                          <p:spTgt spid="3">
+                                            <p:txEl>
+                                              <p:pRg st="0" end="0"/>
+                                            </p:txEl>
+                                          </p:spTgt>
+                                        </p:tgtEl>
+                                        <p:attrNameLst>
+                                          <p:attrName>style.visibility</p:attrName>
+                                        </p:attrNameLst>
+                                      </p:cBhvr>
+                                      <p:to>
+                                        <p:strVal val="visible"/>
+                                      </p:to>
+                                    </p:set>
+                                  </p:childTnLst>
+                                </p:cTn>
+                              </p:par>
+                            </p:childTnLst>
+                          </p:cTn>
+                        </p:par>
+                      </p:childTnLst>
+                    </p:cTn>
+                  </p:par>
+                  <p:par>
+                    <p:cTn id="7" fill="hold">
+                      <p:stCondLst>
+                        <p:cond delay="indefinite"/>
+                      </p:stCondLst>
+                      <p:childTnLst>
+                        <p:par>
+                          <p:cTn id="8" fill="hold">
+                            <p:stCondLst>
+                              <p:cond delay="0"/>
+                            </p:stCondLst>
+                            <p:childTnLst>
+                              <p:par>
+                                <p:cTn id="9" presetID="1" presetClass="entr" presetSubtype="0" fill="hold" grpId="0" nodeType="clickEffect">
+                                  <p:stCondLst>
+                                    <p:cond delay="0"/>
+                                  </p:stCondLst>
+                                  <p:childTnLst>
+                                    <p:set>
+                                      <p:cBhvr>
+                                        <p:cTn id="10" dur="1" fill="hold">
+                                          <p:stCondLst>
+                                            <p:cond delay="0"/>
+                                          </p:stCondLst>
+                                        </p:cTn>
+                                        <p:tgtEl>
+                                          <p:spTgt spid="3">
+                                            <p:txEl>
+                                              <p:pRg st="1" end="1"/>
+                                            </p:txEl>
+                                          </p:spTgt>
+                                        </p:tgtEl>
+                                        <p:attrNameLst>
+                                          <p:attrName>style.visibility</p:attrName>
+                                        </p:attrNameLst>
+                                      </p:cBhvr>
+                                      <p:to>
+                                        <p:strVal val="visible"/>
+                                      </p:to>
+                                    </p:set>
+                                  </p:childTnLst>
+                                </p:cTn>
+                              </p:par>
+                            </p:childTnLst>
+                          </p:cTn>
+                        </p:par>
+                      </p:childTnLst>
+                    </p:cTn>
+                  </p:par>
+                  <p:par>
+                    <p:cTn id="11" fill="hold">
+                      <p:stCondLst>
+                        <p:cond delay="indefinite"/>
+                      </p:stCondLst>
+                      <p:childTnLst>
+                        <p:par>
+                          <p:cTn id="12" fill="hold">
+                            <p:stCondLst>
+                              <p:cond delay="0"/>
+                            </p:stCondLst>
+                            <p:childTnLst>
+                              <p:par>
+                                <p:cTn id="13" presetID="10" presetClass="entr" presetSubtype="0" fill="hold" nodeType="clickEffect">
+                                  <p:stCondLst>
+                                    <p:cond delay="0"/>
+                                  </p:stCondLst>
+                                  <p:childTnLst>
+                                    <p:set>
+                                      <p:cBhvr>
+                                        <p:cTn id="14" dur="1" fill="hold">
+                                          <p:stCondLst>
+                                            <p:cond delay="0"/>
+                                          </p:stCondLst>
+                                        </p:cTn>
+                                        <p:tgtEl>
+                                          <p:spTgt spid="1026"/>
+                                        </p:tgtEl>
+                                        <p:attrNameLst>
+                                          <p:attrName>style.visibility</p:attrName>
+                                        </p:attrNameLst>
+                                      </p:cBhvr>
+                                      <p:to>
+                                        <p:strVal val="visible"/>
+                                      </p:to>
+                                    </p:set>
+                                    <p:animEffect transition="in" filter="fade">
+                                      <p:cBhvr>
+                                        <p:cTn id="15" dur="500"/>
+                                        <p:tgtEl>
+                                          <p:spTgt spid="1026"/>
+                                        </p:tgtEl>
+                                      </p:cBhvr>
+                                    </p:animEffect>
+                                  </p:childTnLst>
+                                </p:cTn>
+                              </p:par>
+                              <p:par>
+                                <p:cTn id="16" presetID="10" presetClass="entr" presetSubtype="0" fill="hold" grpId="0" nodeType="withEffect">
+                                  <p:stCondLst>
+                                    <p:cond delay="0"/>
+                                  </p:stCondLst>
+                                  <p:childTnLst>
+                                    <p:set>
+                                      <p:cBhvr>
+                                        <p:cTn id="17" dur="1" fill="hold">
+                                          <p:stCondLst>
+                                            <p:cond delay="0"/>
+                                          </p:stCondLst>
+                                        </p:cTn>
+                                        <p:tgtEl>
+                                          <p:spTgt spid="5"/>
+                                        </p:tgtEl>
+                                        <p:attrNameLst>
+                                          <p:attrName>style.visibility</p:attrName>
+                                        </p:attrNameLst>
+                                      </p:cBhvr>
+                                      <p:to>
+                                        <p:strVal val="visible"/>
+                                      </p:to>
+                                    </p:set>
+                                    <p:animEffect transition="in" filter="fade">
+                                      <p:cBhvr>
+                                        <p:cTn id="18" dur="500"/>
+                                        <p:tgtEl>
+                                          <p:spTgt spid="5"/>
+                                        </p:tgtEl>
+                                      </p:cBhvr>
+                                    </p:animEffect>
+                                  </p:childTnLst>
+                                </p:cTn>
+                              </p:par>
+                            </p:childTnLst>
+                          </p:cTn>
+                        </p:par>
+                      </p:childTnLst>
+                    </p:cTn>
+                  </p:par>
+                  <p:par>
+                    <p:cTn id="19" fill="hold">
+                      <p:stCondLst>
+                        <p:cond delay="indefinite"/>
+                      </p:stCondLst>
+                      <p:childTnLst>
+                        <p:par>
+                          <p:cTn id="20" fill="hold">
+                            <p:stCondLst>
+                              <p:cond delay="0"/>
+                            </p:stCondLst>
+                            <p:childTnLst>
+                              <p:par>
+                                <p:cTn id="21" presetID="10" presetClass="entr" presetSubtype="0" fill="hold" nodeType="clickEffect">
+                                  <p:stCondLst>
+                                    <p:cond delay="0"/>
+                                  </p:stCondLst>
+                                  <p:childTnLst>
+                                    <p:set>
+                                      <p:cBhvr>
+                                        <p:cTn id="22" dur="1" fill="hold">
+                                          <p:stCondLst>
+                                            <p:cond delay="0"/>
+                                          </p:stCondLst>
+                                        </p:cTn>
+                                        <p:tgtEl>
+                                          <p:spTgt spid="1028"/>
+                                        </p:tgtEl>
+                                        <p:attrNameLst>
+                                          <p:attrName>style.visibility</p:attrName>
+                                        </p:attrNameLst>
+                                      </p:cBhvr>
+                                      <p:to>
+                                        <p:strVal val="visible"/>
+                                      </p:to>
+                                    </p:set>
+                                    <p:animEffect transition="in" filter="fade">
+                                      <p:cBhvr>
+                                        <p:cTn id="23" dur="500"/>
+                                        <p:tgtEl>
+                                          <p:spTgt spid="1028"/>
+                                        </p:tgtEl>
+                                      </p:cBhvr>
+                                    </p:animEffect>
+                                  </p:childTnLst>
+                                </p:cTn>
+                              </p:par>
+                              <p:par>
+                                <p:cTn id="24" presetID="10" presetClass="entr" presetSubtype="0" fill="hold" grpId="0" nodeType="withEffect">
+                                  <p:stCondLst>
+                                    <p:cond delay="0"/>
+                                  </p:stCondLst>
+                                  <p:childTnLst>
+                                    <p:set>
+                                      <p:cBhvr>
+                                        <p:cTn id="25" dur="1" fill="hold">
+                                          <p:stCondLst>
+                                            <p:cond delay="0"/>
+                                          </p:stCondLst>
+                                        </p:cTn>
+                                        <p:tgtEl>
+                                          <p:spTgt spid="8"/>
+                                        </p:tgtEl>
+                                        <p:attrNameLst>
+                                          <p:attrName>style.visibility</p:attrName>
+                                        </p:attrNameLst>
+                                      </p:cBhvr>
+                                      <p:to>
+                                        <p:strVal val="visible"/>
+                                      </p:to>
+                                    </p:set>
+                                    <p:animEffect transition="in" filter="fade">
+                                      <p:cBhvr>
+                                        <p:cTn id="26" dur="500"/>
+                                        <p:tgtEl>
+                                          <p:spTgt spid="8"/>
+                                        </p:tgtEl>
+                                      </p:cBhvr>
+                                    </p:animEffect>
+                                  </p:childTnLst>
+                                </p:cTn>
+                              </p:par>
+                            </p:childTnLst>
+                          </p:cTn>
+                        </p:par>
+                      </p:childTnLst>
+                    </p:cTn>
+                  </p:par>
+                  <p:par>
+                    <p:cTn id="27" fill="hold">
+                      <p:stCondLst>
+                        <p:cond delay="indefinite"/>
+                      </p:stCondLst>
+                      <p:childTnLst>
+                        <p:par>
+                          <p:cTn id="28" fill="hold">
+                            <p:stCondLst>
+                              <p:cond delay="0"/>
+                            </p:stCondLst>
+                            <p:childTnLst>
+                              <p:par>
+                                <p:cTn id="29" presetID="10" presetClass="entr" presetSubtype="0" fill="hold" nodeType="clickEffect">
+                                  <p:stCondLst>
+                                    <p:cond delay="0"/>
+                                  </p:stCondLst>
+                                  <p:childTnLst>
+                                    <p:set>
+                                      <p:cBhvr>
+                                        <p:cTn id="30" dur="1" fill="hold">
+                                          <p:stCondLst>
+                                            <p:cond delay="0"/>
+                                          </p:stCondLst>
+                                        </p:cTn>
+                                        <p:tgtEl>
+                                          <p:spTgt spid="1030"/>
+                                        </p:tgtEl>
+                                        <p:attrNameLst>
+                                          <p:attrName>style.visibility</p:attrName>
+                                        </p:attrNameLst>
+                                      </p:cBhvr>
+                                      <p:to>
+                                        <p:strVal val="visible"/>
+                                      </p:to>
+                                    </p:set>
+                                    <p:animEffect transition="in" filter="fade">
+                                      <p:cBhvr>
+                                        <p:cTn id="31" dur="500"/>
+                                        <p:tgtEl>
+                                          <p:spTgt spid="1030"/>
+                                        </p:tgtEl>
+                                      </p:cBhvr>
+                                    </p:animEffect>
+                                  </p:childTnLst>
+                                </p:cTn>
+                              </p:par>
+                              <p:par>
+                                <p:cTn id="32" presetID="10" presetClass="entr" presetSubtype="0" fill="hold" grpId="0" nodeType="withEffect">
+                                  <p:stCondLst>
+                                    <p:cond delay="0"/>
+                                  </p:stCondLst>
+                                  <p:childTnLst>
+                                    <p:set>
+                                      <p:cBhvr>
+                                        <p:cTn id="33" dur="1" fill="hold">
+                                          <p:stCondLst>
+                                            <p:cond delay="0"/>
+                                          </p:stCondLst>
+                                        </p:cTn>
+                                        <p:tgtEl>
+                                          <p:spTgt spid="11"/>
+                                        </p:tgtEl>
+                                        <p:attrNameLst>
+                                          <p:attrName>style.visibility</p:attrName>
+                                        </p:attrNameLst>
+                                      </p:cBhvr>
+                                      <p:to>
+                                        <p:strVal val="visible"/>
+                                      </p:to>
+                                    </p:set>
+                                    <p:animEffect transition="in" filter="fade">
+                                      <p:cBhvr>
+                                        <p:cTn id="34" dur="500"/>
+                                        <p:tgtEl>
+                                          <p:spTgt spid="11"/>
+                                        </p:tgtEl>
+                                      </p:cBhvr>
+                                    </p:animEffect>
+                                  </p:childTnLst>
+                                </p:cTn>
+                              </p:par>
+                            </p:childTnLst>
+                          </p:cTn>
+                        </p:par>
+                      </p:childTnLst>
+                    </p:cTn>
+                  </p:par>
+                </p:childTnLst>
+              </p:cTn>
+              <p:prevCondLst>
+                <p:cond evt="onPrev" delay="0">
+                  <p:tgtEl>
+                    <p:sldTgt/>
+                  </p:tgtEl>
+                </p:cond>
+              </p:prevCondLst>
+              <p:nextCondLst>
+                <p:cond evt="onNext" delay="0">
+                  <p:tgtEl>
+                    <p:sldTgt/>
+                  </p:tgtEl>
+                </p:cond>
+              </p:nextCondLst>
+            </p:seq>
+          </p:childTnLst>
+        </p:cTn>
+      </p:par>
+    </p:tnLst>
+    <p:bldLst>
+      <p:bldP spid="3" grpId="0" build="p"/>
+      <p:bldP spid="5" grpId="0"/>
+      <p:bldP spid="8" grpId="0"/>
+      <p:bldP spid="11" grpId="0"/>
+    </p:bldLst>
+  </p:timing>
+</p:sld>
+</file>
+
+<file path=ppt/slides/slide3.xml><?xml version="1.0" encoding="utf-8"?>
+<p:sld xmlns:a="http://schemas.openxmlformats.org/drawingml/2006/main" xmlns:r="http://schemas.openxmlformats.org/officeDocument/2006/relationships" xmlns:p="http://schemas.openxmlformats.org/presentationml/2006/main">
+  <p:cSld>
+    <p:spTree>
+      <p:nvGrpSpPr>
+        <p:cNvPr id="1" name=""/>
+        <p:cNvGrpSpPr/>
+        <p:nvPr/>
+      </p:nvGrpSpPr>
+      <p:grpSpPr>
+        <a:xfrm>
+          <a:off x="0" y="0"/>
+          <a:ext cx="0" cy="0"/>
+          <a:chOff x="0" y="0"/>
+          <a:chExt cx="0" cy="0"/>
+        </a:xfrm>
+      </p:grpSpPr>
+      <p:sp>
+        <p:nvSpPr>
+          <p:cNvPr id="2" name="Title 1"/>
+          <p:cNvSpPr>
+            <a:spLocks noGrp="1"/>
+          </p:cNvSpPr>
+          <p:nvPr>
+            <p:ph type="title"/>
+          </p:nvPr>
+        </p:nvSpPr>
+        <p:spPr/>
+        <p:txBody>
+          <a:bodyPr/>
+          <a:lstStyle/>
+          <a:p>
+            <a:r>
+              <a:rPr lang="en-US" dirty="0"/>
+              <a:t>Efficiency</a:t>
             </a:r>
           </a:p>
         </p:txBody>
@@ -4718,13 +4567,7 @@
         <mc:Choice Requires="a14">
           <p:sp>
             <p:nvSpPr>
-              <p:cNvPr id="3" name="Content Placeholder 2">
-                <a:extLst>
-                  <a:ext uri="{FF2B5EF4-FFF2-40B4-BE49-F238E27FC236}">
-                    <a16:creationId xmlns:a16="http://schemas.microsoft.com/office/drawing/2014/main" id="{21A52C65-EBDF-415B-A90C-25E73480269E}"/>
-                  </a:ext>
-                </a:extLst>
-              </p:cNvPr>
+              <p:cNvPr id="3" name="Content Placeholder 2"/>
               <p:cNvSpPr>
                 <a:spLocks noGrp="1"/>
               </p:cNvSpPr>
@@ -4734,34 +4577,32 @@
             </p:nvSpPr>
             <p:spPr/>
             <p:txBody>
-              <a:bodyPr/>
+              <a:bodyPr>
+                <a:normAutofit lnSpcReduction="10000"/>
+              </a:bodyPr>
               <a:lstStyle/>
               <a:p>
                 <a:r>
                   <a:rPr lang="en-US" dirty="0"/>
-                  <a:t>The concept of power is simply the </a:t>
+                  <a:t>The efficiency of a device is the percentage of the </a:t>
                 </a:r>
                 <a:r>
                   <a:rPr lang="en-US" b="1" dirty="0"/>
-                  <a:t>rate at which you can perform work</a:t>
+                  <a:t>useful</a:t>
                 </a:r>
                 <a:r>
                   <a:rPr lang="en-US" dirty="0"/>
-                  <a:t>.</a:t>
-                </a:r>
-              </a:p>
-              <a:p>
-                <a:pPr lvl="1"/>
-                <a:r>
-                  <a:rPr lang="en-US" dirty="0"/>
-                  <a:t>Because of the conservation of energy relationship, this is equal to the rate at which energy is changing.</a:t>
+                  <a:t> energy, work, or power in that makes it from the input to the output.</a:t>
                 </a:r>
               </a:p>
               <a:p>
                 <a:r>
                   <a:rPr lang="en-US" dirty="0"/>
-                  <a:t>Putting this into an equation, we arrive at the following</a:t>
+                  <a:t>It can be measured by taking the output energy, work, or power divided by the input energy, work, or power.</a:t>
                 </a:r>
+              </a:p>
+              <a:p>
+                <a:endParaRPr lang="en-US" dirty="0"/>
               </a:p>
               <a:p>
                 <a:pPr marL="0" indent="0">
@@ -4776,26 +4617,15 @@
                       <m:r>
                         <a:rPr lang="en-US" b="0" i="1" smtClean="0">
                           <a:latin typeface="Cambria Math" panose="02040503050406030204" pitchFamily="18" charset="0"/>
+                          <a:ea typeface="Cambria Math" panose="02040503050406030204" pitchFamily="18" charset="0"/>
                         </a:rPr>
-                        <m:t>𝑃𝑜𝑤𝑒𝑟</m:t>
+                        <m:t>𝜂</m:t>
                       </m:r>
                       <m:r>
                         <a:rPr lang="en-US" b="0" i="1" smtClean="0">
-                          <a:latin typeface="Cambria Math" panose="02040503050406030204" pitchFamily="18" charset="0"/>
+                          <a:latin typeface="Cambria Math"/>
                         </a:rPr>
                         <m:t>=</m:t>
-                      </m:r>
-                      <m:r>
-                        <a:rPr lang="en-US" i="1">
-                          <a:latin typeface="Cambria Math" panose="02040503050406030204" pitchFamily="18" charset="0"/>
-                        </a:rPr>
-                        <m:t>𝑃</m:t>
-                      </m:r>
-                      <m:r>
-                        <a:rPr lang="en-US" i="1">
-                          <a:latin typeface="Cambria Math"/>
-                        </a:rPr>
-                        <m:t>= </m:t>
                       </m:r>
                       <m:f>
                         <m:fPr>
@@ -4806,65 +4636,208 @@
                           </m:ctrlPr>
                         </m:fPr>
                         <m:num>
-                          <m:r>
-                            <a:rPr lang="en-US" b="0" i="1" smtClean="0">
-                              <a:latin typeface="Cambria Math" panose="02040503050406030204" pitchFamily="18" charset="0"/>
-                            </a:rPr>
-                            <m:t>𝑑</m:t>
-                          </m:r>
-                          <m:r>
-                            <a:rPr lang="en-US" i="1">
-                              <a:latin typeface="Cambria Math"/>
-                            </a:rPr>
-                            <m:t>𝑊</m:t>
-                          </m:r>
+                          <m:sSub>
+                            <m:sSubPr>
+                              <m:ctrlPr>
+                                <a:rPr lang="en-US" i="1">
+                                  <a:latin typeface="Cambria Math" panose="02040503050406030204" pitchFamily="18" charset="0"/>
+                                </a:rPr>
+                              </m:ctrlPr>
+                            </m:sSubPr>
+                            <m:e>
+                              <m:r>
+                                <a:rPr lang="en-US" b="0" i="1" smtClean="0">
+                                  <a:latin typeface="Cambria Math" panose="02040503050406030204" pitchFamily="18" charset="0"/>
+                                </a:rPr>
+                                <m:t>𝐸</m:t>
+                              </m:r>
+                            </m:e>
+                            <m:sub>
+                              <m:r>
+                                <a:rPr lang="en-US" i="1">
+                                  <a:latin typeface="Cambria Math"/>
+                                </a:rPr>
+                                <m:t>𝑜𝑢𝑡</m:t>
+                              </m:r>
+                            </m:sub>
+                          </m:sSub>
                         </m:num>
                         <m:den>
-                          <m:r>
-                            <a:rPr lang="en-US" b="0" i="1" smtClean="0">
-                              <a:latin typeface="Cambria Math" panose="02040503050406030204" pitchFamily="18" charset="0"/>
-                            </a:rPr>
-                            <m:t>𝑑</m:t>
-                          </m:r>
-                          <m:r>
-                            <a:rPr lang="en-US" i="1">
-                              <a:latin typeface="Cambria Math"/>
-                              <a:ea typeface="Cambria Math"/>
-                            </a:rPr>
-                            <m:t>𝑡</m:t>
-                          </m:r>
+                          <m:sSub>
+                            <m:sSubPr>
+                              <m:ctrlPr>
+                                <a:rPr lang="en-US" i="1">
+                                  <a:latin typeface="Cambria Math" panose="02040503050406030204" pitchFamily="18" charset="0"/>
+                                </a:rPr>
+                              </m:ctrlPr>
+                            </m:sSubPr>
+                            <m:e>
+                              <m:r>
+                                <a:rPr lang="en-US" b="0" i="1" smtClean="0">
+                                  <a:latin typeface="Cambria Math" panose="02040503050406030204" pitchFamily="18" charset="0"/>
+                                </a:rPr>
+                                <m:t>𝐸</m:t>
+                              </m:r>
+                            </m:e>
+                            <m:sub>
+                              <m:r>
+                                <a:rPr lang="en-US" i="1">
+                                  <a:latin typeface="Cambria Math"/>
+                                </a:rPr>
+                                <m:t>𝑖𝑛</m:t>
+                              </m:r>
+                            </m:sub>
+                          </m:sSub>
                         </m:den>
                       </m:f>
                       <m:r>
                         <a:rPr lang="en-US" b="0" i="1" smtClean="0">
                           <a:latin typeface="Cambria Math" panose="02040503050406030204" pitchFamily="18" charset="0"/>
-                          <a:ea typeface="Cambria Math"/>
                         </a:rPr>
                         <m:t>=</m:t>
                       </m:r>
-                      <m:acc>
-                        <m:accPr>
-                          <m:chr m:val="̇"/>
+                      <m:f>
+                        <m:fPr>
                           <m:ctrlPr>
                             <a:rPr lang="en-US" b="0" i="1" smtClean="0">
                               <a:latin typeface="Cambria Math" panose="02040503050406030204" pitchFamily="18" charset="0"/>
-                              <a:ea typeface="Cambria Math"/>
                             </a:rPr>
                           </m:ctrlPr>
-                        </m:accPr>
-                        <m:e>
-                          <m:r>
+                        </m:fPr>
+                        <m:num>
+                          <m:sSub>
+                            <m:sSubPr>
+                              <m:ctrlPr>
+                                <a:rPr lang="en-US" b="0" i="1" smtClean="0">
+                                  <a:latin typeface="Cambria Math" panose="02040503050406030204" pitchFamily="18" charset="0"/>
+                                </a:rPr>
+                              </m:ctrlPr>
+                            </m:sSubPr>
+                            <m:e>
+                              <m:r>
+                                <a:rPr lang="en-US" b="0" i="1" smtClean="0">
+                                  <a:latin typeface="Cambria Math"/>
+                                </a:rPr>
+                                <m:t>𝑊</m:t>
+                              </m:r>
+                            </m:e>
+                            <m:sub>
+                              <m:r>
+                                <a:rPr lang="en-US" b="0" i="1" smtClean="0">
+                                  <a:latin typeface="Cambria Math"/>
+                                </a:rPr>
+                                <m:t>𝑜𝑢𝑡</m:t>
+                              </m:r>
+                            </m:sub>
+                          </m:sSub>
+                        </m:num>
+                        <m:den>
+                          <m:sSub>
+                            <m:sSubPr>
+                              <m:ctrlPr>
+                                <a:rPr lang="en-US" i="1">
+                                  <a:latin typeface="Cambria Math" panose="02040503050406030204" pitchFamily="18" charset="0"/>
+                                </a:rPr>
+                              </m:ctrlPr>
+                            </m:sSubPr>
+                            <m:e>
+                              <m:r>
+                                <a:rPr lang="en-US" i="1">
+                                  <a:latin typeface="Cambria Math"/>
+                                </a:rPr>
+                                <m:t>𝑊</m:t>
+                              </m:r>
+                            </m:e>
+                            <m:sub>
+                              <m:r>
+                                <a:rPr lang="en-US" b="0" i="1" smtClean="0">
+                                  <a:latin typeface="Cambria Math"/>
+                                </a:rPr>
+                                <m:t>𝑖𝑛</m:t>
+                              </m:r>
+                            </m:sub>
+                          </m:sSub>
+                        </m:den>
+                      </m:f>
+                      <m:r>
+                        <a:rPr lang="en-US" b="0" i="1" smtClean="0">
+                          <a:latin typeface="Cambria Math"/>
+                        </a:rPr>
+                        <m:t>=</m:t>
+                      </m:r>
+                      <m:f>
+                        <m:fPr>
+                          <m:ctrlPr>
                             <a:rPr lang="en-US" b="0" i="1" smtClean="0">
                               <a:latin typeface="Cambria Math" panose="02040503050406030204" pitchFamily="18" charset="0"/>
-                              <a:ea typeface="Cambria Math"/>
                             </a:rPr>
-                            <m:t>𝑊</m:t>
-                          </m:r>
-                        </m:e>
-                      </m:acc>
+                          </m:ctrlPr>
+                        </m:fPr>
+                        <m:num>
+                          <m:sSub>
+                            <m:sSubPr>
+                              <m:ctrlPr>
+                                <a:rPr lang="en-US" b="0" i="1" smtClean="0">
+                                  <a:latin typeface="Cambria Math" panose="02040503050406030204" pitchFamily="18" charset="0"/>
+                                </a:rPr>
+                              </m:ctrlPr>
+                            </m:sSubPr>
+                            <m:e>
+                              <m:r>
+                                <a:rPr lang="en-US" b="0" i="1" smtClean="0">
+                                  <a:latin typeface="Cambria Math" panose="02040503050406030204" pitchFamily="18" charset="0"/>
+                                </a:rPr>
+                                <m:t>𝑃</m:t>
+                              </m:r>
+                            </m:e>
+                            <m:sub>
+                              <m:r>
+                                <a:rPr lang="en-US" b="0" i="1" smtClean="0">
+                                  <a:latin typeface="Cambria Math"/>
+                                </a:rPr>
+                                <m:t>𝑜𝑢𝑡</m:t>
+                              </m:r>
+                            </m:sub>
+                          </m:sSub>
+                        </m:num>
+                        <m:den>
+                          <m:sSub>
+                            <m:sSubPr>
+                              <m:ctrlPr>
+                                <a:rPr lang="en-US" i="1">
+                                  <a:latin typeface="Cambria Math" panose="02040503050406030204" pitchFamily="18" charset="0"/>
+                                </a:rPr>
+                              </m:ctrlPr>
+                            </m:sSubPr>
+                            <m:e>
+                              <m:r>
+                                <a:rPr lang="en-US" b="0" i="1" smtClean="0">
+                                  <a:latin typeface="Cambria Math" panose="02040503050406030204" pitchFamily="18" charset="0"/>
+                                </a:rPr>
+                                <m:t>𝑃</m:t>
+                              </m:r>
+                            </m:e>
+                            <m:sub>
+                              <m:r>
+                                <a:rPr lang="en-US" b="0" i="1" smtClean="0">
+                                  <a:latin typeface="Cambria Math"/>
+                                  <a:ea typeface="Cambria Math"/>
+                                </a:rPr>
+                                <m:t>𝑖𝑛</m:t>
+                              </m:r>
+                            </m:sub>
+                          </m:sSub>
+                        </m:den>
+                      </m:f>
                     </m:oMath>
                   </m:oMathPara>
                 </a14:m>
+                <a:endParaRPr lang="en-US" dirty="0"/>
+              </a:p>
+              <a:p>
+                <a:pPr marL="0" indent="0">
+                  <a:buNone/>
+                </a:pPr>
                 <a:endParaRPr lang="en-US" dirty="0"/>
               </a:p>
             </p:txBody>
@@ -4873,13 +4846,7 @@
         <mc:Fallback xmlns="">
           <p:sp>
             <p:nvSpPr>
-              <p:cNvPr id="3" name="Content Placeholder 2">
-                <a:extLst>
-                  <a:ext uri="{FF2B5EF4-FFF2-40B4-BE49-F238E27FC236}">
-                    <a16:creationId xmlns:a16="http://schemas.microsoft.com/office/drawing/2014/main" id="{21A52C65-EBDF-415B-A90C-25E73480269E}"/>
-                  </a:ext>
-                </a:extLst>
-              </p:cNvPr>
+              <p:cNvPr id="3" name="Content Placeholder 2"/>
               <p:cNvSpPr>
                 <a:spLocks noGrp="1" noRot="1" noChangeAspect="1" noMove="1" noResize="1" noEditPoints="1" noAdjustHandles="1" noChangeArrowheads="1" noChangeShapeType="1" noTextEdit="1"/>
               </p:cNvSpPr>
@@ -4891,7 +4858,7 @@
               <a:blipFill>
                 <a:blip r:embed="rId2"/>
                 <a:stretch>
-                  <a:fillRect l="-1704" t="-1752" r="-444"/>
+                  <a:fillRect l="-1704" t="-2830" r="-667"/>
                 </a:stretch>
               </a:blipFill>
             </p:spPr>
@@ -4910,10 +4877,853 @@
           </p:sp>
         </mc:Fallback>
       </mc:AlternateContent>
+      <p:sp>
+        <p:nvSpPr>
+          <p:cNvPr id="4" name="Slide Number Placeholder 3"/>
+          <p:cNvSpPr>
+            <a:spLocks noGrp="1"/>
+          </p:cNvSpPr>
+          <p:nvPr>
+            <p:ph type="sldNum" sz="quarter" idx="12"/>
+          </p:nvPr>
+        </p:nvSpPr>
+        <p:spPr/>
+        <p:txBody>
+          <a:bodyPr/>
+          <a:lstStyle/>
+          <a:p>
+            <a:fld id="{929262FE-7F58-4A1E-8AF3-5A510A86DEBD}" type="slidenum">
+              <a:rPr lang="en-US" smtClean="0"/>
+              <a:t>3</a:t>
+            </a:fld>
+            <a:endParaRPr lang="en-US"/>
+          </a:p>
+        </p:txBody>
+      </p:sp>
     </p:spTree>
     <p:extLst>
       <p:ext uri="{BB962C8B-B14F-4D97-AF65-F5344CB8AC3E}">
-        <p14:creationId xmlns:p14="http://schemas.microsoft.com/office/powerpoint/2010/main" val="991979740"/>
+        <p14:creationId xmlns:p14="http://schemas.microsoft.com/office/powerpoint/2010/main" val="1604584844"/>
+      </p:ext>
+    </p:extLst>
+  </p:cSld>
+  <p:clrMapOvr>
+    <a:masterClrMapping/>
+  </p:clrMapOvr>
+  <p:timing>
+    <p:tnLst>
+      <p:par>
+        <p:cTn id="1" dur="indefinite" restart="never" nodeType="tmRoot">
+          <p:childTnLst>
+            <p:seq concurrent="1" nextAc="seek">
+              <p:cTn id="2" dur="indefinite" nodeType="mainSeq">
+                <p:childTnLst>
+                  <p:par>
+                    <p:cTn id="3" fill="hold">
+                      <p:stCondLst>
+                        <p:cond delay="indefinite"/>
+                      </p:stCondLst>
+                      <p:childTnLst>
+                        <p:par>
+                          <p:cTn id="4" fill="hold">
+                            <p:stCondLst>
+                              <p:cond delay="0"/>
+                            </p:stCondLst>
+                            <p:childTnLst>
+                              <p:par>
+                                <p:cTn id="5" presetID="1" presetClass="entr" presetSubtype="0" fill="hold" grpId="0" nodeType="clickEffect">
+                                  <p:stCondLst>
+                                    <p:cond delay="0"/>
+                                  </p:stCondLst>
+                                  <p:childTnLst>
+                                    <p:set>
+                                      <p:cBhvr>
+                                        <p:cTn id="6" dur="1" fill="hold">
+                                          <p:stCondLst>
+                                            <p:cond delay="0"/>
+                                          </p:stCondLst>
+                                        </p:cTn>
+                                        <p:tgtEl>
+                                          <p:spTgt spid="3">
+                                            <p:txEl>
+                                              <p:pRg st="0" end="0"/>
+                                            </p:txEl>
+                                          </p:spTgt>
+                                        </p:tgtEl>
+                                        <p:attrNameLst>
+                                          <p:attrName>style.visibility</p:attrName>
+                                        </p:attrNameLst>
+                                      </p:cBhvr>
+                                      <p:to>
+                                        <p:strVal val="visible"/>
+                                      </p:to>
+                                    </p:set>
+                                  </p:childTnLst>
+                                </p:cTn>
+                              </p:par>
+                            </p:childTnLst>
+                          </p:cTn>
+                        </p:par>
+                      </p:childTnLst>
+                    </p:cTn>
+                  </p:par>
+                  <p:par>
+                    <p:cTn id="7" fill="hold">
+                      <p:stCondLst>
+                        <p:cond delay="indefinite"/>
+                      </p:stCondLst>
+                      <p:childTnLst>
+                        <p:par>
+                          <p:cTn id="8" fill="hold">
+                            <p:stCondLst>
+                              <p:cond delay="0"/>
+                            </p:stCondLst>
+                            <p:childTnLst>
+                              <p:par>
+                                <p:cTn id="9" presetID="1" presetClass="entr" presetSubtype="0" fill="hold" grpId="0" nodeType="clickEffect">
+                                  <p:stCondLst>
+                                    <p:cond delay="0"/>
+                                  </p:stCondLst>
+                                  <p:childTnLst>
+                                    <p:set>
+                                      <p:cBhvr>
+                                        <p:cTn id="10" dur="1" fill="hold">
+                                          <p:stCondLst>
+                                            <p:cond delay="0"/>
+                                          </p:stCondLst>
+                                        </p:cTn>
+                                        <p:tgtEl>
+                                          <p:spTgt spid="3">
+                                            <p:txEl>
+                                              <p:pRg st="1" end="1"/>
+                                            </p:txEl>
+                                          </p:spTgt>
+                                        </p:tgtEl>
+                                        <p:attrNameLst>
+                                          <p:attrName>style.visibility</p:attrName>
+                                        </p:attrNameLst>
+                                      </p:cBhvr>
+                                      <p:to>
+                                        <p:strVal val="visible"/>
+                                      </p:to>
+                                    </p:set>
+                                  </p:childTnLst>
+                                </p:cTn>
+                              </p:par>
+                            </p:childTnLst>
+                          </p:cTn>
+                        </p:par>
+                      </p:childTnLst>
+                    </p:cTn>
+                  </p:par>
+                  <p:par>
+                    <p:cTn id="11" fill="hold">
+                      <p:stCondLst>
+                        <p:cond delay="indefinite"/>
+                      </p:stCondLst>
+                      <p:childTnLst>
+                        <p:par>
+                          <p:cTn id="12" fill="hold">
+                            <p:stCondLst>
+                              <p:cond delay="0"/>
+                            </p:stCondLst>
+                            <p:childTnLst>
+                              <p:par>
+                                <p:cTn id="13" presetID="1" presetClass="entr" presetSubtype="0" fill="hold" grpId="0" nodeType="clickEffect">
+                                  <p:stCondLst>
+                                    <p:cond delay="0"/>
+                                  </p:stCondLst>
+                                  <p:childTnLst>
+                                    <p:set>
+                                      <p:cBhvr>
+                                        <p:cTn id="14" dur="1" fill="hold">
+                                          <p:stCondLst>
+                                            <p:cond delay="0"/>
+                                          </p:stCondLst>
+                                        </p:cTn>
+                                        <p:tgtEl>
+                                          <p:spTgt spid="3">
+                                            <p:txEl>
+                                              <p:pRg st="3" end="3"/>
+                                            </p:txEl>
+                                          </p:spTgt>
+                                        </p:tgtEl>
+                                        <p:attrNameLst>
+                                          <p:attrName>style.visibility</p:attrName>
+                                        </p:attrNameLst>
+                                      </p:cBhvr>
+                                      <p:to>
+                                        <p:strVal val="visible"/>
+                                      </p:to>
+                                    </p:set>
+                                  </p:childTnLst>
+                                </p:cTn>
+                              </p:par>
+                            </p:childTnLst>
+                          </p:cTn>
+                        </p:par>
+                      </p:childTnLst>
+                    </p:cTn>
+                  </p:par>
+                </p:childTnLst>
+              </p:cTn>
+              <p:prevCondLst>
+                <p:cond evt="onPrev" delay="0">
+                  <p:tgtEl>
+                    <p:sldTgt/>
+                  </p:tgtEl>
+                </p:cond>
+              </p:prevCondLst>
+              <p:nextCondLst>
+                <p:cond evt="onNext" delay="0">
+                  <p:tgtEl>
+                    <p:sldTgt/>
+                  </p:tgtEl>
+                </p:cond>
+              </p:nextCondLst>
+            </p:seq>
+          </p:childTnLst>
+        </p:cTn>
+      </p:par>
+    </p:tnLst>
+    <p:bldLst>
+      <p:bldP spid="3" grpId="0" build="p"/>
+    </p:bldLst>
+  </p:timing>
+</p:sld>
+</file>
+
+<file path=ppt/slides/slide4.xml><?xml version="1.0" encoding="utf-8"?>
+<p:sld xmlns:a="http://schemas.openxmlformats.org/drawingml/2006/main" xmlns:r="http://schemas.openxmlformats.org/officeDocument/2006/relationships" xmlns:p="http://schemas.openxmlformats.org/presentationml/2006/main">
+  <p:cSld>
+    <p:spTree>
+      <p:nvGrpSpPr>
+        <p:cNvPr id="1" name=""/>
+        <p:cNvGrpSpPr/>
+        <p:nvPr/>
+      </p:nvGrpSpPr>
+      <p:grpSpPr>
+        <a:xfrm>
+          <a:off x="0" y="0"/>
+          <a:ext cx="0" cy="0"/>
+          <a:chOff x="0" y="0"/>
+          <a:chExt cx="0" cy="0"/>
+        </a:xfrm>
+      </p:grpSpPr>
+      <p:sp>
+        <p:nvSpPr>
+          <p:cNvPr id="2" name="Title 1">
+            <a:extLst>
+              <a:ext uri="{FF2B5EF4-FFF2-40B4-BE49-F238E27FC236}">
+                <a16:creationId xmlns:a16="http://schemas.microsoft.com/office/drawing/2014/main" id="{BBEABDA3-9829-469E-9B27-7793CF32304A}"/>
+              </a:ext>
+            </a:extLst>
+          </p:cNvPr>
+          <p:cNvSpPr>
+            <a:spLocks noGrp="1"/>
+          </p:cNvSpPr>
+          <p:nvPr>
+            <p:ph type="title"/>
+          </p:nvPr>
+        </p:nvSpPr>
+        <p:spPr/>
+        <p:txBody>
+          <a:bodyPr/>
+          <a:lstStyle/>
+          <a:p>
+            <a:r>
+              <a:rPr lang="en-US" dirty="0"/>
+              <a:t>Efficiency </a:t>
+            </a:r>
+          </a:p>
+        </p:txBody>
+      </p:sp>
+      <mc:AlternateContent xmlns:mc="http://schemas.openxmlformats.org/markup-compatibility/2006">
+        <mc:Choice xmlns:a14="http://schemas.microsoft.com/office/drawing/2010/main" Requires="a14">
+          <p:sp>
+            <p:nvSpPr>
+              <p:cNvPr id="3" name="Content Placeholder 2">
+                <a:extLst>
+                  <a:ext uri="{FF2B5EF4-FFF2-40B4-BE49-F238E27FC236}">
+                    <a16:creationId xmlns:a16="http://schemas.microsoft.com/office/drawing/2014/main" id="{B6314AB4-D711-41E6-8A85-F162A044ABD1}"/>
+                  </a:ext>
+                </a:extLst>
+              </p:cNvPr>
+              <p:cNvSpPr>
+                <a:spLocks noGrp="1"/>
+              </p:cNvSpPr>
+              <p:nvPr>
+                <p:ph idx="1"/>
+              </p:nvPr>
+            </p:nvSpPr>
+            <p:spPr/>
+            <p:txBody>
+              <a:bodyPr>
+                <a:normAutofit fontScale="70000" lnSpcReduction="20000"/>
+              </a:bodyPr>
+              <a:lstStyle/>
+              <a:p>
+                <a:r>
+                  <a:rPr lang="en-US" dirty="0"/>
+                  <a:t>By rearranging the previous equations, we can use the input along with a known efficiency to predict the output of a system.</a:t>
+                </a:r>
+              </a:p>
+              <a:p>
+                <a:pPr marL="0" indent="0">
+                  <a:buNone/>
+                </a:pPr>
+                <a14:m>
+                  <m:oMathPara xmlns:m="http://schemas.openxmlformats.org/officeDocument/2006/math">
+                    <m:oMathParaPr>
+                      <m:jc m:val="centerGroup"/>
+                    </m:oMathParaPr>
+                    <m:oMath xmlns:m="http://schemas.openxmlformats.org/officeDocument/2006/math">
+                      <m:r>
+                        <a:rPr lang="en-US" b="0" i="1" smtClean="0">
+                          <a:latin typeface="Cambria Math" panose="02040503050406030204" pitchFamily="18" charset="0"/>
+                          <a:ea typeface="Cambria Math" panose="02040503050406030204" pitchFamily="18" charset="0"/>
+                        </a:rPr>
+                        <m:t>(</m:t>
+                      </m:r>
+                      <m:r>
+                        <a:rPr lang="en-US" b="0" i="1" smtClean="0">
+                          <a:latin typeface="Cambria Math" panose="02040503050406030204" pitchFamily="18" charset="0"/>
+                          <a:ea typeface="Cambria Math" panose="02040503050406030204" pitchFamily="18" charset="0"/>
+                        </a:rPr>
+                        <m:t>𝜂</m:t>
+                      </m:r>
+                      <m:r>
+                        <a:rPr lang="en-US" b="0" i="1" smtClean="0">
+                          <a:latin typeface="Cambria Math" panose="02040503050406030204" pitchFamily="18" charset="0"/>
+                          <a:ea typeface="Cambria Math" panose="02040503050406030204" pitchFamily="18" charset="0"/>
+                        </a:rPr>
+                        <m:t>)(</m:t>
+                      </m:r>
+                      <m:sSub>
+                        <m:sSubPr>
+                          <m:ctrlPr>
+                            <a:rPr lang="en-US" i="1">
+                              <a:latin typeface="Cambria Math" panose="02040503050406030204" pitchFamily="18" charset="0"/>
+                            </a:rPr>
+                          </m:ctrlPr>
+                        </m:sSubPr>
+                        <m:e>
+                          <m:r>
+                            <a:rPr lang="en-US" b="0" i="1" smtClean="0">
+                              <a:latin typeface="Cambria Math" panose="02040503050406030204" pitchFamily="18" charset="0"/>
+                            </a:rPr>
+                            <m:t>𝑃</m:t>
+                          </m:r>
+                        </m:e>
+                        <m:sub>
+                          <m:r>
+                            <a:rPr lang="en-US" i="1">
+                              <a:latin typeface="Cambria Math"/>
+                            </a:rPr>
+                            <m:t>𝑖𝑛</m:t>
+                          </m:r>
+                        </m:sub>
+                      </m:sSub>
+                      <m:r>
+                        <a:rPr lang="en-US" b="0" i="1" smtClean="0">
+                          <a:latin typeface="Cambria Math" panose="02040503050406030204" pitchFamily="18" charset="0"/>
+                        </a:rPr>
+                        <m:t>)</m:t>
+                      </m:r>
+                      <m:r>
+                        <a:rPr lang="en-US" b="0" i="1" smtClean="0">
+                          <a:latin typeface="Cambria Math"/>
+                        </a:rPr>
+                        <m:t>=</m:t>
+                      </m:r>
+                      <m:sSub>
+                        <m:sSubPr>
+                          <m:ctrlPr>
+                            <a:rPr lang="en-US" i="1">
+                              <a:latin typeface="Cambria Math" panose="02040503050406030204" pitchFamily="18" charset="0"/>
+                            </a:rPr>
+                          </m:ctrlPr>
+                        </m:sSubPr>
+                        <m:e>
+                          <m:r>
+                            <a:rPr lang="en-US" b="0" i="1" smtClean="0">
+                              <a:latin typeface="Cambria Math" panose="02040503050406030204" pitchFamily="18" charset="0"/>
+                            </a:rPr>
+                            <m:t>𝑃</m:t>
+                          </m:r>
+                        </m:e>
+                        <m:sub>
+                          <m:r>
+                            <a:rPr lang="en-US" i="1">
+                              <a:latin typeface="Cambria Math"/>
+                            </a:rPr>
+                            <m:t>𝑜𝑢𝑡</m:t>
+                          </m:r>
+                        </m:sub>
+                      </m:sSub>
+                    </m:oMath>
+                  </m:oMathPara>
+                </a14:m>
+                <a:endParaRPr lang="en-US" dirty="0"/>
+              </a:p>
+              <a:p>
+                <a:r>
+                  <a:rPr lang="en-US" dirty="0"/>
+                  <a:t>In mechanical systems, kinematics will usually constrain the motion, meaning that losses will play out as a loss of force or moment rather than a loss of velocities.</a:t>
+                </a:r>
+              </a:p>
+              <a:p>
+                <a:pPr lvl="1"/>
+                <a:r>
+                  <a:rPr lang="en-US" dirty="0"/>
+                  <a:t>Translational</a:t>
+                </a:r>
+              </a:p>
+              <a:p>
+                <a:pPr marL="0" indent="0">
+                  <a:buNone/>
+                </a:pPr>
+                <a14:m>
+                  <m:oMathPara xmlns:m="http://schemas.openxmlformats.org/officeDocument/2006/math">
+                    <m:oMathParaPr>
+                      <m:jc m:val="centerGroup"/>
+                    </m:oMathParaPr>
+                    <m:oMath xmlns:m="http://schemas.openxmlformats.org/officeDocument/2006/math">
+                      <m:sSub>
+                        <m:sSubPr>
+                          <m:ctrlPr>
+                            <a:rPr lang="en-US" i="1">
+                              <a:latin typeface="Cambria Math" panose="02040503050406030204" pitchFamily="18" charset="0"/>
+                            </a:rPr>
+                          </m:ctrlPr>
+                        </m:sSubPr>
+                        <m:e>
+                          <m:r>
+                            <a:rPr lang="en-US" i="1">
+                              <a:latin typeface="Cambria Math" panose="02040503050406030204" pitchFamily="18" charset="0"/>
+                            </a:rPr>
+                            <m:t>𝐹</m:t>
+                          </m:r>
+                        </m:e>
+                        <m:sub>
+                          <m:r>
+                            <a:rPr lang="en-US" i="1">
+                              <a:latin typeface="Cambria Math" panose="02040503050406030204" pitchFamily="18" charset="0"/>
+                            </a:rPr>
+                            <m:t>𝑜𝑢𝑡</m:t>
+                          </m:r>
+                        </m:sub>
+                      </m:sSub>
+                      <m:r>
+                        <a:rPr lang="en-US" b="0" i="1" smtClean="0">
+                          <a:latin typeface="Cambria Math" panose="02040503050406030204" pitchFamily="18" charset="0"/>
+                        </a:rPr>
+                        <m:t>=</m:t>
+                      </m:r>
+                      <m:r>
+                        <a:rPr lang="en-US" b="0" i="1" smtClean="0">
+                          <a:latin typeface="Cambria Math" panose="02040503050406030204" pitchFamily="18" charset="0"/>
+                          <a:ea typeface="Cambria Math" panose="02040503050406030204" pitchFamily="18" charset="0"/>
+                        </a:rPr>
+                        <m:t>𝜂</m:t>
+                      </m:r>
+                      <m:f>
+                        <m:fPr>
+                          <m:ctrlPr>
+                            <a:rPr lang="en-US" b="0" i="1" smtClean="0">
+                              <a:latin typeface="Cambria Math" panose="02040503050406030204" pitchFamily="18" charset="0"/>
+                            </a:rPr>
+                          </m:ctrlPr>
+                        </m:fPr>
+                        <m:num>
+                          <m:d>
+                            <m:dPr>
+                              <m:ctrlPr>
+                                <a:rPr lang="en-US" i="1">
+                                  <a:latin typeface="Cambria Math" panose="02040503050406030204" pitchFamily="18" charset="0"/>
+                                  <a:ea typeface="Cambria Math" panose="02040503050406030204" pitchFamily="18" charset="0"/>
+                                </a:rPr>
+                              </m:ctrlPr>
+                            </m:dPr>
+                            <m:e>
+                              <m:sSub>
+                                <m:sSubPr>
+                                  <m:ctrlPr>
+                                    <a:rPr lang="en-US" i="1">
+                                      <a:latin typeface="Cambria Math" panose="02040503050406030204" pitchFamily="18" charset="0"/>
+                                    </a:rPr>
+                                  </m:ctrlPr>
+                                </m:sSubPr>
+                                <m:e>
+                                  <m:r>
+                                    <a:rPr lang="en-US" i="1">
+                                      <a:latin typeface="Cambria Math" panose="02040503050406030204" pitchFamily="18" charset="0"/>
+                                    </a:rPr>
+                                    <m:t>𝐹</m:t>
+                                  </m:r>
+                                </m:e>
+                                <m:sub>
+                                  <m:r>
+                                    <a:rPr lang="en-US" i="1">
+                                      <a:latin typeface="Cambria Math"/>
+                                    </a:rPr>
+                                    <m:t>𝑖𝑛</m:t>
+                                  </m:r>
+                                </m:sub>
+                              </m:sSub>
+                            </m:e>
+                          </m:d>
+                          <m:d>
+                            <m:dPr>
+                              <m:ctrlPr>
+                                <a:rPr lang="en-US" i="1">
+                                  <a:latin typeface="Cambria Math" panose="02040503050406030204" pitchFamily="18" charset="0"/>
+                                  <a:ea typeface="Cambria Math" panose="02040503050406030204" pitchFamily="18" charset="0"/>
+                                </a:rPr>
+                              </m:ctrlPr>
+                            </m:dPr>
+                            <m:e>
+                              <m:sSub>
+                                <m:sSubPr>
+                                  <m:ctrlPr>
+                                    <a:rPr lang="en-US" i="1">
+                                      <a:latin typeface="Cambria Math" panose="02040503050406030204" pitchFamily="18" charset="0"/>
+                                    </a:rPr>
+                                  </m:ctrlPr>
+                                </m:sSubPr>
+                                <m:e>
+                                  <m:r>
+                                    <a:rPr lang="en-US" i="1">
+                                      <a:latin typeface="Cambria Math" panose="02040503050406030204" pitchFamily="18" charset="0"/>
+                                    </a:rPr>
+                                    <m:t>𝑣</m:t>
+                                  </m:r>
+                                </m:e>
+                                <m:sub>
+                                  <m:r>
+                                    <a:rPr lang="en-US" i="1">
+                                      <a:latin typeface="Cambria Math"/>
+                                    </a:rPr>
+                                    <m:t>𝑖𝑛</m:t>
+                                  </m:r>
+                                </m:sub>
+                              </m:sSub>
+                            </m:e>
+                          </m:d>
+                        </m:num>
+                        <m:den>
+                          <m:d>
+                            <m:dPr>
+                              <m:ctrlPr>
+                                <a:rPr lang="en-US" i="1">
+                                  <a:latin typeface="Cambria Math" panose="02040503050406030204" pitchFamily="18" charset="0"/>
+                                  <a:ea typeface="Cambria Math" panose="02040503050406030204" pitchFamily="18" charset="0"/>
+                                </a:rPr>
+                              </m:ctrlPr>
+                            </m:dPr>
+                            <m:e>
+                              <m:sSub>
+                                <m:sSubPr>
+                                  <m:ctrlPr>
+                                    <a:rPr lang="en-US" i="1">
+                                      <a:latin typeface="Cambria Math" panose="02040503050406030204" pitchFamily="18" charset="0"/>
+                                    </a:rPr>
+                                  </m:ctrlPr>
+                                </m:sSubPr>
+                                <m:e>
+                                  <m:r>
+                                    <a:rPr lang="en-US" i="1">
+                                      <a:latin typeface="Cambria Math" panose="02040503050406030204" pitchFamily="18" charset="0"/>
+                                    </a:rPr>
+                                    <m:t>𝑣</m:t>
+                                  </m:r>
+                                </m:e>
+                                <m:sub>
+                                  <m:r>
+                                    <a:rPr lang="en-US" i="1">
+                                      <a:latin typeface="Cambria Math" panose="02040503050406030204" pitchFamily="18" charset="0"/>
+                                    </a:rPr>
+                                    <m:t>𝑜𝑢𝑡</m:t>
+                                  </m:r>
+                                </m:sub>
+                              </m:sSub>
+                            </m:e>
+                          </m:d>
+                        </m:den>
+                      </m:f>
+                    </m:oMath>
+                  </m:oMathPara>
+                </a14:m>
+                <a:endParaRPr lang="en-US" dirty="0"/>
+              </a:p>
+              <a:p>
+                <a:pPr lvl="1"/>
+                <a:r>
+                  <a:rPr lang="en-US" dirty="0"/>
+                  <a:t>Rotational</a:t>
+                </a:r>
+              </a:p>
+              <a:p>
+                <a:pPr marL="0" indent="0">
+                  <a:buNone/>
+                </a:pPr>
+                <a14:m>
+                  <m:oMathPara xmlns:m="http://schemas.openxmlformats.org/officeDocument/2006/math">
+                    <m:oMathParaPr>
+                      <m:jc m:val="centerGroup"/>
+                    </m:oMathParaPr>
+                    <m:oMath xmlns:m="http://schemas.openxmlformats.org/officeDocument/2006/math">
+                      <m:sSub>
+                        <m:sSubPr>
+                          <m:ctrlPr>
+                            <a:rPr lang="en-US" i="1">
+                              <a:latin typeface="Cambria Math" panose="02040503050406030204" pitchFamily="18" charset="0"/>
+                            </a:rPr>
+                          </m:ctrlPr>
+                        </m:sSubPr>
+                        <m:e>
+                          <m:r>
+                            <a:rPr lang="en-US" b="0" i="1" smtClean="0">
+                              <a:latin typeface="Cambria Math" panose="02040503050406030204" pitchFamily="18" charset="0"/>
+                            </a:rPr>
+                            <m:t>𝑀</m:t>
+                          </m:r>
+                        </m:e>
+                        <m:sub>
+                          <m:r>
+                            <a:rPr lang="en-US" i="1">
+                              <a:latin typeface="Cambria Math" panose="02040503050406030204" pitchFamily="18" charset="0"/>
+                            </a:rPr>
+                            <m:t>𝑜𝑢𝑡</m:t>
+                          </m:r>
+                        </m:sub>
+                      </m:sSub>
+                      <m:r>
+                        <a:rPr lang="en-US" i="1">
+                          <a:latin typeface="Cambria Math" panose="02040503050406030204" pitchFamily="18" charset="0"/>
+                        </a:rPr>
+                        <m:t>=</m:t>
+                      </m:r>
+                      <m:r>
+                        <a:rPr lang="en-US" i="1">
+                          <a:latin typeface="Cambria Math" panose="02040503050406030204" pitchFamily="18" charset="0"/>
+                          <a:ea typeface="Cambria Math" panose="02040503050406030204" pitchFamily="18" charset="0"/>
+                        </a:rPr>
+                        <m:t>𝜂</m:t>
+                      </m:r>
+                      <m:f>
+                        <m:fPr>
+                          <m:ctrlPr>
+                            <a:rPr lang="en-US" i="1">
+                              <a:latin typeface="Cambria Math" panose="02040503050406030204" pitchFamily="18" charset="0"/>
+                            </a:rPr>
+                          </m:ctrlPr>
+                        </m:fPr>
+                        <m:num>
+                          <m:d>
+                            <m:dPr>
+                              <m:ctrlPr>
+                                <a:rPr lang="en-US" i="1">
+                                  <a:latin typeface="Cambria Math" panose="02040503050406030204" pitchFamily="18" charset="0"/>
+                                  <a:ea typeface="Cambria Math" panose="02040503050406030204" pitchFamily="18" charset="0"/>
+                                </a:rPr>
+                              </m:ctrlPr>
+                            </m:dPr>
+                            <m:e>
+                              <m:sSub>
+                                <m:sSubPr>
+                                  <m:ctrlPr>
+                                    <a:rPr lang="en-US" i="1">
+                                      <a:latin typeface="Cambria Math" panose="02040503050406030204" pitchFamily="18" charset="0"/>
+                                    </a:rPr>
+                                  </m:ctrlPr>
+                                </m:sSubPr>
+                                <m:e>
+                                  <m:r>
+                                    <a:rPr lang="en-US" b="0" i="1" smtClean="0">
+                                      <a:latin typeface="Cambria Math" panose="02040503050406030204" pitchFamily="18" charset="0"/>
+                                    </a:rPr>
+                                    <m:t>𝑀</m:t>
+                                  </m:r>
+                                </m:e>
+                                <m:sub>
+                                  <m:r>
+                                    <a:rPr lang="en-US" i="1">
+                                      <a:latin typeface="Cambria Math"/>
+                                    </a:rPr>
+                                    <m:t>𝑖𝑛</m:t>
+                                  </m:r>
+                                </m:sub>
+                              </m:sSub>
+                            </m:e>
+                          </m:d>
+                          <m:d>
+                            <m:dPr>
+                              <m:ctrlPr>
+                                <a:rPr lang="en-US" i="1">
+                                  <a:latin typeface="Cambria Math" panose="02040503050406030204" pitchFamily="18" charset="0"/>
+                                  <a:ea typeface="Cambria Math" panose="02040503050406030204" pitchFamily="18" charset="0"/>
+                                </a:rPr>
+                              </m:ctrlPr>
+                            </m:dPr>
+                            <m:e>
+                              <m:sSub>
+                                <m:sSubPr>
+                                  <m:ctrlPr>
+                                    <a:rPr lang="en-US" i="1">
+                                      <a:latin typeface="Cambria Math" panose="02040503050406030204" pitchFamily="18" charset="0"/>
+                                    </a:rPr>
+                                  </m:ctrlPr>
+                                </m:sSubPr>
+                                <m:e>
+                                  <m:r>
+                                    <a:rPr lang="en-US" i="1" smtClean="0">
+                                      <a:latin typeface="Cambria Math" panose="02040503050406030204" pitchFamily="18" charset="0"/>
+                                      <a:ea typeface="Cambria Math" panose="02040503050406030204" pitchFamily="18" charset="0"/>
+                                    </a:rPr>
+                                    <m:t>𝜔</m:t>
+                                  </m:r>
+                                </m:e>
+                                <m:sub>
+                                  <m:r>
+                                    <a:rPr lang="en-US" i="1">
+                                      <a:latin typeface="Cambria Math"/>
+                                    </a:rPr>
+                                    <m:t>𝑖𝑛</m:t>
+                                  </m:r>
+                                </m:sub>
+                              </m:sSub>
+                            </m:e>
+                          </m:d>
+                        </m:num>
+                        <m:den>
+                          <m:d>
+                            <m:dPr>
+                              <m:ctrlPr>
+                                <a:rPr lang="en-US" i="1">
+                                  <a:latin typeface="Cambria Math" panose="02040503050406030204" pitchFamily="18" charset="0"/>
+                                  <a:ea typeface="Cambria Math" panose="02040503050406030204" pitchFamily="18" charset="0"/>
+                                </a:rPr>
+                              </m:ctrlPr>
+                            </m:dPr>
+                            <m:e>
+                              <m:sSub>
+                                <m:sSubPr>
+                                  <m:ctrlPr>
+                                    <a:rPr lang="en-US" i="1">
+                                      <a:latin typeface="Cambria Math" panose="02040503050406030204" pitchFamily="18" charset="0"/>
+                                    </a:rPr>
+                                  </m:ctrlPr>
+                                </m:sSubPr>
+                                <m:e>
+                                  <m:r>
+                                    <a:rPr lang="en-US" i="1" smtClean="0">
+                                      <a:latin typeface="Cambria Math" panose="02040503050406030204" pitchFamily="18" charset="0"/>
+                                      <a:ea typeface="Cambria Math" panose="02040503050406030204" pitchFamily="18" charset="0"/>
+                                    </a:rPr>
+                                    <m:t>𝜔</m:t>
+                                  </m:r>
+                                </m:e>
+                                <m:sub>
+                                  <m:r>
+                                    <a:rPr lang="en-US" i="1">
+                                      <a:latin typeface="Cambria Math" panose="02040503050406030204" pitchFamily="18" charset="0"/>
+                                    </a:rPr>
+                                    <m:t>𝑜𝑢𝑡</m:t>
+                                  </m:r>
+                                </m:sub>
+                              </m:sSub>
+                            </m:e>
+                          </m:d>
+                        </m:den>
+                      </m:f>
+                    </m:oMath>
+                  </m:oMathPara>
+                </a14:m>
+                <a:endParaRPr lang="en-US" dirty="0"/>
+              </a:p>
+              <a:p>
+                <a:pPr marL="0" indent="0">
+                  <a:buNone/>
+                </a:pPr>
+                <a:endParaRPr lang="en-US" dirty="0"/>
+              </a:p>
+            </p:txBody>
+          </p:sp>
+        </mc:Choice>
+        <mc:Fallback>
+          <p:sp>
+            <p:nvSpPr>
+              <p:cNvPr id="3" name="Content Placeholder 2">
+                <a:extLst>
+                  <a:ext uri="{FF2B5EF4-FFF2-40B4-BE49-F238E27FC236}">
+                    <a16:creationId xmlns:a16="http://schemas.microsoft.com/office/drawing/2014/main" id="{B6314AB4-D711-41E6-8A85-F162A044ABD1}"/>
+                  </a:ext>
+                </a:extLst>
+              </p:cNvPr>
+              <p:cNvSpPr>
+                <a:spLocks noGrp="1" noRot="1" noChangeAspect="1" noMove="1" noResize="1" noEditPoints="1" noAdjustHandles="1" noChangeArrowheads="1" noChangeShapeType="1" noTextEdit="1"/>
+              </p:cNvSpPr>
+              <p:nvPr>
+                <p:ph idx="1"/>
+              </p:nvPr>
+            </p:nvSpPr>
+            <p:spPr>
+              <a:blipFill>
+                <a:blip r:embed="rId2"/>
+                <a:stretch>
+                  <a:fillRect l="-815" t="-2291" r="-1481"/>
+                </a:stretch>
+              </a:blipFill>
+            </p:spPr>
+            <p:txBody>
+              <a:bodyPr/>
+              <a:lstStyle/>
+              <a:p>
+                <a:r>
+                  <a:rPr lang="en-US">
+                    <a:noFill/>
+                  </a:rPr>
+                  <a:t> </a:t>
+                </a:r>
+              </a:p>
+            </p:txBody>
+          </p:sp>
+        </mc:Fallback>
+      </mc:AlternateContent>
+      <p:sp>
+        <p:nvSpPr>
+          <p:cNvPr id="4" name="Slide Number Placeholder 3">
+            <a:extLst>
+              <a:ext uri="{FF2B5EF4-FFF2-40B4-BE49-F238E27FC236}">
+                <a16:creationId xmlns:a16="http://schemas.microsoft.com/office/drawing/2014/main" id="{D953422B-D61B-4619-A27E-D461094615FF}"/>
+              </a:ext>
+            </a:extLst>
+          </p:cNvPr>
+          <p:cNvSpPr>
+            <a:spLocks noGrp="1"/>
+          </p:cNvSpPr>
+          <p:nvPr>
+            <p:ph type="sldNum" sz="quarter" idx="12"/>
+          </p:nvPr>
+        </p:nvSpPr>
+        <p:spPr/>
+        <p:txBody>
+          <a:bodyPr/>
+          <a:lstStyle/>
+          <a:p>
+            <a:fld id="{929262FE-7F58-4A1E-8AF3-5A510A86DEBD}" type="slidenum">
+              <a:rPr lang="en-US" smtClean="0"/>
+              <a:t>4</a:t>
+            </a:fld>
+            <a:endParaRPr lang="en-US" dirty="0"/>
+          </a:p>
+        </p:txBody>
+      </p:sp>
+    </p:spTree>
+    <p:extLst>
+      <p:ext uri="{BB962C8B-B14F-4D97-AF65-F5344CB8AC3E}">
+        <p14:creationId xmlns:p14="http://schemas.microsoft.com/office/powerpoint/2010/main" val="225194778"/>
       </p:ext>
     </p:extLst>
   </p:cSld>
@@ -5069,33 +5879,15 @@
                                   </p:childTnLst>
                                 </p:cTn>
                               </p:par>
-                            </p:childTnLst>
-                          </p:cTn>
-                        </p:par>
-                      </p:childTnLst>
-                    </p:cTn>
-                  </p:par>
-                  <p:par>
-                    <p:cTn id="15" fill="hold">
-                      <p:stCondLst>
-                        <p:cond delay="indefinite"/>
-                      </p:stCondLst>
-                      <p:childTnLst>
-                        <p:par>
-                          <p:cTn id="16" fill="hold">
-                            <p:stCondLst>
-                              <p:cond delay="0"/>
-                            </p:stCondLst>
-                            <p:childTnLst>
                               <p:par>
-                                <p:cTn id="17" presetID="1" presetClass="entr" presetSubtype="0" fill="hold" grpId="0" nodeType="clickEffect">
+                                <p:cTn id="15" presetID="1" presetClass="entr" presetSubtype="0" fill="hold" grpId="0" nodeType="withEffect">
                                   <p:stCondLst>
                                     <p:cond delay="0"/>
                                   </p:stCondLst>
                                   <p:childTnLst>
                                     <p:set>
                                       <p:cBhvr>
-                                        <p:cTn id="18" dur="1" fill="hold">
+                                        <p:cTn id="16" dur="1" fill="hold">
                                           <p:stCondLst>
                                             <p:cond delay="0"/>
                                           </p:stCondLst>
@@ -5104,6 +5896,135 @@
                                           <p:spTgt spid="3">
                                             <p:txEl>
                                               <p:pRg st="3" end="3"/>
+                                            </p:txEl>
+                                          </p:spTgt>
+                                        </p:tgtEl>
+                                        <p:attrNameLst>
+                                          <p:attrName>style.visibility</p:attrName>
+                                        </p:attrNameLst>
+                                      </p:cBhvr>
+                                      <p:to>
+                                        <p:strVal val="visible"/>
+                                      </p:to>
+                                    </p:set>
+                                  </p:childTnLst>
+                                </p:cTn>
+                              </p:par>
+                            </p:childTnLst>
+                          </p:cTn>
+                        </p:par>
+                      </p:childTnLst>
+                    </p:cTn>
+                  </p:par>
+                  <p:par>
+                    <p:cTn id="17" fill="hold">
+                      <p:stCondLst>
+                        <p:cond delay="indefinite"/>
+                      </p:stCondLst>
+                      <p:childTnLst>
+                        <p:par>
+                          <p:cTn id="18" fill="hold">
+                            <p:stCondLst>
+                              <p:cond delay="0"/>
+                            </p:stCondLst>
+                            <p:childTnLst>
+                              <p:par>
+                                <p:cTn id="19" presetID="1" presetClass="entr" presetSubtype="0" fill="hold" grpId="0" nodeType="clickEffect">
+                                  <p:stCondLst>
+                                    <p:cond delay="0"/>
+                                  </p:stCondLst>
+                                  <p:childTnLst>
+                                    <p:set>
+                                      <p:cBhvr>
+                                        <p:cTn id="20" dur="1" fill="hold">
+                                          <p:stCondLst>
+                                            <p:cond delay="0"/>
+                                          </p:stCondLst>
+                                        </p:cTn>
+                                        <p:tgtEl>
+                                          <p:spTgt spid="3">
+                                            <p:txEl>
+                                              <p:pRg st="4" end="4"/>
+                                            </p:txEl>
+                                          </p:spTgt>
+                                        </p:tgtEl>
+                                        <p:attrNameLst>
+                                          <p:attrName>style.visibility</p:attrName>
+                                        </p:attrNameLst>
+                                      </p:cBhvr>
+                                      <p:to>
+                                        <p:strVal val="visible"/>
+                                      </p:to>
+                                    </p:set>
+                                  </p:childTnLst>
+                                </p:cTn>
+                              </p:par>
+                              <p:par>
+                                <p:cTn id="21" presetID="1" presetClass="entr" presetSubtype="0" fill="hold" grpId="0" nodeType="withEffect">
+                                  <p:stCondLst>
+                                    <p:cond delay="0"/>
+                                  </p:stCondLst>
+                                  <p:childTnLst>
+                                    <p:set>
+                                      <p:cBhvr>
+                                        <p:cTn id="22" dur="1" fill="hold">
+                                          <p:stCondLst>
+                                            <p:cond delay="0"/>
+                                          </p:stCondLst>
+                                        </p:cTn>
+                                        <p:tgtEl>
+                                          <p:spTgt spid="3">
+                                            <p:txEl>
+                                              <p:pRg st="5" end="5"/>
+                                            </p:txEl>
+                                          </p:spTgt>
+                                        </p:tgtEl>
+                                        <p:attrNameLst>
+                                          <p:attrName>style.visibility</p:attrName>
+                                        </p:attrNameLst>
+                                      </p:cBhvr>
+                                      <p:to>
+                                        <p:strVal val="visible"/>
+                                      </p:to>
+                                    </p:set>
+                                  </p:childTnLst>
+                                </p:cTn>
+                              </p:par>
+                            </p:childTnLst>
+                          </p:cTn>
+                        </p:par>
+                      </p:childTnLst>
+                    </p:cTn>
+                  </p:par>
+                  <p:par>
+                    <p:cTn id="23" fill="hold">
+                      <p:stCondLst>
+                        <p:cond delay="indefinite"/>
+                      </p:stCondLst>
+                      <p:childTnLst>
+                        <p:par>
+                          <p:cTn id="24" fill="hold">
+                            <p:stCondLst>
+                              <p:cond delay="0"/>
+                            </p:stCondLst>
+                            <p:childTnLst>
+                              <p:par>
+                                <p:cTn id="25" presetID="1" presetClass="entr" presetSubtype="0" fill="hold" grpId="0" nodeType="clickEffect">
+                                  <p:stCondLst>
+                                    <p:cond delay="0"/>
+                                  </p:stCondLst>
+                                  <p:childTnLst>
+                                    <p:set>
+                                      <p:cBhvr>
+                                        <p:cTn id="26" dur="1" fill="hold">
+                                          <p:stCondLst>
+                                            <p:cond delay="0"/>
+                                          </p:stCondLst>
+                                        </p:cTn>
+                                        <p:tgtEl>
+                                          <p:spTgt spid="3">
+                                            <p:txEl>
+                                              <p:pRg st="6" end="6"/>
                                             </p:txEl>
                                           </p:spTgt>
                                         </p:tgtEl>
@@ -5146,13 +6067,13 @@
       </p:par>
     </p:tnLst>
     <p:bldLst>
-      <p:bldP spid="3" grpId="0" uiExpand="1" build="p"/>
+      <p:bldP spid="3" grpId="0" build="p"/>
     </p:bldLst>
   </p:timing>
 </p:sld>
 </file>
 
-<file path=ppt/slides/slide3.xml><?xml version="1.0" encoding="utf-8"?>
+<file path=ppt/slides/slide5.xml><?xml version="1.0" encoding="utf-8"?>
 <p:sld xmlns:a="http://schemas.openxmlformats.org/drawingml/2006/main" xmlns:r="http://schemas.openxmlformats.org/officeDocument/2006/relationships" xmlns:p="http://schemas.openxmlformats.org/presentationml/2006/main">
   <p:cSld>
     <p:spTree>
@@ -5171,7 +6092,13 @@
       </p:grpSpPr>
       <p:sp>
         <p:nvSpPr>
-          <p:cNvPr id="2" name="Title 1"/>
+          <p:cNvPr id="2" name="Title 1">
+            <a:extLst>
+              <a:ext uri="{FF2B5EF4-FFF2-40B4-BE49-F238E27FC236}">
+                <a16:creationId xmlns:a16="http://schemas.microsoft.com/office/drawing/2014/main" id="{BF23EDE5-C6E8-4D51-B522-6BAC9ED0C15A}"/>
+              </a:ext>
+            </a:extLst>
+          </p:cNvPr>
           <p:cNvSpPr>
             <a:spLocks noGrp="1"/>
           </p:cNvSpPr>
@@ -5186,233 +6113,69 @@
           <a:p>
             <a:r>
               <a:rPr lang="en-US" dirty="0"/>
-              <a:t>Power</a:t>
-            </a:r>
-          </a:p>
-        </p:txBody>
-      </p:sp>
-      <mc:AlternateContent xmlns:mc="http://schemas.openxmlformats.org/markup-compatibility/2006" xmlns:a14="http://schemas.microsoft.com/office/drawing/2010/main">
-        <mc:Choice Requires="a14">
-          <p:sp>
-            <p:nvSpPr>
-              <p:cNvPr id="3" name="Content Placeholder 2"/>
-              <p:cNvSpPr>
-                <a:spLocks noGrp="1"/>
-              </p:cNvSpPr>
-              <p:nvPr>
-                <p:ph idx="1"/>
-              </p:nvPr>
-            </p:nvSpPr>
-            <p:spPr/>
-            <p:txBody>
-              <a:bodyPr>
-                <a:normAutofit fontScale="92500"/>
-              </a:bodyPr>
-              <a:lstStyle/>
-              <a:p>
-                <a:r>
-                  <a:rPr lang="en-US" dirty="0"/>
-                  <a:t>If we look at the average power exerted over a set period of time, we can simply divide the work done (or change in energy) by the time it took to do that work</a:t>
-                </a:r>
-              </a:p>
-              <a:p>
-                <a:pPr marL="0" indent="0">
-                  <a:buNone/>
-                </a:pPr>
-                <a14:m>
-                  <m:oMathPara xmlns:m="http://schemas.openxmlformats.org/officeDocument/2006/math">
-                    <m:oMathParaPr>
-                      <m:jc m:val="centerGroup"/>
-                    </m:oMathParaPr>
-                    <m:oMath xmlns:m="http://schemas.openxmlformats.org/officeDocument/2006/math">
-                      <m:sSub>
-                        <m:sSubPr>
-                          <m:ctrlPr>
-                            <a:rPr lang="en-US" b="0" i="1" smtClean="0">
-                              <a:latin typeface="Cambria Math" panose="02040503050406030204" pitchFamily="18" charset="0"/>
-                            </a:rPr>
-                          </m:ctrlPr>
-                        </m:sSubPr>
-                        <m:e>
-                          <m:r>
-                            <a:rPr lang="en-US" b="0" i="1" smtClean="0">
-                              <a:latin typeface="Cambria Math" panose="02040503050406030204" pitchFamily="18" charset="0"/>
-                            </a:rPr>
-                            <m:t>𝑃</m:t>
-                          </m:r>
-                        </m:e>
-                        <m:sub>
-                          <m:r>
-                            <a:rPr lang="en-US" b="0" i="1" smtClean="0">
-                              <a:latin typeface="Cambria Math" panose="02040503050406030204" pitchFamily="18" charset="0"/>
-                            </a:rPr>
-                            <m:t>𝑎𝑣𝑒</m:t>
-                          </m:r>
-                        </m:sub>
-                      </m:sSub>
-                      <m:r>
-                        <a:rPr lang="en-US" b="0" i="1" smtClean="0">
-                          <a:latin typeface="Cambria Math"/>
-                        </a:rPr>
-                        <m:t>= </m:t>
-                      </m:r>
-                      <m:f>
-                        <m:fPr>
-                          <m:ctrlPr>
-                            <a:rPr lang="en-US" b="0" i="1" smtClean="0">
-                              <a:latin typeface="Cambria Math" panose="02040503050406030204" pitchFamily="18" charset="0"/>
-                            </a:rPr>
-                          </m:ctrlPr>
-                        </m:fPr>
-                        <m:num>
-                          <m:r>
-                            <a:rPr lang="en-US" b="0" i="1" smtClean="0">
-                              <a:latin typeface="Cambria Math"/>
-                            </a:rPr>
-                            <m:t>𝑊</m:t>
-                          </m:r>
-                        </m:num>
-                        <m:den>
-                          <m:r>
-                            <a:rPr lang="en-US" b="0" i="1" smtClean="0">
-                              <a:latin typeface="Cambria Math"/>
-                              <a:ea typeface="Cambria Math"/>
-                            </a:rPr>
-                            <m:t>𝑡</m:t>
-                          </m:r>
-                        </m:den>
-                      </m:f>
-                    </m:oMath>
-                  </m:oMathPara>
-                </a14:m>
-                <a:endParaRPr lang="en-US" dirty="0"/>
-              </a:p>
-              <a:p>
-                <a:r>
-                  <a:rPr lang="en-US" dirty="0"/>
-                  <a:t>Working in the other direction, we can also define work as the average power times the time</a:t>
-                </a:r>
-              </a:p>
-              <a:p>
-                <a:pPr marL="0" indent="0">
-                  <a:buNone/>
-                </a:pPr>
-                <a14:m>
-                  <m:oMathPara xmlns:m="http://schemas.openxmlformats.org/officeDocument/2006/math">
-                    <m:oMathParaPr>
-                      <m:jc m:val="centerGroup"/>
-                    </m:oMathParaPr>
-                    <m:oMath xmlns:m="http://schemas.openxmlformats.org/officeDocument/2006/math">
-                      <m:r>
-                        <a:rPr lang="en-US" b="0" i="1" smtClean="0">
-                          <a:latin typeface="Cambria Math"/>
-                          <a:ea typeface="Cambria Math"/>
-                        </a:rPr>
-                        <m:t>(</m:t>
-                      </m:r>
-                      <m:sSub>
-                        <m:sSubPr>
-                          <m:ctrlPr>
-                            <a:rPr lang="en-US" i="1">
-                              <a:latin typeface="Cambria Math" panose="02040503050406030204" pitchFamily="18" charset="0"/>
-                            </a:rPr>
-                          </m:ctrlPr>
-                        </m:sSubPr>
-                        <m:e>
-                          <m:r>
-                            <a:rPr lang="en-US" i="1">
-                              <a:latin typeface="Cambria Math" panose="02040503050406030204" pitchFamily="18" charset="0"/>
-                            </a:rPr>
-                            <m:t>𝑃</m:t>
-                          </m:r>
-                        </m:e>
-                        <m:sub>
-                          <m:r>
-                            <a:rPr lang="en-US" i="1">
-                              <a:latin typeface="Cambria Math" panose="02040503050406030204" pitchFamily="18" charset="0"/>
-                            </a:rPr>
-                            <m:t>𝑎𝑣𝑒</m:t>
-                          </m:r>
-                        </m:sub>
-                      </m:sSub>
-                      <m:r>
-                        <a:rPr lang="en-US" b="0" i="1" smtClean="0">
-                          <a:latin typeface="Cambria Math"/>
-                          <a:ea typeface="Cambria Math"/>
-                        </a:rPr>
-                        <m:t>)(</m:t>
-                      </m:r>
-                      <m:r>
-                        <a:rPr lang="en-US" i="1">
-                          <a:latin typeface="Cambria Math"/>
-                          <a:ea typeface="Cambria Math"/>
-                        </a:rPr>
-                        <m:t>𝑡</m:t>
-                      </m:r>
-                      <m:r>
-                        <a:rPr lang="en-US" b="0" i="1" smtClean="0">
-                          <a:latin typeface="Cambria Math"/>
-                          <a:ea typeface="Cambria Math"/>
-                        </a:rPr>
-                        <m:t>)</m:t>
-                      </m:r>
-                      <m:r>
-                        <a:rPr lang="en-US" i="1">
-                          <a:latin typeface="Cambria Math"/>
-                        </a:rPr>
-                        <m:t>=</m:t>
-                      </m:r>
-                      <m:r>
-                        <a:rPr lang="en-US" i="1">
-                          <a:latin typeface="Cambria Math"/>
-                        </a:rPr>
-                        <m:t>𝑊</m:t>
-                      </m:r>
-                    </m:oMath>
-                  </m:oMathPara>
-                </a14:m>
-                <a:endParaRPr lang="en-US" dirty="0"/>
-              </a:p>
-            </p:txBody>
-          </p:sp>
-        </mc:Choice>
-        <mc:Fallback xmlns="">
-          <p:sp>
-            <p:nvSpPr>
-              <p:cNvPr id="3" name="Content Placeholder 2"/>
-              <p:cNvSpPr>
-                <a:spLocks noGrp="1" noRot="1" noChangeAspect="1" noMove="1" noResize="1" noEditPoints="1" noAdjustHandles="1" noChangeArrowheads="1" noChangeShapeType="1" noTextEdit="1"/>
-              </p:cNvSpPr>
-              <p:nvPr>
-                <p:ph idx="1"/>
-              </p:nvPr>
-            </p:nvSpPr>
-            <p:spPr>
-              <a:blipFill>
-                <a:blip r:embed="rId2"/>
-                <a:stretch>
-                  <a:fillRect l="-1481" t="-1617" r="-1407"/>
-                </a:stretch>
-              </a:blipFill>
-            </p:spPr>
-            <p:txBody>
-              <a:bodyPr/>
-              <a:lstStyle/>
-              <a:p>
-                <a:r>
-                  <a:rPr lang="en-US">
-                    <a:noFill/>
-                  </a:rPr>
-                  <a:t> </a:t>
-                </a:r>
-              </a:p>
-            </p:txBody>
-          </p:sp>
-        </mc:Fallback>
-      </mc:AlternateContent>
-      <p:sp>
-        <p:nvSpPr>
-          <p:cNvPr id="4" name="Slide Number Placeholder 3"/>
+              <a:t>Problems with Inefficiency</a:t>
+            </a:r>
+          </a:p>
+        </p:txBody>
+      </p:sp>
+      <p:sp>
+        <p:nvSpPr>
+          <p:cNvPr id="3" name="Content Placeholder 2">
+            <a:extLst>
+              <a:ext uri="{FF2B5EF4-FFF2-40B4-BE49-F238E27FC236}">
+                <a16:creationId xmlns:a16="http://schemas.microsoft.com/office/drawing/2014/main" id="{BBE7DE19-1D27-4AF3-8787-20E0DE292CA3}"/>
+              </a:ext>
+            </a:extLst>
+          </p:cNvPr>
+          <p:cNvSpPr>
+            <a:spLocks noGrp="1"/>
+          </p:cNvSpPr>
+          <p:nvPr>
+            <p:ph idx="1"/>
+          </p:nvPr>
+        </p:nvSpPr>
+        <p:spPr>
+          <a:xfrm>
+            <a:off x="457200" y="1600200"/>
+            <a:ext cx="4800600" cy="4525963"/>
+          </a:xfrm>
+        </p:spPr>
+        <p:txBody>
+          <a:bodyPr>
+            <a:normAutofit fontScale="92500" lnSpcReduction="10000"/>
+          </a:bodyPr>
+          <a:lstStyle/>
+          <a:p>
+            <a:r>
+              <a:rPr lang="en-US" dirty="0"/>
+              <a:t>Since energy cannot be destroyed, the “lost” energy doesn’t really go away, it is just converted to a non-useful form, such as </a:t>
+            </a:r>
+            <a:r>
+              <a:rPr lang="en-US" b="1" dirty="0"/>
+              <a:t>heat</a:t>
+            </a:r>
+            <a:r>
+              <a:rPr lang="en-US" dirty="0"/>
+              <a:t>.</a:t>
+            </a:r>
+          </a:p>
+          <a:p>
+            <a:r>
+              <a:rPr lang="en-US" dirty="0"/>
+              <a:t>In some systems, this built-up heat can further decrease the efficiency, compounding the problem.</a:t>
+            </a:r>
+          </a:p>
+        </p:txBody>
+      </p:sp>
+      <p:sp>
+        <p:nvSpPr>
+          <p:cNvPr id="4" name="Slide Number Placeholder 3">
+            <a:extLst>
+              <a:ext uri="{FF2B5EF4-FFF2-40B4-BE49-F238E27FC236}">
+                <a16:creationId xmlns:a16="http://schemas.microsoft.com/office/drawing/2014/main" id="{37B107B9-0061-421A-9F3E-0CD6588223E9}"/>
+              </a:ext>
+            </a:extLst>
+          </p:cNvPr>
           <p:cNvSpPr>
             <a:spLocks noGrp="1"/>
           </p:cNvSpPr>
@@ -5425,82 +6188,65 @@
           <a:bodyPr/>
           <a:lstStyle/>
           <a:p>
-            <a:pPr marL="0" marR="0" lvl="0" indent="0" algn="r" defTabSz="914400" rtl="0" eaLnBrk="1" fontAlgn="auto" latinLnBrk="0" hangingPunct="1">
-              <a:lnSpc>
-                <a:spcPct val="100000"/>
-              </a:lnSpc>
-              <a:spcBef>
-                <a:spcPts val="0"/>
-              </a:spcBef>
-              <a:spcAft>
-                <a:spcPts val="0"/>
-              </a:spcAft>
-              <a:buClrTx/>
-              <a:buSzTx/>
-              <a:buFontTx/>
-              <a:buNone/>
-              <a:tabLst/>
-              <a:defRPr/>
-            </a:pPr>
             <a:fld id="{929262FE-7F58-4A1E-8AF3-5A510A86DEBD}" type="slidenum">
-              <a:rPr kumimoji="0" lang="en-US" sz="1200" b="0" i="0" u="none" strike="noStrike" kern="1200" cap="none" spc="0" normalizeH="0" baseline="0" noProof="0" smtClean="0">
-                <a:ln>
-                  <a:noFill/>
-                </a:ln>
+              <a:rPr lang="en-US" smtClean="0"/>
+              <a:t>5</a:t>
+            </a:fld>
+            <a:endParaRPr lang="en-US" dirty="0"/>
+          </a:p>
+        </p:txBody>
+      </p:sp>
+      <p:pic>
+        <p:nvPicPr>
+          <p:cNvPr id="1026" name="Picture 2" descr="Problem 3 Diagram">
+            <a:extLst>
+              <a:ext uri="{FF2B5EF4-FFF2-40B4-BE49-F238E27FC236}">
+                <a16:creationId xmlns:a16="http://schemas.microsoft.com/office/drawing/2014/main" id="{9D52BBAB-8C4D-45FB-B340-3F4B47F4FD05}"/>
+              </a:ext>
+            </a:extLst>
+          </p:cNvPr>
+          <p:cNvPicPr>
+            <a:picLocks noChangeAspect="1" noChangeArrowheads="1"/>
+          </p:cNvPicPr>
+          <p:nvPr/>
+        </p:nvPicPr>
+        <p:blipFill>
+          <a:blip r:embed="rId2">
+            <a:extLst>
+              <a:ext uri="{28A0092B-C50C-407E-A947-70E740481C1C}">
+                <a14:useLocalDpi xmlns:a14="http://schemas.microsoft.com/office/drawing/2010/main" val="0"/>
+              </a:ext>
+            </a:extLst>
+          </a:blip>
+          <a:srcRect/>
+          <a:stretch>
+            <a:fillRect/>
+          </a:stretch>
+        </p:blipFill>
+        <p:spPr bwMode="auto">
+          <a:xfrm>
+            <a:off x="5410200" y="2775744"/>
+            <a:ext cx="3333750" cy="2222500"/>
+          </a:xfrm>
+          <a:prstGeom prst="rect">
+            <a:avLst/>
+          </a:prstGeom>
+          <a:noFill/>
+          <a:extLst>
+            <a:ext uri="{909E8E84-426E-40DD-AFC4-6F175D3DCCD1}">
+              <a14:hiddenFill xmlns:a14="http://schemas.microsoft.com/office/drawing/2010/main">
                 <a:solidFill>
-                  <a:srgbClr val="4F81BD">
-                    <a:lumMod val="50000"/>
-                  </a:srgbClr>
+                  <a:srgbClr val="FFFFFF"/>
                 </a:solidFill>
-                <a:effectLst/>
-                <a:uLnTx/>
-                <a:uFillTx/>
-                <a:latin typeface="Calibri"/>
-                <a:ea typeface="+mn-ea"/>
-                <a:cs typeface="+mn-cs"/>
-              </a:rPr>
-              <a:pPr marL="0" marR="0" lvl="0" indent="0" algn="r" defTabSz="914400" rtl="0" eaLnBrk="1" fontAlgn="auto" latinLnBrk="0" hangingPunct="1">
-                <a:lnSpc>
-                  <a:spcPct val="100000"/>
-                </a:lnSpc>
-                <a:spcBef>
-                  <a:spcPts val="0"/>
-                </a:spcBef>
-                <a:spcAft>
-                  <a:spcPts val="0"/>
-                </a:spcAft>
-                <a:buClrTx/>
-                <a:buSzTx/>
-                <a:buFontTx/>
-                <a:buNone/>
-                <a:tabLst/>
-                <a:defRPr/>
-              </a:pPr>
-              <a:t>3</a:t>
-            </a:fld>
-            <a:endParaRPr kumimoji="0" lang="en-US" sz="1200" b="0" i="0" u="none" strike="noStrike" kern="1200" cap="none" spc="0" normalizeH="0" baseline="0" noProof="0">
-              <a:ln>
-                <a:noFill/>
-              </a:ln>
-              <a:solidFill>
-                <a:srgbClr val="4F81BD">
-                  <a:lumMod val="50000"/>
-                </a:srgbClr>
-              </a:solidFill>
-              <a:effectLst/>
-              <a:uLnTx/>
-              <a:uFillTx/>
-              <a:latin typeface="Calibri"/>
-              <a:ea typeface="+mn-ea"/>
-              <a:cs typeface="+mn-cs"/>
-            </a:endParaRPr>
-          </a:p>
-        </p:txBody>
-      </p:sp>
+              </a14:hiddenFill>
+            </a:ext>
+          </a:extLst>
+        </p:spPr>
+      </p:pic>
     </p:spTree>
     <p:extLst>
       <p:ext uri="{BB962C8B-B14F-4D97-AF65-F5344CB8AC3E}">
-        <p14:creationId xmlns:p14="http://schemas.microsoft.com/office/powerpoint/2010/main" val="91193279"/>
+        <p14:creationId xmlns:p14="http://schemas.microsoft.com/office/powerpoint/2010/main" val="4135866118"/>
       </p:ext>
     </p:extLst>
   </p:cSld>
@@ -5613,1952 +6359,6 @@
                       </p:childTnLst>
                     </p:cTn>
                   </p:par>
-                  <p:par>
-                    <p:cTn id="11" fill="hold">
-                      <p:stCondLst>
-                        <p:cond delay="indefinite"/>
-                      </p:stCondLst>
-                      <p:childTnLst>
-                        <p:par>
-                          <p:cTn id="12" fill="hold">
-                            <p:stCondLst>
-                              <p:cond delay="0"/>
-                            </p:stCondLst>
-                            <p:childTnLst>
-                              <p:par>
-                                <p:cTn id="13" presetID="1" presetClass="entr" presetSubtype="0" fill="hold" grpId="0" nodeType="clickEffect">
-                                  <p:stCondLst>
-                                    <p:cond delay="0"/>
-                                  </p:stCondLst>
-                                  <p:childTnLst>
-                                    <p:set>
-                                      <p:cBhvr>
-                                        <p:cTn id="14" dur="1" fill="hold">
-                                          <p:stCondLst>
-                                            <p:cond delay="0"/>
-                                          </p:stCondLst>
-                                        </p:cTn>
-                                        <p:tgtEl>
-                                          <p:spTgt spid="3">
-                                            <p:txEl>
-                                              <p:pRg st="2" end="2"/>
-                                            </p:txEl>
-                                          </p:spTgt>
-                                        </p:tgtEl>
-                                        <p:attrNameLst>
-                                          <p:attrName>style.visibility</p:attrName>
-                                        </p:attrNameLst>
-                                      </p:cBhvr>
-                                      <p:to>
-                                        <p:strVal val="visible"/>
-                                      </p:to>
-                                    </p:set>
-                                  </p:childTnLst>
-                                </p:cTn>
-                              </p:par>
-                            </p:childTnLst>
-                          </p:cTn>
-                        </p:par>
-                      </p:childTnLst>
-                    </p:cTn>
-                  </p:par>
-                  <p:par>
-                    <p:cTn id="15" fill="hold">
-                      <p:stCondLst>
-                        <p:cond delay="indefinite"/>
-                      </p:stCondLst>
-                      <p:childTnLst>
-                        <p:par>
-                          <p:cTn id="16" fill="hold">
-                            <p:stCondLst>
-                              <p:cond delay="0"/>
-                            </p:stCondLst>
-                            <p:childTnLst>
-                              <p:par>
-                                <p:cTn id="17" presetID="1" presetClass="entr" presetSubtype="0" fill="hold" grpId="0" nodeType="clickEffect">
-                                  <p:stCondLst>
-                                    <p:cond delay="0"/>
-                                  </p:stCondLst>
-                                  <p:childTnLst>
-                                    <p:set>
-                                      <p:cBhvr>
-                                        <p:cTn id="18" dur="1" fill="hold">
-                                          <p:stCondLst>
-                                            <p:cond delay="0"/>
-                                          </p:stCondLst>
-                                        </p:cTn>
-                                        <p:tgtEl>
-                                          <p:spTgt spid="3">
-                                            <p:txEl>
-                                              <p:pRg st="3" end="3"/>
-                                            </p:txEl>
-                                          </p:spTgt>
-                                        </p:tgtEl>
-                                        <p:attrNameLst>
-                                          <p:attrName>style.visibility</p:attrName>
-                                        </p:attrNameLst>
-                                      </p:cBhvr>
-                                      <p:to>
-                                        <p:strVal val="visible"/>
-                                      </p:to>
-                                    </p:set>
-                                  </p:childTnLst>
-                                </p:cTn>
-                              </p:par>
-                            </p:childTnLst>
-                          </p:cTn>
-                        </p:par>
-                      </p:childTnLst>
-                    </p:cTn>
-                  </p:par>
-                </p:childTnLst>
-              </p:cTn>
-              <p:prevCondLst>
-                <p:cond evt="onPrev" delay="0">
-                  <p:tgtEl>
-                    <p:sldTgt/>
-                  </p:tgtEl>
-                </p:cond>
-              </p:prevCondLst>
-              <p:nextCondLst>
-                <p:cond evt="onNext" delay="0">
-                  <p:tgtEl>
-                    <p:sldTgt/>
-                  </p:tgtEl>
-                </p:cond>
-              </p:nextCondLst>
-            </p:seq>
-          </p:childTnLst>
-        </p:cTn>
-      </p:par>
-    </p:tnLst>
-    <p:bldLst>
-      <p:bldP spid="3" grpId="0" build="p"/>
-    </p:bldLst>
-  </p:timing>
-</p:sld>
-</file>
-
-<file path=ppt/slides/slide4.xml><?xml version="1.0" encoding="utf-8"?>
-<p:sld xmlns:a="http://schemas.openxmlformats.org/drawingml/2006/main" xmlns:r="http://schemas.openxmlformats.org/officeDocument/2006/relationships" xmlns:p="http://schemas.openxmlformats.org/presentationml/2006/main">
-  <p:cSld>
-    <p:spTree>
-      <p:nvGrpSpPr>
-        <p:cNvPr id="1" name=""/>
-        <p:cNvGrpSpPr/>
-        <p:nvPr/>
-      </p:nvGrpSpPr>
-      <p:grpSpPr>
-        <a:xfrm>
-          <a:off x="0" y="0"/>
-          <a:ext cx="0" cy="0"/>
-          <a:chOff x="0" y="0"/>
-          <a:chExt cx="0" cy="0"/>
-        </a:xfrm>
-      </p:grpSpPr>
-      <p:sp>
-        <p:nvSpPr>
-          <p:cNvPr id="2" name="Title 1">
-            <a:extLst>
-              <a:ext uri="{FF2B5EF4-FFF2-40B4-BE49-F238E27FC236}">
-                <a16:creationId xmlns:a16="http://schemas.microsoft.com/office/drawing/2014/main" id="{729FF1B4-342B-464B-A19C-5AF17511C42B}"/>
-              </a:ext>
-            </a:extLst>
-          </p:cNvPr>
-          <p:cNvSpPr>
-            <a:spLocks noGrp="1"/>
-          </p:cNvSpPr>
-          <p:nvPr>
-            <p:ph type="title"/>
-          </p:nvPr>
-        </p:nvSpPr>
-        <p:spPr/>
-        <p:txBody>
-          <a:bodyPr/>
-          <a:lstStyle/>
-          <a:p>
-            <a:r>
-              <a:rPr lang="en-US" dirty="0"/>
-              <a:t>Power in Translational Systems</a:t>
-            </a:r>
-          </a:p>
-        </p:txBody>
-      </p:sp>
-      <mc:AlternateContent xmlns:mc="http://schemas.openxmlformats.org/markup-compatibility/2006" xmlns:a14="http://schemas.microsoft.com/office/drawing/2010/main">
-        <mc:Choice Requires="a14">
-          <p:sp>
-            <p:nvSpPr>
-              <p:cNvPr id="3" name="Content Placeholder 2">
-                <a:extLst>
-                  <a:ext uri="{FF2B5EF4-FFF2-40B4-BE49-F238E27FC236}">
-                    <a16:creationId xmlns:a16="http://schemas.microsoft.com/office/drawing/2014/main" id="{4928666C-8925-4E91-9338-43C62A3BF668}"/>
-                  </a:ext>
-                </a:extLst>
-              </p:cNvPr>
-              <p:cNvSpPr>
-                <a:spLocks noGrp="1"/>
-              </p:cNvSpPr>
-              <p:nvPr>
-                <p:ph idx="1"/>
-              </p:nvPr>
-            </p:nvSpPr>
-            <p:spPr/>
-            <p:txBody>
-              <a:bodyPr/>
-              <a:lstStyle/>
-              <a:p>
-                <a:r>
-                  <a:rPr lang="en-US" dirty="0"/>
-                  <a:t>Expanding upon our original relationship will also lead to the following possibilities for equations</a:t>
-                </a:r>
-              </a:p>
-              <a:p>
-                <a:endParaRPr lang="en-US" dirty="0"/>
-              </a:p>
-              <a:p>
-                <a:pPr marL="0" indent="0">
-                  <a:buNone/>
-                </a:pPr>
-                <a14:m>
-                  <m:oMathPara xmlns:m="http://schemas.openxmlformats.org/officeDocument/2006/math">
-                    <m:oMathParaPr>
-                      <m:jc m:val="centerGroup"/>
-                    </m:oMathParaPr>
-                    <m:oMath xmlns:m="http://schemas.openxmlformats.org/officeDocument/2006/math">
-                      <m:sSub>
-                        <m:sSubPr>
-                          <m:ctrlPr>
-                            <a:rPr lang="en-US" i="1">
-                              <a:latin typeface="Cambria Math" panose="02040503050406030204" pitchFamily="18" charset="0"/>
-                            </a:rPr>
-                          </m:ctrlPr>
-                        </m:sSubPr>
-                        <m:e>
-                          <m:r>
-                            <a:rPr lang="en-US" i="1">
-                              <a:latin typeface="Cambria Math" panose="02040503050406030204" pitchFamily="18" charset="0"/>
-                            </a:rPr>
-                            <m:t>𝑃</m:t>
-                          </m:r>
-                        </m:e>
-                        <m:sub>
-                          <m:r>
-                            <a:rPr lang="en-US" i="1">
-                              <a:latin typeface="Cambria Math" panose="02040503050406030204" pitchFamily="18" charset="0"/>
-                            </a:rPr>
-                            <m:t>𝑎𝑣𝑒</m:t>
-                          </m:r>
-                        </m:sub>
-                      </m:sSub>
-                      <m:r>
-                        <a:rPr lang="en-US" i="1">
-                          <a:latin typeface="Cambria Math"/>
-                        </a:rPr>
-                        <m:t>= </m:t>
-                      </m:r>
-                      <m:f>
-                        <m:fPr>
-                          <m:ctrlPr>
-                            <a:rPr lang="en-US" i="1">
-                              <a:latin typeface="Cambria Math" panose="02040503050406030204" pitchFamily="18" charset="0"/>
-                            </a:rPr>
-                          </m:ctrlPr>
-                        </m:fPr>
-                        <m:num>
-                          <m:r>
-                            <a:rPr lang="en-US" i="1">
-                              <a:latin typeface="Cambria Math"/>
-                            </a:rPr>
-                            <m:t>𝑊</m:t>
-                          </m:r>
-                        </m:num>
-                        <m:den>
-                          <m:r>
-                            <a:rPr lang="en-US" i="1">
-                              <a:latin typeface="Cambria Math"/>
-                              <a:ea typeface="Cambria Math"/>
-                            </a:rPr>
-                            <m:t>𝑡</m:t>
-                          </m:r>
-                        </m:den>
-                      </m:f>
-                      <m:r>
-                        <a:rPr lang="en-US" b="0" i="1" smtClean="0">
-                          <a:latin typeface="Cambria Math" panose="02040503050406030204" pitchFamily="18" charset="0"/>
-                          <a:ea typeface="Cambria Math"/>
-                        </a:rPr>
-                        <m:t>=</m:t>
-                      </m:r>
-                      <m:f>
-                        <m:fPr>
-                          <m:ctrlPr>
-                            <a:rPr lang="en-US" i="1">
-                              <a:latin typeface="Cambria Math" panose="02040503050406030204" pitchFamily="18" charset="0"/>
-                            </a:rPr>
-                          </m:ctrlPr>
-                        </m:fPr>
-                        <m:num>
-                          <m:r>
-                            <a:rPr lang="en-US" b="0" i="1" smtClean="0">
-                              <a:latin typeface="Cambria Math" panose="02040503050406030204" pitchFamily="18" charset="0"/>
-                            </a:rPr>
-                            <m:t>𝐹</m:t>
-                          </m:r>
-                          <m:r>
-                            <a:rPr lang="en-US" b="0" i="1" smtClean="0">
-                              <a:latin typeface="Cambria Math" panose="02040503050406030204" pitchFamily="18" charset="0"/>
-                            </a:rPr>
-                            <m:t>∗</m:t>
-                          </m:r>
-                          <m:r>
-                            <a:rPr lang="en-US" b="0" i="1" smtClean="0">
-                              <a:latin typeface="Cambria Math" panose="02040503050406030204" pitchFamily="18" charset="0"/>
-                            </a:rPr>
-                            <m:t>𝑑</m:t>
-                          </m:r>
-                        </m:num>
-                        <m:den>
-                          <m:r>
-                            <a:rPr lang="en-US" i="1">
-                              <a:latin typeface="Cambria Math"/>
-                              <a:ea typeface="Cambria Math"/>
-                            </a:rPr>
-                            <m:t>𝑡</m:t>
-                          </m:r>
-                        </m:den>
-                      </m:f>
-                      <m:r>
-                        <a:rPr lang="en-US" b="0" i="1" smtClean="0">
-                          <a:latin typeface="Cambria Math" panose="02040503050406030204" pitchFamily="18" charset="0"/>
-                          <a:ea typeface="Cambria Math"/>
-                        </a:rPr>
-                        <m:t>=</m:t>
-                      </m:r>
-                      <m:r>
-                        <a:rPr lang="en-US" b="0" i="1" smtClean="0">
-                          <a:latin typeface="Cambria Math" panose="02040503050406030204" pitchFamily="18" charset="0"/>
-                          <a:ea typeface="Cambria Math"/>
-                        </a:rPr>
-                        <m:t>𝐹</m:t>
-                      </m:r>
-                      <m:r>
-                        <a:rPr lang="en-US" b="0" i="1" smtClean="0">
-                          <a:latin typeface="Cambria Math" panose="02040503050406030204" pitchFamily="18" charset="0"/>
-                          <a:ea typeface="Cambria Math"/>
-                        </a:rPr>
-                        <m:t>∗</m:t>
-                      </m:r>
-                      <m:r>
-                        <a:rPr lang="en-US" b="0" i="1" smtClean="0">
-                          <a:latin typeface="Cambria Math" panose="02040503050406030204" pitchFamily="18" charset="0"/>
-                          <a:ea typeface="Cambria Math"/>
-                        </a:rPr>
-                        <m:t>𝑣</m:t>
-                      </m:r>
-                    </m:oMath>
-                  </m:oMathPara>
-                </a14:m>
-                <a:endParaRPr lang="en-US" dirty="0"/>
-              </a:p>
-            </p:txBody>
-          </p:sp>
-        </mc:Choice>
-        <mc:Fallback xmlns="">
-          <p:sp>
-            <p:nvSpPr>
-              <p:cNvPr id="3" name="Content Placeholder 2">
-                <a:extLst>
-                  <a:ext uri="{FF2B5EF4-FFF2-40B4-BE49-F238E27FC236}">
-                    <a16:creationId xmlns:a16="http://schemas.microsoft.com/office/drawing/2014/main" id="{4928666C-8925-4E91-9338-43C62A3BF668}"/>
-                  </a:ext>
-                </a:extLst>
-              </p:cNvPr>
-              <p:cNvSpPr>
-                <a:spLocks noGrp="1" noRot="1" noChangeAspect="1" noMove="1" noResize="1" noEditPoints="1" noAdjustHandles="1" noChangeArrowheads="1" noChangeShapeType="1" noTextEdit="1"/>
-              </p:cNvSpPr>
-              <p:nvPr>
-                <p:ph idx="1"/>
-              </p:nvPr>
-            </p:nvSpPr>
-            <p:spPr>
-              <a:blipFill>
-                <a:blip r:embed="rId2"/>
-                <a:stretch>
-                  <a:fillRect l="-1704" t="-1752"/>
-                </a:stretch>
-              </a:blipFill>
-            </p:spPr>
-            <p:txBody>
-              <a:bodyPr/>
-              <a:lstStyle/>
-              <a:p>
-                <a:r>
-                  <a:rPr lang="en-US">
-                    <a:noFill/>
-                  </a:rPr>
-                  <a:t> </a:t>
-                </a:r>
-              </a:p>
-            </p:txBody>
-          </p:sp>
-        </mc:Fallback>
-      </mc:AlternateContent>
-    </p:spTree>
-    <p:extLst>
-      <p:ext uri="{BB962C8B-B14F-4D97-AF65-F5344CB8AC3E}">
-        <p14:creationId xmlns:p14="http://schemas.microsoft.com/office/powerpoint/2010/main" val="1980806417"/>
-      </p:ext>
-    </p:extLst>
-  </p:cSld>
-  <p:clrMapOvr>
-    <a:masterClrMapping/>
-  </p:clrMapOvr>
-</p:sld>
-</file>
-
-<file path=ppt/slides/slide5.xml><?xml version="1.0" encoding="utf-8"?>
-<p:sld xmlns:a="http://schemas.openxmlformats.org/drawingml/2006/main" xmlns:r="http://schemas.openxmlformats.org/officeDocument/2006/relationships" xmlns:p="http://schemas.openxmlformats.org/presentationml/2006/main">
-  <p:cSld>
-    <p:spTree>
-      <p:nvGrpSpPr>
-        <p:cNvPr id="1" name=""/>
-        <p:cNvGrpSpPr/>
-        <p:nvPr/>
-      </p:nvGrpSpPr>
-      <p:grpSpPr>
-        <a:xfrm>
-          <a:off x="0" y="0"/>
-          <a:ext cx="0" cy="0"/>
-          <a:chOff x="0" y="0"/>
-          <a:chExt cx="0" cy="0"/>
-        </a:xfrm>
-      </p:grpSpPr>
-      <p:sp>
-        <p:nvSpPr>
-          <p:cNvPr id="2" name="Title 1">
-            <a:extLst>
-              <a:ext uri="{FF2B5EF4-FFF2-40B4-BE49-F238E27FC236}">
-                <a16:creationId xmlns:a16="http://schemas.microsoft.com/office/drawing/2014/main" id="{E68037E5-2E9E-42F8-8C8A-DCA6717BFE2A}"/>
-              </a:ext>
-            </a:extLst>
-          </p:cNvPr>
-          <p:cNvSpPr>
-            <a:spLocks noGrp="1"/>
-          </p:cNvSpPr>
-          <p:nvPr>
-            <p:ph type="title"/>
-          </p:nvPr>
-        </p:nvSpPr>
-        <p:spPr/>
-        <p:txBody>
-          <a:bodyPr/>
-          <a:lstStyle/>
-          <a:p>
-            <a:r>
-              <a:rPr lang="en-US" dirty="0"/>
-              <a:t>Power in Rotational Systems</a:t>
-            </a:r>
-          </a:p>
-        </p:txBody>
-      </p:sp>
-      <mc:AlternateContent xmlns:mc="http://schemas.openxmlformats.org/markup-compatibility/2006" xmlns:a14="http://schemas.microsoft.com/office/drawing/2010/main">
-        <mc:Choice Requires="a14">
-          <p:sp>
-            <p:nvSpPr>
-              <p:cNvPr id="3" name="Content Placeholder 2">
-                <a:extLst>
-                  <a:ext uri="{FF2B5EF4-FFF2-40B4-BE49-F238E27FC236}">
-                    <a16:creationId xmlns:a16="http://schemas.microsoft.com/office/drawing/2014/main" id="{3063C4C6-82CF-4CA3-8EB8-F5178B37CEB6}"/>
-                  </a:ext>
-                </a:extLst>
-              </p:cNvPr>
-              <p:cNvSpPr>
-                <a:spLocks noGrp="1"/>
-              </p:cNvSpPr>
-              <p:nvPr>
-                <p:ph idx="1"/>
-              </p:nvPr>
-            </p:nvSpPr>
-            <p:spPr/>
-            <p:txBody>
-              <a:bodyPr/>
-              <a:lstStyle/>
-              <a:p>
-                <a:r>
-                  <a:rPr lang="en-US" dirty="0"/>
-                  <a:t>In rotational system we will use moments, angular displacements (in radians), and angular velocities in place of forces, displacements, and velocities. </a:t>
-                </a:r>
-              </a:p>
-              <a:p>
-                <a:pPr marL="0" indent="0">
-                  <a:buNone/>
-                </a:pPr>
-                <a:endParaRPr lang="en-US" dirty="0"/>
-              </a:p>
-              <a:p>
-                <a:pPr marL="0" indent="0">
-                  <a:buNone/>
-                </a:pPr>
-                <a14:m>
-                  <m:oMathPara xmlns:m="http://schemas.openxmlformats.org/officeDocument/2006/math">
-                    <m:oMathParaPr>
-                      <m:jc m:val="centerGroup"/>
-                    </m:oMathParaPr>
-                    <m:oMath xmlns:m="http://schemas.openxmlformats.org/officeDocument/2006/math">
-                      <m:sSub>
-                        <m:sSubPr>
-                          <m:ctrlPr>
-                            <a:rPr lang="en-US" i="1">
-                              <a:latin typeface="Cambria Math" panose="02040503050406030204" pitchFamily="18" charset="0"/>
-                            </a:rPr>
-                          </m:ctrlPr>
-                        </m:sSubPr>
-                        <m:e>
-                          <m:r>
-                            <a:rPr lang="en-US" i="1">
-                              <a:latin typeface="Cambria Math" panose="02040503050406030204" pitchFamily="18" charset="0"/>
-                            </a:rPr>
-                            <m:t>𝑃</m:t>
-                          </m:r>
-                        </m:e>
-                        <m:sub>
-                          <m:r>
-                            <a:rPr lang="en-US" i="1">
-                              <a:latin typeface="Cambria Math" panose="02040503050406030204" pitchFamily="18" charset="0"/>
-                            </a:rPr>
-                            <m:t>𝑎𝑣𝑒</m:t>
-                          </m:r>
-                        </m:sub>
-                      </m:sSub>
-                      <m:r>
-                        <a:rPr lang="en-US" i="1">
-                          <a:latin typeface="Cambria Math"/>
-                        </a:rPr>
-                        <m:t>= </m:t>
-                      </m:r>
-                      <m:f>
-                        <m:fPr>
-                          <m:ctrlPr>
-                            <a:rPr lang="en-US" i="1">
-                              <a:latin typeface="Cambria Math" panose="02040503050406030204" pitchFamily="18" charset="0"/>
-                            </a:rPr>
-                          </m:ctrlPr>
-                        </m:fPr>
-                        <m:num>
-                          <m:r>
-                            <a:rPr lang="en-US" i="1">
-                              <a:latin typeface="Cambria Math"/>
-                            </a:rPr>
-                            <m:t>𝑊</m:t>
-                          </m:r>
-                        </m:num>
-                        <m:den>
-                          <m:r>
-                            <a:rPr lang="en-US" i="1">
-                              <a:latin typeface="Cambria Math"/>
-                              <a:ea typeface="Cambria Math"/>
-                            </a:rPr>
-                            <m:t>𝑡</m:t>
-                          </m:r>
-                        </m:den>
-                      </m:f>
-                      <m:r>
-                        <a:rPr lang="en-US" i="1">
-                          <a:latin typeface="Cambria Math" panose="02040503050406030204" pitchFamily="18" charset="0"/>
-                          <a:ea typeface="Cambria Math"/>
-                        </a:rPr>
-                        <m:t>=</m:t>
-                      </m:r>
-                      <m:f>
-                        <m:fPr>
-                          <m:ctrlPr>
-                            <a:rPr lang="en-US" i="1">
-                              <a:latin typeface="Cambria Math" panose="02040503050406030204" pitchFamily="18" charset="0"/>
-                            </a:rPr>
-                          </m:ctrlPr>
-                        </m:fPr>
-                        <m:num>
-                          <m:r>
-                            <a:rPr lang="en-US" b="0" i="1" smtClean="0">
-                              <a:latin typeface="Cambria Math" panose="02040503050406030204" pitchFamily="18" charset="0"/>
-                            </a:rPr>
-                            <m:t>𝑀</m:t>
-                          </m:r>
-                          <m:r>
-                            <a:rPr lang="en-US" i="1">
-                              <a:latin typeface="Cambria Math" panose="02040503050406030204" pitchFamily="18" charset="0"/>
-                            </a:rPr>
-                            <m:t>∗</m:t>
-                          </m:r>
-                          <m:r>
-                            <a:rPr lang="en-US" i="1" smtClean="0">
-                              <a:latin typeface="Cambria Math" panose="02040503050406030204" pitchFamily="18" charset="0"/>
-                              <a:ea typeface="Cambria Math" panose="02040503050406030204" pitchFamily="18" charset="0"/>
-                            </a:rPr>
-                            <m:t>∆</m:t>
-                          </m:r>
-                          <m:r>
-                            <a:rPr lang="en-US" i="1" smtClean="0">
-                              <a:latin typeface="Cambria Math" panose="02040503050406030204" pitchFamily="18" charset="0"/>
-                              <a:ea typeface="Cambria Math" panose="02040503050406030204" pitchFamily="18" charset="0"/>
-                            </a:rPr>
-                            <m:t>𝜃</m:t>
-                          </m:r>
-                        </m:num>
-                        <m:den>
-                          <m:r>
-                            <a:rPr lang="en-US" i="1">
-                              <a:latin typeface="Cambria Math"/>
-                              <a:ea typeface="Cambria Math"/>
-                            </a:rPr>
-                            <m:t>𝑡</m:t>
-                          </m:r>
-                        </m:den>
-                      </m:f>
-                      <m:r>
-                        <a:rPr lang="en-US" i="1">
-                          <a:latin typeface="Cambria Math" panose="02040503050406030204" pitchFamily="18" charset="0"/>
-                          <a:ea typeface="Cambria Math"/>
-                        </a:rPr>
-                        <m:t>=</m:t>
-                      </m:r>
-                      <m:r>
-                        <a:rPr lang="en-US" b="0" i="1" smtClean="0">
-                          <a:latin typeface="Cambria Math" panose="02040503050406030204" pitchFamily="18" charset="0"/>
-                          <a:ea typeface="Cambria Math"/>
-                        </a:rPr>
-                        <m:t>𝑀</m:t>
-                      </m:r>
-                      <m:r>
-                        <a:rPr lang="en-US" i="1">
-                          <a:latin typeface="Cambria Math" panose="02040503050406030204" pitchFamily="18" charset="0"/>
-                          <a:ea typeface="Cambria Math"/>
-                        </a:rPr>
-                        <m:t>∗</m:t>
-                      </m:r>
-                      <m:r>
-                        <a:rPr lang="en-US" i="1" smtClean="0">
-                          <a:latin typeface="Cambria Math" panose="02040503050406030204" pitchFamily="18" charset="0"/>
-                          <a:ea typeface="Cambria Math" panose="02040503050406030204" pitchFamily="18" charset="0"/>
-                        </a:rPr>
-                        <m:t>𝜔</m:t>
-                      </m:r>
-                    </m:oMath>
-                  </m:oMathPara>
-                </a14:m>
-                <a:endParaRPr lang="en-US" dirty="0"/>
-              </a:p>
-            </p:txBody>
-          </p:sp>
-        </mc:Choice>
-        <mc:Fallback xmlns="">
-          <p:sp>
-            <p:nvSpPr>
-              <p:cNvPr id="3" name="Content Placeholder 2">
-                <a:extLst>
-                  <a:ext uri="{FF2B5EF4-FFF2-40B4-BE49-F238E27FC236}">
-                    <a16:creationId xmlns:a16="http://schemas.microsoft.com/office/drawing/2014/main" id="{3063C4C6-82CF-4CA3-8EB8-F5178B37CEB6}"/>
-                  </a:ext>
-                </a:extLst>
-              </p:cNvPr>
-              <p:cNvSpPr>
-                <a:spLocks noGrp="1" noRot="1" noChangeAspect="1" noMove="1" noResize="1" noEditPoints="1" noAdjustHandles="1" noChangeArrowheads="1" noChangeShapeType="1" noTextEdit="1"/>
-              </p:cNvSpPr>
-              <p:nvPr>
-                <p:ph idx="1"/>
-              </p:nvPr>
-            </p:nvSpPr>
-            <p:spPr>
-              <a:blipFill>
-                <a:blip r:embed="rId2"/>
-                <a:stretch>
-                  <a:fillRect l="-1704" t="-1752"/>
-                </a:stretch>
-              </a:blipFill>
-            </p:spPr>
-            <p:txBody>
-              <a:bodyPr/>
-              <a:lstStyle/>
-              <a:p>
-                <a:r>
-                  <a:rPr lang="en-US">
-                    <a:noFill/>
-                  </a:rPr>
-                  <a:t> </a:t>
-                </a:r>
-              </a:p>
-            </p:txBody>
-          </p:sp>
-        </mc:Fallback>
-      </mc:AlternateContent>
-    </p:spTree>
-    <p:extLst>
-      <p:ext uri="{BB962C8B-B14F-4D97-AF65-F5344CB8AC3E}">
-        <p14:creationId xmlns:p14="http://schemas.microsoft.com/office/powerpoint/2010/main" val="3687196904"/>
-      </p:ext>
-    </p:extLst>
-  </p:cSld>
-  <p:clrMapOvr>
-    <a:masterClrMapping/>
-  </p:clrMapOvr>
-</p:sld>
-</file>
-
-<file path=ppt/slides/slide6.xml><?xml version="1.0" encoding="utf-8"?>
-<p:sld xmlns:a="http://schemas.openxmlformats.org/drawingml/2006/main" xmlns:r="http://schemas.openxmlformats.org/officeDocument/2006/relationships" xmlns:p="http://schemas.openxmlformats.org/presentationml/2006/main">
-  <p:cSld>
-    <p:spTree>
-      <p:nvGrpSpPr>
-        <p:cNvPr id="1" name=""/>
-        <p:cNvGrpSpPr/>
-        <p:nvPr/>
-      </p:nvGrpSpPr>
-      <p:grpSpPr>
-        <a:xfrm>
-          <a:off x="0" y="0"/>
-          <a:ext cx="0" cy="0"/>
-          <a:chOff x="0" y="0"/>
-          <a:chExt cx="0" cy="0"/>
-        </a:xfrm>
-      </p:grpSpPr>
-      <p:sp>
-        <p:nvSpPr>
-          <p:cNvPr id="2" name="Title 1"/>
-          <p:cNvSpPr>
-            <a:spLocks noGrp="1"/>
-          </p:cNvSpPr>
-          <p:nvPr>
-            <p:ph type="title"/>
-          </p:nvPr>
-        </p:nvSpPr>
-        <p:spPr/>
-        <p:txBody>
-          <a:bodyPr/>
-          <a:lstStyle/>
-          <a:p>
-            <a:r>
-              <a:rPr lang="en-US" dirty="0"/>
-              <a:t>Power Units</a:t>
-            </a:r>
-          </a:p>
-        </p:txBody>
-      </p:sp>
-      <mc:AlternateContent xmlns:mc="http://schemas.openxmlformats.org/markup-compatibility/2006" xmlns:a14="http://schemas.microsoft.com/office/drawing/2010/main">
-        <mc:Choice Requires="a14">
-          <p:sp>
-            <p:nvSpPr>
-              <p:cNvPr id="3" name="Content Placeholder 2"/>
-              <p:cNvSpPr>
-                <a:spLocks noGrp="1"/>
-              </p:cNvSpPr>
-              <p:nvPr>
-                <p:ph idx="1"/>
-              </p:nvPr>
-            </p:nvSpPr>
-            <p:spPr/>
-            <p:txBody>
-              <a:bodyPr/>
-              <a:lstStyle/>
-              <a:p>
-                <a:r>
-                  <a:rPr lang="en-US" dirty="0"/>
-                  <a:t>The units of power generally are a unit force times a unit distance per unit time.</a:t>
-                </a:r>
-              </a:p>
-              <a:p>
-                <a:r>
-                  <a:rPr lang="en-US" dirty="0"/>
-                  <a:t>In the metric system...</a:t>
-                </a:r>
-              </a:p>
-              <a:p>
-                <a:pPr marL="457200" lvl="1" indent="0">
-                  <a:buNone/>
-                </a:pPr>
-                <a14:m>
-                  <m:oMathPara xmlns:m="http://schemas.openxmlformats.org/officeDocument/2006/math">
-                    <m:oMathParaPr>
-                      <m:jc m:val="centerGroup"/>
-                    </m:oMathParaPr>
-                    <m:oMath xmlns:m="http://schemas.openxmlformats.org/officeDocument/2006/math">
-                      <m:r>
-                        <a:rPr lang="en-US" b="0" i="1" smtClean="0">
-                          <a:latin typeface="Cambria Math"/>
-                        </a:rPr>
-                        <m:t>𝑊𝑎𝑡𝑡</m:t>
-                      </m:r>
-                      <m:r>
-                        <a:rPr lang="en-US" b="0" i="1" smtClean="0">
-                          <a:latin typeface="Cambria Math"/>
-                        </a:rPr>
-                        <m:t>=</m:t>
-                      </m:r>
-                      <m:r>
-                        <a:rPr lang="en-US" b="0" i="1" smtClean="0">
-                          <a:latin typeface="Cambria Math"/>
-                        </a:rPr>
-                        <m:t>𝑊</m:t>
-                      </m:r>
-                      <m:r>
-                        <a:rPr lang="en-US" b="0" i="1" smtClean="0">
-                          <a:latin typeface="Cambria Math"/>
-                        </a:rPr>
-                        <m:t>=1</m:t>
-                      </m:r>
-                      <m:f>
-                        <m:fPr>
-                          <m:ctrlPr>
-                            <a:rPr lang="en-US" b="0" i="1" smtClean="0">
-                              <a:latin typeface="Cambria Math" panose="02040503050406030204" pitchFamily="18" charset="0"/>
-                            </a:rPr>
-                          </m:ctrlPr>
-                        </m:fPr>
-                        <m:num>
-                          <m:r>
-                            <a:rPr lang="en-US" b="0" i="1" smtClean="0">
-                              <a:latin typeface="Cambria Math"/>
-                            </a:rPr>
-                            <m:t>𝐽</m:t>
-                          </m:r>
-                        </m:num>
-                        <m:den>
-                          <m:r>
-                            <a:rPr lang="en-US" b="0" i="1" smtClean="0">
-                              <a:latin typeface="Cambria Math"/>
-                            </a:rPr>
-                            <m:t>𝑠</m:t>
-                          </m:r>
-                        </m:den>
-                      </m:f>
-                      <m:r>
-                        <a:rPr lang="en-US" b="0" i="1" smtClean="0">
-                          <a:latin typeface="Cambria Math"/>
-                        </a:rPr>
-                        <m:t>=1</m:t>
-                      </m:r>
-                      <m:f>
-                        <m:fPr>
-                          <m:ctrlPr>
-                            <a:rPr lang="en-US" b="0" i="1" smtClean="0">
-                              <a:latin typeface="Cambria Math" panose="02040503050406030204" pitchFamily="18" charset="0"/>
-                            </a:rPr>
-                          </m:ctrlPr>
-                        </m:fPr>
-                        <m:num>
-                          <m:r>
-                            <a:rPr lang="en-US" b="0" i="1" smtClean="0">
-                              <a:latin typeface="Cambria Math"/>
-                            </a:rPr>
-                            <m:t>𝑁𝑚</m:t>
-                          </m:r>
-                        </m:num>
-                        <m:den>
-                          <m:r>
-                            <a:rPr lang="en-US" b="0" i="1" smtClean="0">
-                              <a:latin typeface="Cambria Math"/>
-                            </a:rPr>
-                            <m:t>𝑠</m:t>
-                          </m:r>
-                        </m:den>
-                      </m:f>
-                    </m:oMath>
-                  </m:oMathPara>
-                </a14:m>
-                <a:endParaRPr lang="en-US" dirty="0"/>
-              </a:p>
-              <a:p>
-                <a:r>
-                  <a:rPr lang="en-US" dirty="0"/>
-                  <a:t>In the English system...</a:t>
-                </a:r>
-              </a:p>
-              <a:p>
-                <a:pPr marL="457200" lvl="1" indent="0">
-                  <a:buNone/>
-                </a:pPr>
-                <a14:m>
-                  <m:oMathPara xmlns:m="http://schemas.openxmlformats.org/officeDocument/2006/math">
-                    <m:oMathParaPr>
-                      <m:jc m:val="centerGroup"/>
-                    </m:oMathParaPr>
-                    <m:oMath xmlns:m="http://schemas.openxmlformats.org/officeDocument/2006/math">
-                      <m:r>
-                        <a:rPr lang="en-US" b="0" i="1" smtClean="0">
-                          <a:latin typeface="Cambria Math"/>
-                        </a:rPr>
-                        <m:t>𝐻𝑜𝑟𝑠𝑒𝑝𝑜𝑤𝑒𝑟</m:t>
-                      </m:r>
-                      <m:r>
-                        <a:rPr lang="en-US" i="1">
-                          <a:latin typeface="Cambria Math"/>
-                        </a:rPr>
-                        <m:t>=</m:t>
-                      </m:r>
-                      <m:r>
-                        <a:rPr lang="en-US" b="0" i="1" smtClean="0">
-                          <a:latin typeface="Cambria Math"/>
-                        </a:rPr>
-                        <m:t>h𝑝</m:t>
-                      </m:r>
-                      <m:r>
-                        <a:rPr lang="en-US" i="1">
-                          <a:latin typeface="Cambria Math"/>
-                        </a:rPr>
-                        <m:t>=</m:t>
-                      </m:r>
-                      <m:r>
-                        <a:rPr lang="en-US" b="0" i="1" smtClean="0">
-                          <a:latin typeface="Cambria Math"/>
-                        </a:rPr>
-                        <m:t>550</m:t>
-                      </m:r>
-                      <m:f>
-                        <m:fPr>
-                          <m:ctrlPr>
-                            <a:rPr lang="en-US" i="1">
-                              <a:latin typeface="Cambria Math" panose="02040503050406030204" pitchFamily="18" charset="0"/>
-                            </a:rPr>
-                          </m:ctrlPr>
-                        </m:fPr>
-                        <m:num>
-                          <m:r>
-                            <a:rPr lang="en-US" b="0" i="1" smtClean="0">
-                              <a:latin typeface="Cambria Math"/>
-                            </a:rPr>
-                            <m:t>𝑓𝑡</m:t>
-                          </m:r>
-                          <m:r>
-                            <a:rPr lang="en-US" b="0" i="1" smtClean="0">
-                              <a:latin typeface="Cambria Math"/>
-                            </a:rPr>
-                            <m:t> </m:t>
-                          </m:r>
-                          <m:r>
-                            <a:rPr lang="en-US" b="0" i="1" smtClean="0">
-                              <a:latin typeface="Cambria Math"/>
-                            </a:rPr>
-                            <m:t>𝑙𝑏</m:t>
-                          </m:r>
-                        </m:num>
-                        <m:den>
-                          <m:r>
-                            <a:rPr lang="en-US" i="1">
-                              <a:latin typeface="Cambria Math"/>
-                            </a:rPr>
-                            <m:t>𝑠</m:t>
-                          </m:r>
-                        </m:den>
-                      </m:f>
-                    </m:oMath>
-                  </m:oMathPara>
-                </a14:m>
-                <a:endParaRPr lang="en-US" dirty="0"/>
-              </a:p>
-              <a:p>
-                <a:pPr marL="457200" lvl="1" indent="0">
-                  <a:buNone/>
-                </a:pPr>
-                <a:endParaRPr lang="en-US" dirty="0"/>
-              </a:p>
-              <a:p>
-                <a:pPr marL="457200" lvl="1" indent="0">
-                  <a:buNone/>
-                </a:pPr>
-                <a:endParaRPr lang="en-US" dirty="0"/>
-              </a:p>
-            </p:txBody>
-          </p:sp>
-        </mc:Choice>
-        <mc:Fallback xmlns="">
-          <p:sp>
-            <p:nvSpPr>
-              <p:cNvPr id="3" name="Content Placeholder 2"/>
-              <p:cNvSpPr>
-                <a:spLocks noGrp="1" noRot="1" noChangeAspect="1" noMove="1" noResize="1" noEditPoints="1" noAdjustHandles="1" noChangeArrowheads="1" noChangeShapeType="1" noTextEdit="1"/>
-              </p:cNvSpPr>
-              <p:nvPr>
-                <p:ph idx="1"/>
-              </p:nvPr>
-            </p:nvSpPr>
-            <p:spPr>
-              <a:blipFill rotWithShape="1">
-                <a:blip r:embed="rId2"/>
-                <a:stretch>
-                  <a:fillRect l="-1630" t="-1752"/>
-                </a:stretch>
-              </a:blipFill>
-            </p:spPr>
-            <p:txBody>
-              <a:bodyPr/>
-              <a:lstStyle/>
-              <a:p>
-                <a:r>
-                  <a:rPr lang="en-US">
-                    <a:noFill/>
-                  </a:rPr>
-                  <a:t> </a:t>
-                </a:r>
-              </a:p>
-            </p:txBody>
-          </p:sp>
-        </mc:Fallback>
-      </mc:AlternateContent>
-      <p:sp>
-        <p:nvSpPr>
-          <p:cNvPr id="4" name="Slide Number Placeholder 3"/>
-          <p:cNvSpPr>
-            <a:spLocks noGrp="1"/>
-          </p:cNvSpPr>
-          <p:nvPr>
-            <p:ph type="sldNum" sz="quarter" idx="12"/>
-          </p:nvPr>
-        </p:nvSpPr>
-        <p:spPr/>
-        <p:txBody>
-          <a:bodyPr/>
-          <a:lstStyle/>
-          <a:p>
-            <a:pPr marL="0" marR="0" lvl="0" indent="0" algn="r" defTabSz="914400" rtl="0" eaLnBrk="1" fontAlgn="auto" latinLnBrk="0" hangingPunct="1">
-              <a:lnSpc>
-                <a:spcPct val="100000"/>
-              </a:lnSpc>
-              <a:spcBef>
-                <a:spcPts val="0"/>
-              </a:spcBef>
-              <a:spcAft>
-                <a:spcPts val="0"/>
-              </a:spcAft>
-              <a:buClrTx/>
-              <a:buSzTx/>
-              <a:buFontTx/>
-              <a:buNone/>
-              <a:tabLst/>
-              <a:defRPr/>
-            </a:pPr>
-            <a:fld id="{929262FE-7F58-4A1E-8AF3-5A510A86DEBD}" type="slidenum">
-              <a:rPr kumimoji="0" lang="en-US" sz="1200" b="0" i="0" u="none" strike="noStrike" kern="1200" cap="none" spc="0" normalizeH="0" baseline="0" noProof="0" smtClean="0">
-                <a:ln>
-                  <a:noFill/>
-                </a:ln>
-                <a:solidFill>
-                  <a:srgbClr val="4F81BD">
-                    <a:lumMod val="50000"/>
-                  </a:srgbClr>
-                </a:solidFill>
-                <a:effectLst/>
-                <a:uLnTx/>
-                <a:uFillTx/>
-                <a:latin typeface="Calibri"/>
-                <a:ea typeface="+mn-ea"/>
-                <a:cs typeface="+mn-cs"/>
-              </a:rPr>
-              <a:pPr marL="0" marR="0" lvl="0" indent="0" algn="r" defTabSz="914400" rtl="0" eaLnBrk="1" fontAlgn="auto" latinLnBrk="0" hangingPunct="1">
-                <a:lnSpc>
-                  <a:spcPct val="100000"/>
-                </a:lnSpc>
-                <a:spcBef>
-                  <a:spcPts val="0"/>
-                </a:spcBef>
-                <a:spcAft>
-                  <a:spcPts val="0"/>
-                </a:spcAft>
-                <a:buClrTx/>
-                <a:buSzTx/>
-                <a:buFontTx/>
-                <a:buNone/>
-                <a:tabLst/>
-                <a:defRPr/>
-              </a:pPr>
-              <a:t>6</a:t>
-            </a:fld>
-            <a:endParaRPr kumimoji="0" lang="en-US" sz="1200" b="0" i="0" u="none" strike="noStrike" kern="1200" cap="none" spc="0" normalizeH="0" baseline="0" noProof="0">
-              <a:ln>
-                <a:noFill/>
-              </a:ln>
-              <a:solidFill>
-                <a:srgbClr val="4F81BD">
-                  <a:lumMod val="50000"/>
-                </a:srgbClr>
-              </a:solidFill>
-              <a:effectLst/>
-              <a:uLnTx/>
-              <a:uFillTx/>
-              <a:latin typeface="Calibri"/>
-              <a:ea typeface="+mn-ea"/>
-              <a:cs typeface="+mn-cs"/>
-            </a:endParaRPr>
-          </a:p>
-        </p:txBody>
-      </p:sp>
-    </p:spTree>
-    <p:extLst>
-      <p:ext uri="{BB962C8B-B14F-4D97-AF65-F5344CB8AC3E}">
-        <p14:creationId xmlns:p14="http://schemas.microsoft.com/office/powerpoint/2010/main" val="1837511580"/>
-      </p:ext>
-    </p:extLst>
-  </p:cSld>
-  <p:clrMapOvr>
-    <a:masterClrMapping/>
-  </p:clrMapOvr>
-  <p:timing>
-    <p:tnLst>
-      <p:par>
-        <p:cTn id="1" dur="indefinite" restart="never" nodeType="tmRoot">
-          <p:childTnLst>
-            <p:seq concurrent="1" nextAc="seek">
-              <p:cTn id="2" dur="indefinite" nodeType="mainSeq">
-                <p:childTnLst>
-                  <p:par>
-                    <p:cTn id="3" fill="hold">
-                      <p:stCondLst>
-                        <p:cond delay="indefinite"/>
-                      </p:stCondLst>
-                      <p:childTnLst>
-                        <p:par>
-                          <p:cTn id="4" fill="hold">
-                            <p:stCondLst>
-                              <p:cond delay="0"/>
-                            </p:stCondLst>
-                            <p:childTnLst>
-                              <p:par>
-                                <p:cTn id="5" presetID="1" presetClass="entr" presetSubtype="0" fill="hold" grpId="0" nodeType="clickEffect">
-                                  <p:stCondLst>
-                                    <p:cond delay="0"/>
-                                  </p:stCondLst>
-                                  <p:childTnLst>
-                                    <p:set>
-                                      <p:cBhvr>
-                                        <p:cTn id="6" dur="1" fill="hold">
-                                          <p:stCondLst>
-                                            <p:cond delay="0"/>
-                                          </p:stCondLst>
-                                        </p:cTn>
-                                        <p:tgtEl>
-                                          <p:spTgt spid="3">
-                                            <p:txEl>
-                                              <p:pRg st="0" end="0"/>
-                                            </p:txEl>
-                                          </p:spTgt>
-                                        </p:tgtEl>
-                                        <p:attrNameLst>
-                                          <p:attrName>style.visibility</p:attrName>
-                                        </p:attrNameLst>
-                                      </p:cBhvr>
-                                      <p:to>
-                                        <p:strVal val="visible"/>
-                                      </p:to>
-                                    </p:set>
-                                  </p:childTnLst>
-                                </p:cTn>
-                              </p:par>
-                            </p:childTnLst>
-                          </p:cTn>
-                        </p:par>
-                      </p:childTnLst>
-                    </p:cTn>
-                  </p:par>
-                  <p:par>
-                    <p:cTn id="7" fill="hold">
-                      <p:stCondLst>
-                        <p:cond delay="indefinite"/>
-                      </p:stCondLst>
-                      <p:childTnLst>
-                        <p:par>
-                          <p:cTn id="8" fill="hold">
-                            <p:stCondLst>
-                              <p:cond delay="0"/>
-                            </p:stCondLst>
-                            <p:childTnLst>
-                              <p:par>
-                                <p:cTn id="9" presetID="1" presetClass="entr" presetSubtype="0" fill="hold" grpId="0" nodeType="clickEffect">
-                                  <p:stCondLst>
-                                    <p:cond delay="0"/>
-                                  </p:stCondLst>
-                                  <p:childTnLst>
-                                    <p:set>
-                                      <p:cBhvr>
-                                        <p:cTn id="10" dur="1" fill="hold">
-                                          <p:stCondLst>
-                                            <p:cond delay="0"/>
-                                          </p:stCondLst>
-                                        </p:cTn>
-                                        <p:tgtEl>
-                                          <p:spTgt spid="3">
-                                            <p:txEl>
-                                              <p:pRg st="1" end="1"/>
-                                            </p:txEl>
-                                          </p:spTgt>
-                                        </p:tgtEl>
-                                        <p:attrNameLst>
-                                          <p:attrName>style.visibility</p:attrName>
-                                        </p:attrNameLst>
-                                      </p:cBhvr>
-                                      <p:to>
-                                        <p:strVal val="visible"/>
-                                      </p:to>
-                                    </p:set>
-                                  </p:childTnLst>
-                                </p:cTn>
-                              </p:par>
-                              <p:par>
-                                <p:cTn id="11" presetID="1" presetClass="entr" presetSubtype="0" fill="hold" grpId="0" nodeType="withEffect">
-                                  <p:stCondLst>
-                                    <p:cond delay="0"/>
-                                  </p:stCondLst>
-                                  <p:childTnLst>
-                                    <p:set>
-                                      <p:cBhvr>
-                                        <p:cTn id="12" dur="1" fill="hold">
-                                          <p:stCondLst>
-                                            <p:cond delay="0"/>
-                                          </p:stCondLst>
-                                        </p:cTn>
-                                        <p:tgtEl>
-                                          <p:spTgt spid="3">
-                                            <p:txEl>
-                                              <p:pRg st="2" end="2"/>
-                                            </p:txEl>
-                                          </p:spTgt>
-                                        </p:tgtEl>
-                                        <p:attrNameLst>
-                                          <p:attrName>style.visibility</p:attrName>
-                                        </p:attrNameLst>
-                                      </p:cBhvr>
-                                      <p:to>
-                                        <p:strVal val="visible"/>
-                                      </p:to>
-                                    </p:set>
-                                  </p:childTnLst>
-                                </p:cTn>
-                              </p:par>
-                            </p:childTnLst>
-                          </p:cTn>
-                        </p:par>
-                      </p:childTnLst>
-                    </p:cTn>
-                  </p:par>
-                  <p:par>
-                    <p:cTn id="13" fill="hold">
-                      <p:stCondLst>
-                        <p:cond delay="indefinite"/>
-                      </p:stCondLst>
-                      <p:childTnLst>
-                        <p:par>
-                          <p:cTn id="14" fill="hold">
-                            <p:stCondLst>
-                              <p:cond delay="0"/>
-                            </p:stCondLst>
-                            <p:childTnLst>
-                              <p:par>
-                                <p:cTn id="15" presetID="1" presetClass="entr" presetSubtype="0" fill="hold" grpId="0" nodeType="clickEffect">
-                                  <p:stCondLst>
-                                    <p:cond delay="0"/>
-                                  </p:stCondLst>
-                                  <p:childTnLst>
-                                    <p:set>
-                                      <p:cBhvr>
-                                        <p:cTn id="16" dur="1" fill="hold">
-                                          <p:stCondLst>
-                                            <p:cond delay="0"/>
-                                          </p:stCondLst>
-                                        </p:cTn>
-                                        <p:tgtEl>
-                                          <p:spTgt spid="3">
-                                            <p:txEl>
-                                              <p:pRg st="3" end="3"/>
-                                            </p:txEl>
-                                          </p:spTgt>
-                                        </p:tgtEl>
-                                        <p:attrNameLst>
-                                          <p:attrName>style.visibility</p:attrName>
-                                        </p:attrNameLst>
-                                      </p:cBhvr>
-                                      <p:to>
-                                        <p:strVal val="visible"/>
-                                      </p:to>
-                                    </p:set>
-                                  </p:childTnLst>
-                                </p:cTn>
-                              </p:par>
-                              <p:par>
-                                <p:cTn id="17" presetID="1" presetClass="entr" presetSubtype="0" fill="hold" grpId="0" nodeType="withEffect">
-                                  <p:stCondLst>
-                                    <p:cond delay="0"/>
-                                  </p:stCondLst>
-                                  <p:childTnLst>
-                                    <p:set>
-                                      <p:cBhvr>
-                                        <p:cTn id="18" dur="1" fill="hold">
-                                          <p:stCondLst>
-                                            <p:cond delay="0"/>
-                                          </p:stCondLst>
-                                        </p:cTn>
-                                        <p:tgtEl>
-                                          <p:spTgt spid="3">
-                                            <p:txEl>
-                                              <p:pRg st="4" end="4"/>
-                                            </p:txEl>
-                                          </p:spTgt>
-                                        </p:tgtEl>
-                                        <p:attrNameLst>
-                                          <p:attrName>style.visibility</p:attrName>
-                                        </p:attrNameLst>
-                                      </p:cBhvr>
-                                      <p:to>
-                                        <p:strVal val="visible"/>
-                                      </p:to>
-                                    </p:set>
-                                  </p:childTnLst>
-                                </p:cTn>
-                              </p:par>
-                            </p:childTnLst>
-                          </p:cTn>
-                        </p:par>
-                      </p:childTnLst>
-                    </p:cTn>
-                  </p:par>
-                </p:childTnLst>
-              </p:cTn>
-              <p:prevCondLst>
-                <p:cond evt="onPrev" delay="0">
-                  <p:tgtEl>
-                    <p:sldTgt/>
-                  </p:tgtEl>
-                </p:cond>
-              </p:prevCondLst>
-              <p:nextCondLst>
-                <p:cond evt="onNext" delay="0">
-                  <p:tgtEl>
-                    <p:sldTgt/>
-                  </p:tgtEl>
-                </p:cond>
-              </p:nextCondLst>
-            </p:seq>
-          </p:childTnLst>
-        </p:cTn>
-      </p:par>
-    </p:tnLst>
-    <p:bldLst>
-      <p:bldP spid="3" grpId="0" build="p"/>
-    </p:bldLst>
-  </p:timing>
-</p:sld>
-</file>
-
-<file path=ppt/slides/slide7.xml><?xml version="1.0" encoding="utf-8"?>
-<p:sld xmlns:a="http://schemas.openxmlformats.org/drawingml/2006/main" xmlns:r="http://schemas.openxmlformats.org/officeDocument/2006/relationships" xmlns:p="http://schemas.openxmlformats.org/presentationml/2006/main">
-  <p:cSld>
-    <p:spTree>
-      <p:nvGrpSpPr>
-        <p:cNvPr id="1" name=""/>
-        <p:cNvGrpSpPr/>
-        <p:nvPr/>
-      </p:nvGrpSpPr>
-      <p:grpSpPr>
-        <a:xfrm>
-          <a:off x="0" y="0"/>
-          <a:ext cx="0" cy="0"/>
-          <a:chOff x="0" y="0"/>
-          <a:chExt cx="0" cy="0"/>
-        </a:xfrm>
-      </p:grpSpPr>
-      <p:sp>
-        <p:nvSpPr>
-          <p:cNvPr id="2" name="Title 1">
-            <a:extLst>
-              <a:ext uri="{FF2B5EF4-FFF2-40B4-BE49-F238E27FC236}">
-                <a16:creationId xmlns:a16="http://schemas.microsoft.com/office/drawing/2014/main" id="{581FC503-7226-4E3F-BEC1-1427D1C4F6B2}"/>
-              </a:ext>
-            </a:extLst>
-          </p:cNvPr>
-          <p:cNvSpPr>
-            <a:spLocks noGrp="1"/>
-          </p:cNvSpPr>
-          <p:nvPr>
-            <p:ph type="title"/>
-          </p:nvPr>
-        </p:nvSpPr>
-        <p:spPr/>
-        <p:txBody>
-          <a:bodyPr/>
-          <a:lstStyle/>
-          <a:p>
-            <a:r>
-              <a:rPr lang="en-US" dirty="0"/>
-              <a:t>Power Transmission</a:t>
-            </a:r>
-          </a:p>
-        </p:txBody>
-      </p:sp>
-      <p:sp>
-        <p:nvSpPr>
-          <p:cNvPr id="3" name="Content Placeholder 2">
-            <a:extLst>
-              <a:ext uri="{FF2B5EF4-FFF2-40B4-BE49-F238E27FC236}">
-                <a16:creationId xmlns:a16="http://schemas.microsoft.com/office/drawing/2014/main" id="{2D8A053F-1BAE-4253-B8B3-97FC9D379EC6}"/>
-              </a:ext>
-            </a:extLst>
-          </p:cNvPr>
-          <p:cNvSpPr>
-            <a:spLocks noGrp="1"/>
-          </p:cNvSpPr>
-          <p:nvPr>
-            <p:ph idx="1"/>
-          </p:nvPr>
-        </p:nvSpPr>
-        <p:spPr>
-          <a:xfrm>
-            <a:off x="457200" y="1600200"/>
-            <a:ext cx="4343400" cy="4525963"/>
-          </a:xfrm>
-        </p:spPr>
-        <p:txBody>
-          <a:bodyPr>
-            <a:normAutofit fontScale="70000" lnSpcReduction="20000"/>
-          </a:bodyPr>
-          <a:lstStyle/>
-          <a:p>
-            <a:r>
-              <a:rPr lang="en-US" dirty="0"/>
-              <a:t>Engineers will frequently need to transfer work or power from one location to another in a system. A common method for doing this is a combination of shafts, pulleys, and gear trains.</a:t>
-            </a:r>
-          </a:p>
-          <a:p>
-            <a:pPr lvl="1"/>
-            <a:r>
-              <a:rPr lang="en-US" dirty="0"/>
-              <a:t>Measuring the angular velocity and torque in a shaft lets us easily identify the power being transferred</a:t>
-            </a:r>
-          </a:p>
-          <a:p>
-            <a:r>
-              <a:rPr lang="en-US" dirty="0"/>
-              <a:t>While belts and pulleys, along with gear trains will alter the torques and angular velocities, the </a:t>
-            </a:r>
-            <a:r>
-              <a:rPr lang="en-US" b="1" dirty="0"/>
-              <a:t>overall power will remain the same</a:t>
-            </a:r>
-            <a:r>
-              <a:rPr lang="en-US" dirty="0"/>
-              <a:t> throughout the system, at least ignoring friction losses.</a:t>
-            </a:r>
-          </a:p>
-        </p:txBody>
-      </p:sp>
-      <p:pic>
-        <p:nvPicPr>
-          <p:cNvPr id="1026" name="Picture 2" descr="A drive shaft in a mill">
-            <a:extLst>
-              <a:ext uri="{FF2B5EF4-FFF2-40B4-BE49-F238E27FC236}">
-                <a16:creationId xmlns:a16="http://schemas.microsoft.com/office/drawing/2014/main" id="{066703EC-1B64-45F3-A709-0CB06235D677}"/>
-              </a:ext>
-            </a:extLst>
-          </p:cNvPr>
-          <p:cNvPicPr>
-            <a:picLocks noChangeAspect="1" noChangeArrowheads="1"/>
-          </p:cNvPicPr>
-          <p:nvPr/>
-        </p:nvPicPr>
-        <p:blipFill>
-          <a:blip r:embed="rId2">
-            <a:extLst>
-              <a:ext uri="{28A0092B-C50C-407E-A947-70E740481C1C}">
-                <a14:useLocalDpi xmlns:a14="http://schemas.microsoft.com/office/drawing/2010/main" val="0"/>
-              </a:ext>
-            </a:extLst>
-          </a:blip>
-          <a:srcRect/>
-          <a:stretch>
-            <a:fillRect/>
-          </a:stretch>
-        </p:blipFill>
-        <p:spPr bwMode="auto">
-          <a:xfrm>
-            <a:off x="5638800" y="1458113"/>
-            <a:ext cx="2801917" cy="2101438"/>
-          </a:xfrm>
-          <a:prstGeom prst="rect">
-            <a:avLst/>
-          </a:prstGeom>
-          <a:noFill/>
-          <a:extLst>
-            <a:ext uri="{909E8E84-426E-40DD-AFC4-6F175D3DCCD1}">
-              <a14:hiddenFill xmlns:a14="http://schemas.microsoft.com/office/drawing/2010/main">
-                <a:solidFill>
-                  <a:srgbClr val="FFFFFF"/>
-                </a:solidFill>
-              </a14:hiddenFill>
-            </a:ext>
-          </a:extLst>
-        </p:spPr>
-      </p:pic>
-      <p:sp>
-        <p:nvSpPr>
-          <p:cNvPr id="4" name="TextBox 3">
-            <a:extLst>
-              <a:ext uri="{FF2B5EF4-FFF2-40B4-BE49-F238E27FC236}">
-                <a16:creationId xmlns:a16="http://schemas.microsoft.com/office/drawing/2014/main" id="{BBA4993B-337F-416B-BB9E-E639DF4ABDC6}"/>
-              </a:ext>
-            </a:extLst>
-          </p:cNvPr>
-          <p:cNvSpPr txBox="1"/>
-          <p:nvPr/>
-        </p:nvSpPr>
-        <p:spPr>
-          <a:xfrm>
-            <a:off x="5226793" y="3530976"/>
-            <a:ext cx="3625929" cy="369332"/>
-          </a:xfrm>
-          <a:prstGeom prst="rect">
-            <a:avLst/>
-          </a:prstGeom>
-          <a:noFill/>
-        </p:spPr>
-        <p:txBody>
-          <a:bodyPr wrap="none" rtlCol="0">
-            <a:spAutoFit/>
-          </a:bodyPr>
-          <a:lstStyle/>
-          <a:p>
-            <a:r>
-              <a:rPr lang="en-US" dirty="0"/>
-              <a:t>Image by Ian </a:t>
-            </a:r>
-            <a:r>
-              <a:rPr lang="en-US" dirty="0" err="1"/>
-              <a:t>Petticrew</a:t>
-            </a:r>
-            <a:r>
-              <a:rPr lang="en-US" dirty="0"/>
-              <a:t> CC-BY-SA 2.0 </a:t>
-            </a:r>
-          </a:p>
-        </p:txBody>
-      </p:sp>
-      <p:pic>
-        <p:nvPicPr>
-          <p:cNvPr id="1028" name="Picture 4">
-            <a:extLst>
-              <a:ext uri="{FF2B5EF4-FFF2-40B4-BE49-F238E27FC236}">
-                <a16:creationId xmlns:a16="http://schemas.microsoft.com/office/drawing/2014/main" id="{BC3F7308-1876-4F33-94B6-48BB1291A3A5}"/>
-              </a:ext>
-            </a:extLst>
-          </p:cNvPr>
-          <p:cNvPicPr>
-            <a:picLocks noChangeAspect="1" noChangeArrowheads="1"/>
-          </p:cNvPicPr>
-          <p:nvPr/>
-        </p:nvPicPr>
-        <p:blipFill>
-          <a:blip r:embed="rId3" cstate="print">
-            <a:extLst>
-              <a:ext uri="{28A0092B-C50C-407E-A947-70E740481C1C}">
-                <a14:useLocalDpi xmlns:a14="http://schemas.microsoft.com/office/drawing/2010/main" val="0"/>
-              </a:ext>
-            </a:extLst>
-          </a:blip>
-          <a:srcRect/>
-          <a:stretch>
-            <a:fillRect/>
-          </a:stretch>
-        </p:blipFill>
-        <p:spPr bwMode="auto">
-          <a:xfrm>
-            <a:off x="5497229" y="4038600"/>
-            <a:ext cx="3085055" cy="2313791"/>
-          </a:xfrm>
-          <a:prstGeom prst="rect">
-            <a:avLst/>
-          </a:prstGeom>
-          <a:noFill/>
-          <a:extLst>
-            <a:ext uri="{909E8E84-426E-40DD-AFC4-6F175D3DCCD1}">
-              <a14:hiddenFill xmlns:a14="http://schemas.microsoft.com/office/drawing/2010/main">
-                <a:solidFill>
-                  <a:srgbClr val="FFFFFF"/>
-                </a:solidFill>
-              </a14:hiddenFill>
-            </a:ext>
-          </a:extLst>
-        </p:spPr>
-      </p:pic>
-      <p:sp>
-        <p:nvSpPr>
-          <p:cNvPr id="7" name="TextBox 6">
-            <a:extLst>
-              <a:ext uri="{FF2B5EF4-FFF2-40B4-BE49-F238E27FC236}">
-                <a16:creationId xmlns:a16="http://schemas.microsoft.com/office/drawing/2014/main" id="{1F1BD99E-E4DA-42E2-AE6E-6531261E38D4}"/>
-              </a:ext>
-            </a:extLst>
-          </p:cNvPr>
-          <p:cNvSpPr txBox="1"/>
-          <p:nvPr/>
-        </p:nvSpPr>
-        <p:spPr>
-          <a:xfrm>
-            <a:off x="5334000" y="6306017"/>
-            <a:ext cx="3732560" cy="369332"/>
-          </a:xfrm>
-          <a:prstGeom prst="rect">
-            <a:avLst/>
-          </a:prstGeom>
-          <a:noFill/>
-        </p:spPr>
-        <p:txBody>
-          <a:bodyPr wrap="none" rtlCol="0">
-            <a:spAutoFit/>
-          </a:bodyPr>
-          <a:lstStyle/>
-          <a:p>
-            <a:r>
-              <a:rPr lang="en-US" dirty="0"/>
-              <a:t>Public Domain Image by Hatsukari715</a:t>
-            </a:r>
-          </a:p>
-        </p:txBody>
-      </p:sp>
-    </p:spTree>
-    <p:extLst>
-      <p:ext uri="{BB962C8B-B14F-4D97-AF65-F5344CB8AC3E}">
-        <p14:creationId xmlns:p14="http://schemas.microsoft.com/office/powerpoint/2010/main" val="2988638872"/>
-      </p:ext>
-    </p:extLst>
-  </p:cSld>
-  <p:clrMapOvr>
-    <a:masterClrMapping/>
-  </p:clrMapOvr>
-  <p:timing>
-    <p:tnLst>
-      <p:par>
-        <p:cTn id="1" dur="indefinite" restart="never" nodeType="tmRoot">
-          <p:childTnLst>
-            <p:seq concurrent="1" nextAc="seek">
-              <p:cTn id="2" dur="indefinite" nodeType="mainSeq">
-                <p:childTnLst>
-                  <p:par>
-                    <p:cTn id="3" fill="hold">
-                      <p:stCondLst>
-                        <p:cond delay="indefinite"/>
-                      </p:stCondLst>
-                      <p:childTnLst>
-                        <p:par>
-                          <p:cTn id="4" fill="hold">
-                            <p:stCondLst>
-                              <p:cond delay="0"/>
-                            </p:stCondLst>
-                            <p:childTnLst>
-                              <p:par>
-                                <p:cTn id="5" presetID="1" presetClass="entr" presetSubtype="0" fill="hold" grpId="0" nodeType="clickEffect">
-                                  <p:stCondLst>
-                                    <p:cond delay="0"/>
-                                  </p:stCondLst>
-                                  <p:childTnLst>
-                                    <p:set>
-                                      <p:cBhvr>
-                                        <p:cTn id="6" dur="1" fill="hold">
-                                          <p:stCondLst>
-                                            <p:cond delay="0"/>
-                                          </p:stCondLst>
-                                        </p:cTn>
-                                        <p:tgtEl>
-                                          <p:spTgt spid="3">
-                                            <p:txEl>
-                                              <p:pRg st="0" end="0"/>
-                                            </p:txEl>
-                                          </p:spTgt>
-                                        </p:tgtEl>
-                                        <p:attrNameLst>
-                                          <p:attrName>style.visibility</p:attrName>
-                                        </p:attrNameLst>
-                                      </p:cBhvr>
-                                      <p:to>
-                                        <p:strVal val="visible"/>
-                                      </p:to>
-                                    </p:set>
-                                  </p:childTnLst>
-                                </p:cTn>
-                              </p:par>
-                            </p:childTnLst>
-                          </p:cTn>
-                        </p:par>
-                      </p:childTnLst>
-                    </p:cTn>
-                  </p:par>
-                  <p:par>
-                    <p:cTn id="7" fill="hold">
-                      <p:stCondLst>
-                        <p:cond delay="indefinite"/>
-                      </p:stCondLst>
-                      <p:childTnLst>
-                        <p:par>
-                          <p:cTn id="8" fill="hold">
-                            <p:stCondLst>
-                              <p:cond delay="0"/>
-                            </p:stCondLst>
-                            <p:childTnLst>
-                              <p:par>
-                                <p:cTn id="9" presetID="10" presetClass="entr" presetSubtype="0" fill="hold" nodeType="clickEffect">
-                                  <p:stCondLst>
-                                    <p:cond delay="0"/>
-                                  </p:stCondLst>
-                                  <p:childTnLst>
-                                    <p:set>
-                                      <p:cBhvr>
-                                        <p:cTn id="10" dur="1" fill="hold">
-                                          <p:stCondLst>
-                                            <p:cond delay="0"/>
-                                          </p:stCondLst>
-                                        </p:cTn>
-                                        <p:tgtEl>
-                                          <p:spTgt spid="1026"/>
-                                        </p:tgtEl>
-                                        <p:attrNameLst>
-                                          <p:attrName>style.visibility</p:attrName>
-                                        </p:attrNameLst>
-                                      </p:cBhvr>
-                                      <p:to>
-                                        <p:strVal val="visible"/>
-                                      </p:to>
-                                    </p:set>
-                                    <p:animEffect transition="in" filter="fade">
-                                      <p:cBhvr>
-                                        <p:cTn id="11" dur="500"/>
-                                        <p:tgtEl>
-                                          <p:spTgt spid="1026"/>
-                                        </p:tgtEl>
-                                      </p:cBhvr>
-                                    </p:animEffect>
-                                  </p:childTnLst>
-                                </p:cTn>
-                              </p:par>
-                              <p:par>
-                                <p:cTn id="12" presetID="10" presetClass="entr" presetSubtype="0" fill="hold" grpId="0" nodeType="withEffect">
-                                  <p:stCondLst>
-                                    <p:cond delay="0"/>
-                                  </p:stCondLst>
-                                  <p:childTnLst>
-                                    <p:set>
-                                      <p:cBhvr>
-                                        <p:cTn id="13" dur="1" fill="hold">
-                                          <p:stCondLst>
-                                            <p:cond delay="0"/>
-                                          </p:stCondLst>
-                                        </p:cTn>
-                                        <p:tgtEl>
-                                          <p:spTgt spid="4"/>
-                                        </p:tgtEl>
-                                        <p:attrNameLst>
-                                          <p:attrName>style.visibility</p:attrName>
-                                        </p:attrNameLst>
-                                      </p:cBhvr>
-                                      <p:to>
-                                        <p:strVal val="visible"/>
-                                      </p:to>
-                                    </p:set>
-                                    <p:animEffect transition="in" filter="fade">
-                                      <p:cBhvr>
-                                        <p:cTn id="14" dur="500"/>
-                                        <p:tgtEl>
-                                          <p:spTgt spid="4"/>
-                                        </p:tgtEl>
-                                      </p:cBhvr>
-                                    </p:animEffect>
-                                  </p:childTnLst>
-                                </p:cTn>
-                              </p:par>
-                            </p:childTnLst>
-                          </p:cTn>
-                        </p:par>
-                      </p:childTnLst>
-                    </p:cTn>
-                  </p:par>
-                  <p:par>
-                    <p:cTn id="15" fill="hold">
-                      <p:stCondLst>
-                        <p:cond delay="indefinite"/>
-                      </p:stCondLst>
-                      <p:childTnLst>
-                        <p:par>
-                          <p:cTn id="16" fill="hold">
-                            <p:stCondLst>
-                              <p:cond delay="0"/>
-                            </p:stCondLst>
-                            <p:childTnLst>
-                              <p:par>
-                                <p:cTn id="17" presetID="10" presetClass="entr" presetSubtype="0" fill="hold" nodeType="clickEffect">
-                                  <p:stCondLst>
-                                    <p:cond delay="0"/>
-                                  </p:stCondLst>
-                                  <p:childTnLst>
-                                    <p:set>
-                                      <p:cBhvr>
-                                        <p:cTn id="18" dur="1" fill="hold">
-                                          <p:stCondLst>
-                                            <p:cond delay="0"/>
-                                          </p:stCondLst>
-                                        </p:cTn>
-                                        <p:tgtEl>
-                                          <p:spTgt spid="1028"/>
-                                        </p:tgtEl>
-                                        <p:attrNameLst>
-                                          <p:attrName>style.visibility</p:attrName>
-                                        </p:attrNameLst>
-                                      </p:cBhvr>
-                                      <p:to>
-                                        <p:strVal val="visible"/>
-                                      </p:to>
-                                    </p:set>
-                                    <p:animEffect transition="in" filter="fade">
-                                      <p:cBhvr>
-                                        <p:cTn id="19" dur="500"/>
-                                        <p:tgtEl>
-                                          <p:spTgt spid="1028"/>
-                                        </p:tgtEl>
-                                      </p:cBhvr>
-                                    </p:animEffect>
-                                  </p:childTnLst>
-                                </p:cTn>
-                              </p:par>
-                              <p:par>
-                                <p:cTn id="20" presetID="10" presetClass="entr" presetSubtype="0" fill="hold" grpId="0" nodeType="withEffect">
-                                  <p:stCondLst>
-                                    <p:cond delay="0"/>
-                                  </p:stCondLst>
-                                  <p:childTnLst>
-                                    <p:set>
-                                      <p:cBhvr>
-                                        <p:cTn id="21" dur="1" fill="hold">
-                                          <p:stCondLst>
-                                            <p:cond delay="0"/>
-                                          </p:stCondLst>
-                                        </p:cTn>
-                                        <p:tgtEl>
-                                          <p:spTgt spid="7"/>
-                                        </p:tgtEl>
-                                        <p:attrNameLst>
-                                          <p:attrName>style.visibility</p:attrName>
-                                        </p:attrNameLst>
-                                      </p:cBhvr>
-                                      <p:to>
-                                        <p:strVal val="visible"/>
-                                      </p:to>
-                                    </p:set>
-                                    <p:animEffect transition="in" filter="fade">
-                                      <p:cBhvr>
-                                        <p:cTn id="22" dur="500"/>
-                                        <p:tgtEl>
-                                          <p:spTgt spid="7"/>
-                                        </p:tgtEl>
-                                      </p:cBhvr>
-                                    </p:animEffect>
-                                  </p:childTnLst>
-                                </p:cTn>
-                              </p:par>
-                            </p:childTnLst>
-                          </p:cTn>
-                        </p:par>
-                      </p:childTnLst>
-                    </p:cTn>
-                  </p:par>
-                  <p:par>
-                    <p:cTn id="23" fill="hold">
-                      <p:stCondLst>
-                        <p:cond delay="indefinite"/>
-                      </p:stCondLst>
-                      <p:childTnLst>
-                        <p:par>
-                          <p:cTn id="24" fill="hold">
-                            <p:stCondLst>
-                              <p:cond delay="0"/>
-                            </p:stCondLst>
-                            <p:childTnLst>
-                              <p:par>
-                                <p:cTn id="25" presetID="1" presetClass="entr" presetSubtype="0" fill="hold" grpId="0" nodeType="clickEffect">
-                                  <p:stCondLst>
-                                    <p:cond delay="0"/>
-                                  </p:stCondLst>
-                                  <p:childTnLst>
-                                    <p:set>
-                                      <p:cBhvr>
-                                        <p:cTn id="26" dur="1" fill="hold">
-                                          <p:stCondLst>
-                                            <p:cond delay="0"/>
-                                          </p:stCondLst>
-                                        </p:cTn>
-                                        <p:tgtEl>
-                                          <p:spTgt spid="3">
-                                            <p:txEl>
-                                              <p:pRg st="1" end="1"/>
-                                            </p:txEl>
-                                          </p:spTgt>
-                                        </p:tgtEl>
-                                        <p:attrNameLst>
-                                          <p:attrName>style.visibility</p:attrName>
-                                        </p:attrNameLst>
-                                      </p:cBhvr>
-                                      <p:to>
-                                        <p:strVal val="visible"/>
-                                      </p:to>
-                                    </p:set>
-                                  </p:childTnLst>
-                                </p:cTn>
-                              </p:par>
-                            </p:childTnLst>
-                          </p:cTn>
-                        </p:par>
-                      </p:childTnLst>
-                    </p:cTn>
-                  </p:par>
-                  <p:par>
-                    <p:cTn id="27" fill="hold">
-                      <p:stCondLst>
-                        <p:cond delay="indefinite"/>
-                      </p:stCondLst>
-                      <p:childTnLst>
-                        <p:par>
-                          <p:cTn id="28" fill="hold">
-                            <p:stCondLst>
-                              <p:cond delay="0"/>
-                            </p:stCondLst>
-                            <p:childTnLst>
-                              <p:par>
-                                <p:cTn id="29" presetID="1" presetClass="entr" presetSubtype="0" fill="hold" grpId="0" nodeType="clickEffect">
-                                  <p:stCondLst>
-                                    <p:cond delay="0"/>
-                                  </p:stCondLst>
-                                  <p:childTnLst>
-                                    <p:set>
-                                      <p:cBhvr>
-                                        <p:cTn id="30" dur="1" fill="hold">
-                                          <p:stCondLst>
-                                            <p:cond delay="0"/>
-                                          </p:stCondLst>
-                                        </p:cTn>
-                                        <p:tgtEl>
-                                          <p:spTgt spid="3">
-                                            <p:txEl>
-                                              <p:pRg st="2" end="2"/>
-                                            </p:txEl>
-                                          </p:spTgt>
-                                        </p:tgtEl>
-                                        <p:attrNameLst>
-                                          <p:attrName>style.visibility</p:attrName>
-                                        </p:attrNameLst>
-                                      </p:cBhvr>
-                                      <p:to>
-                                        <p:strVal val="visible"/>
-                                      </p:to>
-                                    </p:set>
-                                  </p:childTnLst>
-                                </p:cTn>
-                              </p:par>
-                            </p:childTnLst>
-                          </p:cTn>
-                        </p:par>
-                      </p:childTnLst>
-                    </p:cTn>
-                  </p:par>
                 </p:childTnLst>
               </p:cTn>
               <p:prevCondLst>
@@ -7582,10 +6382,254 @@
     </p:tnLst>
     <p:bldLst>
       <p:bldP spid="3" grpId="0" uiExpand="1" build="p"/>
-      <p:bldP spid="4" grpId="0"/>
-      <p:bldP spid="7" grpId="0"/>
     </p:bldLst>
   </p:timing>
+</p:sld>
+</file>
+
+<file path=ppt/slides/slide6.xml><?xml version="1.0" encoding="utf-8"?>
+<p:sld xmlns:a="http://schemas.openxmlformats.org/drawingml/2006/main" xmlns:r="http://schemas.openxmlformats.org/officeDocument/2006/relationships" xmlns:p="http://schemas.openxmlformats.org/presentationml/2006/main">
+  <p:cSld>
+    <p:spTree>
+      <p:nvGrpSpPr>
+        <p:cNvPr id="1" name=""/>
+        <p:cNvGrpSpPr/>
+        <p:nvPr/>
+      </p:nvGrpSpPr>
+      <p:grpSpPr>
+        <a:xfrm>
+          <a:off x="0" y="0"/>
+          <a:ext cx="0" cy="0"/>
+          <a:chOff x="0" y="0"/>
+          <a:chExt cx="0" cy="0"/>
+        </a:xfrm>
+      </p:grpSpPr>
+      <p:sp>
+        <p:nvSpPr>
+          <p:cNvPr id="2" name="Title 1"/>
+          <p:cNvSpPr>
+            <a:spLocks noGrp="1"/>
+          </p:cNvSpPr>
+          <p:nvPr>
+            <p:ph type="ctrTitle"/>
+          </p:nvPr>
+        </p:nvSpPr>
+        <p:spPr/>
+        <p:txBody>
+          <a:bodyPr/>
+          <a:lstStyle/>
+          <a:p>
+            <a:r>
+              <a:rPr lang="en-US" dirty="0"/>
+              <a:t>Thanks for Watching</a:t>
+            </a:r>
+          </a:p>
+        </p:txBody>
+      </p:sp>
+      <p:sp>
+        <p:nvSpPr>
+          <p:cNvPr id="3" name="Subtitle 2"/>
+          <p:cNvSpPr>
+            <a:spLocks noGrp="1"/>
+          </p:cNvSpPr>
+          <p:nvPr>
+            <p:ph type="subTitle" idx="1"/>
+          </p:nvPr>
+        </p:nvSpPr>
+        <p:spPr/>
+        <p:txBody>
+          <a:bodyPr/>
+          <a:lstStyle/>
+          <a:p>
+            <a:r>
+              <a:rPr lang="en-US" dirty="0"/>
+              <a:t>See other engineering mechanics videos and access the full tool at…</a:t>
+            </a:r>
+          </a:p>
+        </p:txBody>
+      </p:sp>
+    </p:spTree>
+    <p:extLst>
+      <p:ext uri="{BB962C8B-B14F-4D97-AF65-F5344CB8AC3E}">
+        <p14:creationId xmlns:p14="http://schemas.microsoft.com/office/powerpoint/2010/main" val="3129637585"/>
+      </p:ext>
+    </p:extLst>
+  </p:cSld>
+  <p:clrMapOvr>
+    <a:masterClrMapping/>
+  </p:clrMapOvr>
+</p:sld>
+</file>
+
+<file path=ppt/slides/slide7.xml><?xml version="1.0" encoding="utf-8"?>
+<p:sld xmlns:a="http://schemas.openxmlformats.org/drawingml/2006/main" xmlns:r="http://schemas.openxmlformats.org/officeDocument/2006/relationships" xmlns:p="http://schemas.openxmlformats.org/presentationml/2006/main">
+  <p:cSld>
+    <p:spTree>
+      <p:nvGrpSpPr>
+        <p:cNvPr id="1" name=""/>
+        <p:cNvGrpSpPr/>
+        <p:nvPr/>
+      </p:nvGrpSpPr>
+      <p:grpSpPr>
+        <a:xfrm>
+          <a:off x="0" y="0"/>
+          <a:ext cx="0" cy="0"/>
+          <a:chOff x="0" y="0"/>
+          <a:chExt cx="0" cy="0"/>
+        </a:xfrm>
+      </p:grpSpPr>
+      <p:sp>
+        <p:nvSpPr>
+          <p:cNvPr id="2" name="Title 1"/>
+          <p:cNvSpPr>
+            <a:spLocks noGrp="1"/>
+          </p:cNvSpPr>
+          <p:nvPr>
+            <p:ph type="title"/>
+          </p:nvPr>
+        </p:nvSpPr>
+        <p:spPr/>
+        <p:txBody>
+          <a:bodyPr/>
+          <a:lstStyle/>
+          <a:p>
+            <a:r>
+              <a:rPr lang="en-US" dirty="0"/>
+              <a:t>Worked Example</a:t>
+            </a:r>
+          </a:p>
+        </p:txBody>
+      </p:sp>
+      <p:sp>
+        <p:nvSpPr>
+          <p:cNvPr id="3" name="Content Placeholder 2"/>
+          <p:cNvSpPr>
+            <a:spLocks noGrp="1"/>
+          </p:cNvSpPr>
+          <p:nvPr>
+            <p:ph idx="1"/>
+          </p:nvPr>
+        </p:nvSpPr>
+        <p:spPr>
+          <a:xfrm>
+            <a:off x="457200" y="1600201"/>
+            <a:ext cx="8229600" cy="2362200"/>
+          </a:xfrm>
+        </p:spPr>
+        <p:txBody>
+          <a:bodyPr>
+            <a:normAutofit fontScale="85000" lnSpcReduction="20000"/>
+          </a:bodyPr>
+          <a:lstStyle/>
+          <a:p>
+            <a:r>
+              <a:rPr lang="en-US" dirty="0"/>
+              <a:t>The input to a gearbox has a measured 32 ft lbs of torque at 700 rpm.  The output has 207 ft lbs of torque at 100 rpm.  </a:t>
+            </a:r>
+          </a:p>
+          <a:p>
+            <a:pPr lvl="1"/>
+            <a:r>
+              <a:rPr lang="en-US" dirty="0"/>
+              <a:t>What is the power input?</a:t>
+            </a:r>
+          </a:p>
+          <a:p>
+            <a:pPr lvl="1"/>
+            <a:r>
+              <a:rPr lang="en-US" dirty="0"/>
+              <a:t>What is the power output?</a:t>
+            </a:r>
+          </a:p>
+          <a:p>
+            <a:pPr lvl="1"/>
+            <a:r>
+              <a:rPr lang="en-US" dirty="0"/>
+              <a:t>What is the efficiency of the gear train?</a:t>
+            </a:r>
+          </a:p>
+        </p:txBody>
+      </p:sp>
+      <p:sp>
+        <p:nvSpPr>
+          <p:cNvPr id="4" name="Slide Number Placeholder 3"/>
+          <p:cNvSpPr>
+            <a:spLocks noGrp="1"/>
+          </p:cNvSpPr>
+          <p:nvPr>
+            <p:ph type="sldNum" sz="quarter" idx="12"/>
+          </p:nvPr>
+        </p:nvSpPr>
+        <p:spPr/>
+        <p:txBody>
+          <a:bodyPr/>
+          <a:lstStyle/>
+          <a:p>
+            <a:fld id="{929262FE-7F58-4A1E-8AF3-5A510A86DEBD}" type="slidenum">
+              <a:rPr lang="en-US" smtClean="0"/>
+              <a:t>7</a:t>
+            </a:fld>
+            <a:endParaRPr lang="en-US"/>
+          </a:p>
+        </p:txBody>
+      </p:sp>
+      <p:pic>
+        <p:nvPicPr>
+          <p:cNvPr id="3074" name="Picture 2" descr="crafts, gearbox, gears">
+            <a:extLst>
+              <a:ext uri="{FF2B5EF4-FFF2-40B4-BE49-F238E27FC236}">
+                <a16:creationId xmlns:a16="http://schemas.microsoft.com/office/drawing/2014/main" id="{6619458D-97A6-4BB8-8885-5A76929939A3}"/>
+              </a:ext>
+            </a:extLst>
+          </p:cNvPr>
+          <p:cNvPicPr>
+            <a:picLocks noChangeAspect="1" noChangeArrowheads="1"/>
+          </p:cNvPicPr>
+          <p:nvPr/>
+        </p:nvPicPr>
+        <p:blipFill>
+          <a:blip r:embed="rId2" cstate="print">
+            <a:extLst>
+              <a:ext uri="{28A0092B-C50C-407E-A947-70E740481C1C}">
+                <a14:useLocalDpi xmlns:a14="http://schemas.microsoft.com/office/drawing/2010/main" val="0"/>
+              </a:ext>
+            </a:extLst>
+          </a:blip>
+          <a:srcRect/>
+          <a:stretch>
+            <a:fillRect/>
+          </a:stretch>
+        </p:blipFill>
+        <p:spPr bwMode="auto">
+          <a:xfrm>
+            <a:off x="2476500" y="3962401"/>
+            <a:ext cx="4191000" cy="2788906"/>
+          </a:xfrm>
+          <a:prstGeom prst="rect">
+            <a:avLst/>
+          </a:prstGeom>
+          <a:noFill/>
+          <a:extLst>
+            <a:ext uri="{909E8E84-426E-40DD-AFC4-6F175D3DCCD1}">
+              <a14:hiddenFill xmlns:a14="http://schemas.microsoft.com/office/drawing/2010/main">
+                <a:solidFill>
+                  <a:srgbClr val="FFFFFF"/>
+                </a:solidFill>
+              </a14:hiddenFill>
+            </a:ext>
+          </a:extLst>
+        </p:spPr>
+      </p:pic>
+    </p:spTree>
+    <p:extLst>
+      <p:ext uri="{BB962C8B-B14F-4D97-AF65-F5344CB8AC3E}">
+        <p14:creationId xmlns:p14="http://schemas.microsoft.com/office/powerpoint/2010/main" val="2144110765"/>
+      </p:ext>
+    </p:extLst>
+  </p:cSld>
+  <p:clrMapOvr>
+    <a:masterClrMapping/>
+  </p:clrMapOvr>
 </p:sld>
 </file>
 
@@ -7608,417 +6652,142 @@
       </p:grpSpPr>
       <p:sp>
         <p:nvSpPr>
-          <p:cNvPr id="2" name="Title 1">
+          <p:cNvPr id="2" name="Title 1"/>
+          <p:cNvSpPr>
+            <a:spLocks noGrp="1"/>
+          </p:cNvSpPr>
+          <p:nvPr>
+            <p:ph type="title"/>
+          </p:nvPr>
+        </p:nvSpPr>
+        <p:spPr/>
+        <p:txBody>
+          <a:bodyPr/>
+          <a:lstStyle/>
+          <a:p>
+            <a:r>
+              <a:rPr lang="en-US" dirty="0"/>
+              <a:t>Worked Example</a:t>
+            </a:r>
+          </a:p>
+        </p:txBody>
+      </p:sp>
+      <p:sp>
+        <p:nvSpPr>
+          <p:cNvPr id="3" name="Content Placeholder 2"/>
+          <p:cNvSpPr>
+            <a:spLocks noGrp="1"/>
+          </p:cNvSpPr>
+          <p:nvPr>
+            <p:ph idx="1"/>
+          </p:nvPr>
+        </p:nvSpPr>
+        <p:spPr>
+          <a:xfrm>
+            <a:off x="457200" y="1600201"/>
+            <a:ext cx="8229600" cy="2362200"/>
+          </a:xfrm>
+        </p:spPr>
+        <p:txBody>
+          <a:bodyPr>
+            <a:normAutofit fontScale="62500" lnSpcReduction="20000"/>
+          </a:bodyPr>
+          <a:lstStyle/>
+          <a:p>
+            <a:r>
+              <a:rPr lang="en-US" b="0" i="0" dirty="0">
+                <a:solidFill>
+                  <a:srgbClr val="000000"/>
+                </a:solidFill>
+                <a:effectLst/>
+                <a:latin typeface="Arial" panose="020B0604020202020204" pitchFamily="34" charset="0"/>
+              </a:rPr>
+              <a:t>Lucy is playing with a rechargeable flashlight. Spinning the handle generates electrical energy which can be stored to power the three-watt bulb. Lucy rotates the handle with a constant moment of 2 newton meters and an average angular velocity of 3 radians per second for 30 seconds. When she stops turning and switches the flashlight on the bulb stays lit for 1 second. Given this information, how efficient is the flashlight in converting mechanical energy to usable electrical energy?</a:t>
+            </a:r>
+            <a:endParaRPr lang="en-US" dirty="0"/>
+          </a:p>
+        </p:txBody>
+      </p:sp>
+      <p:sp>
+        <p:nvSpPr>
+          <p:cNvPr id="4" name="Slide Number Placeholder 3"/>
+          <p:cNvSpPr>
+            <a:spLocks noGrp="1"/>
+          </p:cNvSpPr>
+          <p:nvPr>
+            <p:ph type="sldNum" sz="quarter" idx="12"/>
+          </p:nvPr>
+        </p:nvSpPr>
+        <p:spPr/>
+        <p:txBody>
+          <a:bodyPr/>
+          <a:lstStyle/>
+          <a:p>
+            <a:fld id="{929262FE-7F58-4A1E-8AF3-5A510A86DEBD}" type="slidenum">
+              <a:rPr lang="en-US" smtClean="0"/>
+              <a:t>8</a:t>
+            </a:fld>
+            <a:endParaRPr lang="en-US"/>
+          </a:p>
+        </p:txBody>
+      </p:sp>
+      <p:pic>
+        <p:nvPicPr>
+          <p:cNvPr id="2050" name="Picture 2" descr="Problem 2 Diagram">
             <a:extLst>
               <a:ext uri="{FF2B5EF4-FFF2-40B4-BE49-F238E27FC236}">
-                <a16:creationId xmlns:a16="http://schemas.microsoft.com/office/drawing/2014/main" id="{9FD2A529-FAD5-4096-8184-7EC788C5AF78}"/>
+                <a16:creationId xmlns:a16="http://schemas.microsoft.com/office/drawing/2014/main" id="{8993E2C2-E27A-4F10-A39A-C33F2D4EA615}"/>
               </a:ext>
             </a:extLst>
           </p:cNvPr>
-          <p:cNvSpPr>
-            <a:spLocks noGrp="1"/>
-          </p:cNvSpPr>
-          <p:nvPr>
-            <p:ph type="title"/>
-          </p:nvPr>
-        </p:nvSpPr>
-        <p:spPr/>
-        <p:txBody>
-          <a:bodyPr/>
-          <a:lstStyle/>
-          <a:p>
-            <a:r>
-              <a:rPr lang="en-US" dirty="0"/>
-              <a:t>Power in Rigid Body Systems</a:t>
-            </a:r>
-          </a:p>
-        </p:txBody>
-      </p:sp>
-      <mc:AlternateContent xmlns:mc="http://schemas.openxmlformats.org/markup-compatibility/2006" xmlns:a14="http://schemas.microsoft.com/office/drawing/2010/main">
-        <mc:Choice Requires="a14">
-          <p:sp>
-            <p:nvSpPr>
-              <p:cNvPr id="3" name="Content Placeholder 2">
-                <a:extLst>
-                  <a:ext uri="{FF2B5EF4-FFF2-40B4-BE49-F238E27FC236}">
-                    <a16:creationId xmlns:a16="http://schemas.microsoft.com/office/drawing/2014/main" id="{536DDB1D-5582-429B-9606-3FABE32761F1}"/>
-                  </a:ext>
-                </a:extLst>
-              </p:cNvPr>
-              <p:cNvSpPr>
-                <a:spLocks noGrp="1"/>
-              </p:cNvSpPr>
-              <p:nvPr>
-                <p:ph idx="1"/>
-              </p:nvPr>
-            </p:nvSpPr>
-            <p:spPr/>
-            <p:txBody>
-              <a:bodyPr>
-                <a:normAutofit fontScale="92500" lnSpcReduction="20000"/>
-              </a:bodyPr>
-              <a:lstStyle/>
-              <a:p>
-                <a:r>
-                  <a:rPr lang="en-US" dirty="0"/>
-                  <a:t>For rigid body systems, we can also have both translational power and rotational power together. To find the overall power, simply add the translational and rotational powers.</a:t>
-                </a:r>
-              </a:p>
-              <a:p>
-                <a:pPr marL="0" indent="0">
-                  <a:buNone/>
-                </a:pPr>
-                <a:endParaRPr lang="en-US" dirty="0"/>
-              </a:p>
-              <a:p>
-                <a:pPr marL="0" indent="0">
-                  <a:buNone/>
-                </a:pPr>
-                <a14:m>
-                  <m:oMathPara xmlns:m="http://schemas.openxmlformats.org/officeDocument/2006/math">
-                    <m:oMathParaPr>
-                      <m:jc m:val="centerGroup"/>
-                    </m:oMathParaPr>
-                    <m:oMath xmlns:m="http://schemas.openxmlformats.org/officeDocument/2006/math">
-                      <m:sSub>
-                        <m:sSubPr>
-                          <m:ctrlPr>
-                            <a:rPr lang="en-US" i="1">
-                              <a:latin typeface="Cambria Math" panose="02040503050406030204" pitchFamily="18" charset="0"/>
-                            </a:rPr>
-                          </m:ctrlPr>
-                        </m:sSubPr>
-                        <m:e>
-                          <m:r>
-                            <a:rPr lang="en-US" i="1">
-                              <a:latin typeface="Cambria Math" panose="02040503050406030204" pitchFamily="18" charset="0"/>
-                            </a:rPr>
-                            <m:t>𝑃</m:t>
-                          </m:r>
-                        </m:e>
-                        <m:sub>
-                          <m:r>
-                            <a:rPr lang="en-US" i="1">
-                              <a:latin typeface="Cambria Math" panose="02040503050406030204" pitchFamily="18" charset="0"/>
-                            </a:rPr>
-                            <m:t>𝑎𝑣𝑒</m:t>
-                          </m:r>
-                        </m:sub>
-                      </m:sSub>
-                      <m:r>
-                        <a:rPr lang="en-US" i="1">
-                          <a:latin typeface="Cambria Math"/>
-                        </a:rPr>
-                        <m:t>=</m:t>
-                      </m:r>
-                      <m:r>
-                        <a:rPr lang="en-US" b="0" i="1" smtClean="0">
-                          <a:latin typeface="Cambria Math" panose="02040503050406030204" pitchFamily="18" charset="0"/>
-                        </a:rPr>
-                        <m:t>(</m:t>
-                      </m:r>
-                      <m:r>
-                        <a:rPr lang="en-US" b="0" i="1" smtClean="0">
-                          <a:latin typeface="Cambria Math" panose="02040503050406030204" pitchFamily="18" charset="0"/>
-                        </a:rPr>
-                        <m:t>𝐹</m:t>
-                      </m:r>
-                      <m:r>
-                        <a:rPr lang="en-US" b="0" i="1" smtClean="0">
-                          <a:latin typeface="Cambria Math" panose="02040503050406030204" pitchFamily="18" charset="0"/>
-                        </a:rPr>
-                        <m:t>∗</m:t>
-                      </m:r>
-                      <m:r>
-                        <a:rPr lang="en-US" b="0" i="1" smtClean="0">
-                          <a:latin typeface="Cambria Math" panose="02040503050406030204" pitchFamily="18" charset="0"/>
-                        </a:rPr>
-                        <m:t>𝑣</m:t>
-                      </m:r>
-                      <m:r>
-                        <a:rPr lang="en-US" b="0" i="1" smtClean="0">
-                          <a:latin typeface="Cambria Math" panose="02040503050406030204" pitchFamily="18" charset="0"/>
-                        </a:rPr>
-                        <m:t>)+(</m:t>
-                      </m:r>
-                      <m:r>
-                        <a:rPr lang="en-US" i="1">
-                          <a:latin typeface="Cambria Math" panose="02040503050406030204" pitchFamily="18" charset="0"/>
-                          <a:ea typeface="Cambria Math"/>
-                        </a:rPr>
-                        <m:t>𝑀</m:t>
-                      </m:r>
-                      <m:r>
-                        <a:rPr lang="en-US" i="1">
-                          <a:latin typeface="Cambria Math" panose="02040503050406030204" pitchFamily="18" charset="0"/>
-                          <a:ea typeface="Cambria Math"/>
-                        </a:rPr>
-                        <m:t>∗</m:t>
-                      </m:r>
-                      <m:r>
-                        <a:rPr lang="en-US" i="1">
-                          <a:latin typeface="Cambria Math" panose="02040503050406030204" pitchFamily="18" charset="0"/>
-                          <a:ea typeface="Cambria Math" panose="02040503050406030204" pitchFamily="18" charset="0"/>
-                        </a:rPr>
-                        <m:t>𝜔</m:t>
-                      </m:r>
-                      <m:r>
-                        <a:rPr lang="en-US" b="0" i="1" smtClean="0">
-                          <a:latin typeface="Cambria Math" panose="02040503050406030204" pitchFamily="18" charset="0"/>
-                          <a:ea typeface="Cambria Math" panose="02040503050406030204" pitchFamily="18" charset="0"/>
-                        </a:rPr>
-                        <m:t>)</m:t>
-                      </m:r>
-                    </m:oMath>
-                  </m:oMathPara>
-                </a14:m>
-                <a:endParaRPr lang="en-US" dirty="0"/>
-              </a:p>
-              <a:p>
-                <a:pPr marL="0" indent="0">
-                  <a:buNone/>
-                </a:pPr>
-                <a:endParaRPr lang="en-US" dirty="0"/>
-              </a:p>
-              <a:p>
-                <a:r>
-                  <a:rPr lang="en-US" dirty="0"/>
-                  <a:t>It’s important in for the above equation that you take the moment about the center of mass and you use the velocity of the center of mass of the body.</a:t>
-                </a:r>
-              </a:p>
-            </p:txBody>
-          </p:sp>
-        </mc:Choice>
-        <mc:Fallback xmlns="">
-          <p:sp>
-            <p:nvSpPr>
-              <p:cNvPr id="3" name="Content Placeholder 2">
-                <a:extLst>
-                  <a:ext uri="{FF2B5EF4-FFF2-40B4-BE49-F238E27FC236}">
-                    <a16:creationId xmlns:a16="http://schemas.microsoft.com/office/drawing/2014/main" id="{536DDB1D-5582-429B-9606-3FABE32761F1}"/>
-                  </a:ext>
-                </a:extLst>
-              </p:cNvPr>
-              <p:cNvSpPr>
-                <a:spLocks noGrp="1" noRot="1" noChangeAspect="1" noMove="1" noResize="1" noEditPoints="1" noAdjustHandles="1" noChangeArrowheads="1" noChangeShapeType="1" noTextEdit="1"/>
-              </p:cNvSpPr>
-              <p:nvPr>
-                <p:ph idx="1"/>
-              </p:nvPr>
-            </p:nvSpPr>
-            <p:spPr>
-              <a:blipFill>
-                <a:blip r:embed="rId2"/>
-                <a:stretch>
-                  <a:fillRect l="-1481" t="-3504" b="-3369"/>
-                </a:stretch>
-              </a:blipFill>
-            </p:spPr>
-            <p:txBody>
-              <a:bodyPr/>
-              <a:lstStyle/>
-              <a:p>
-                <a:r>
-                  <a:rPr lang="en-US">
-                    <a:noFill/>
-                  </a:rPr>
-                  <a:t> </a:t>
-                </a:r>
-              </a:p>
-            </p:txBody>
-          </p:sp>
-        </mc:Fallback>
-      </mc:AlternateContent>
+          <p:cNvPicPr>
+            <a:picLocks noChangeAspect="1" noChangeArrowheads="1"/>
+          </p:cNvPicPr>
+          <p:nvPr/>
+        </p:nvPicPr>
+        <p:blipFill>
+          <a:blip r:embed="rId2" cstate="print">
+            <a:extLst>
+              <a:ext uri="{28A0092B-C50C-407E-A947-70E740481C1C}">
+                <a14:useLocalDpi xmlns:a14="http://schemas.microsoft.com/office/drawing/2010/main" val="0"/>
+              </a:ext>
+            </a:extLst>
+          </a:blip>
+          <a:srcRect/>
+          <a:stretch>
+            <a:fillRect/>
+          </a:stretch>
+        </p:blipFill>
+        <p:spPr bwMode="auto">
+          <a:xfrm>
+            <a:off x="2819400" y="4001075"/>
+            <a:ext cx="3073400" cy="2747173"/>
+          </a:xfrm>
+          <a:prstGeom prst="rect">
+            <a:avLst/>
+          </a:prstGeom>
+          <a:noFill/>
+          <a:extLst>
+            <a:ext uri="{909E8E84-426E-40DD-AFC4-6F175D3DCCD1}">
+              <a14:hiddenFill xmlns:a14="http://schemas.microsoft.com/office/drawing/2010/main">
+                <a:solidFill>
+                  <a:srgbClr val="FFFFFF"/>
+                </a:solidFill>
+              </a14:hiddenFill>
+            </a:ext>
+          </a:extLst>
+        </p:spPr>
+      </p:pic>
     </p:spTree>
     <p:extLst>
       <p:ext uri="{BB962C8B-B14F-4D97-AF65-F5344CB8AC3E}">
-        <p14:creationId xmlns:p14="http://schemas.microsoft.com/office/powerpoint/2010/main" val="3843765939"/>
+        <p14:creationId xmlns:p14="http://schemas.microsoft.com/office/powerpoint/2010/main" val="3117673434"/>
       </p:ext>
     </p:extLst>
   </p:cSld>
   <p:clrMapOvr>
     <a:masterClrMapping/>
   </p:clrMapOvr>
-  <p:timing>
-    <p:tnLst>
-      <p:par>
-        <p:cTn id="1" dur="indefinite" restart="never" nodeType="tmRoot">
-          <p:childTnLst>
-            <p:seq concurrent="1" nextAc="seek">
-              <p:cTn id="2" dur="indefinite" nodeType="mainSeq">
-                <p:childTnLst>
-                  <p:par>
-                    <p:cTn id="3" fill="hold">
-                      <p:stCondLst>
-                        <p:cond delay="indefinite"/>
-                      </p:stCondLst>
-                      <p:childTnLst>
-                        <p:par>
-                          <p:cTn id="4" fill="hold">
-                            <p:stCondLst>
-                              <p:cond delay="0"/>
-                            </p:stCondLst>
-                            <p:childTnLst>
-                              <p:par>
-                                <p:cTn id="5" presetID="1" presetClass="entr" presetSubtype="0" fill="hold" grpId="0" nodeType="clickEffect">
-                                  <p:stCondLst>
-                                    <p:cond delay="0"/>
-                                  </p:stCondLst>
-                                  <p:childTnLst>
-                                    <p:set>
-                                      <p:cBhvr>
-                                        <p:cTn id="6" dur="1" fill="hold">
-                                          <p:stCondLst>
-                                            <p:cond delay="0"/>
-                                          </p:stCondLst>
-                                        </p:cTn>
-                                        <p:tgtEl>
-                                          <p:spTgt spid="3">
-                                            <p:txEl>
-                                              <p:pRg st="0" end="0"/>
-                                            </p:txEl>
-                                          </p:spTgt>
-                                        </p:tgtEl>
-                                        <p:attrNameLst>
-                                          <p:attrName>style.visibility</p:attrName>
-                                        </p:attrNameLst>
-                                      </p:cBhvr>
-                                      <p:to>
-                                        <p:strVal val="visible"/>
-                                      </p:to>
-                                    </p:set>
-                                  </p:childTnLst>
-                                </p:cTn>
-                              </p:par>
-                            </p:childTnLst>
-                          </p:cTn>
-                        </p:par>
-                      </p:childTnLst>
-                    </p:cTn>
-                  </p:par>
-                  <p:par>
-                    <p:cTn id="7" fill="hold">
-                      <p:stCondLst>
-                        <p:cond delay="indefinite"/>
-                      </p:stCondLst>
-                      <p:childTnLst>
-                        <p:par>
-                          <p:cTn id="8" fill="hold">
-                            <p:stCondLst>
-                              <p:cond delay="0"/>
-                            </p:stCondLst>
-                            <p:childTnLst>
-                              <p:par>
-                                <p:cTn id="9" presetID="1" presetClass="entr" presetSubtype="0" fill="hold" grpId="0" nodeType="clickEffect">
-                                  <p:stCondLst>
-                                    <p:cond delay="0"/>
-                                  </p:stCondLst>
-                                  <p:childTnLst>
-                                    <p:set>
-                                      <p:cBhvr>
-                                        <p:cTn id="10" dur="1" fill="hold">
-                                          <p:stCondLst>
-                                            <p:cond delay="0"/>
-                                          </p:stCondLst>
-                                        </p:cTn>
-                                        <p:tgtEl>
-                                          <p:spTgt spid="3">
-                                            <p:txEl>
-                                              <p:pRg st="2" end="2"/>
-                                            </p:txEl>
-                                          </p:spTgt>
-                                        </p:tgtEl>
-                                        <p:attrNameLst>
-                                          <p:attrName>style.visibility</p:attrName>
-                                        </p:attrNameLst>
-                                      </p:cBhvr>
-                                      <p:to>
-                                        <p:strVal val="visible"/>
-                                      </p:to>
-                                    </p:set>
-                                  </p:childTnLst>
-                                </p:cTn>
-                              </p:par>
-                            </p:childTnLst>
-                          </p:cTn>
-                        </p:par>
-                      </p:childTnLst>
-                    </p:cTn>
-                  </p:par>
-                  <p:par>
-                    <p:cTn id="11" fill="hold">
-                      <p:stCondLst>
-                        <p:cond delay="indefinite"/>
-                      </p:stCondLst>
-                      <p:childTnLst>
-                        <p:par>
-                          <p:cTn id="12" fill="hold">
-                            <p:stCondLst>
-                              <p:cond delay="0"/>
-                            </p:stCondLst>
-                            <p:childTnLst>
-                              <p:par>
-                                <p:cTn id="13" presetID="1" presetClass="entr" presetSubtype="0" fill="hold" grpId="0" nodeType="clickEffect">
-                                  <p:stCondLst>
-                                    <p:cond delay="0"/>
-                                  </p:stCondLst>
-                                  <p:childTnLst>
-                                    <p:set>
-                                      <p:cBhvr>
-                                        <p:cTn id="14" dur="1" fill="hold">
-                                          <p:stCondLst>
-                                            <p:cond delay="0"/>
-                                          </p:stCondLst>
-                                        </p:cTn>
-                                        <p:tgtEl>
-                                          <p:spTgt spid="3">
-                                            <p:txEl>
-                                              <p:pRg st="4" end="4"/>
-                                            </p:txEl>
-                                          </p:spTgt>
-                                        </p:tgtEl>
-                                        <p:attrNameLst>
-                                          <p:attrName>style.visibility</p:attrName>
-                                        </p:attrNameLst>
-                                      </p:cBhvr>
-                                      <p:to>
-                                        <p:strVal val="visible"/>
-                                      </p:to>
-                                    </p:set>
-                                  </p:childTnLst>
-                                </p:cTn>
-                              </p:par>
-                            </p:childTnLst>
-                          </p:cTn>
-                        </p:par>
-                      </p:childTnLst>
-                    </p:cTn>
-                  </p:par>
-                </p:childTnLst>
-              </p:cTn>
-              <p:prevCondLst>
-                <p:cond evt="onPrev" delay="0">
-                  <p:tgtEl>
-                    <p:sldTgt/>
-                  </p:tgtEl>
-                </p:cond>
-              </p:prevCondLst>
-              <p:nextCondLst>
-                <p:cond evt="onNext" delay="0">
-                  <p:tgtEl>
-                    <p:sldTgt/>
-                  </p:tgtEl>
-                </p:cond>
-              </p:nextCondLst>
-            </p:seq>
-          </p:childTnLst>
-        </p:cTn>
-      </p:par>
-    </p:tnLst>
-    <p:bldLst>
-      <p:bldP spid="3" grpId="0" build="p"/>
-    </p:bldLst>
-  </p:timing>
 </p:sld>
 </file>
 
@@ -8041,705 +6810,142 @@
       </p:grpSpPr>
       <p:sp>
         <p:nvSpPr>
-          <p:cNvPr id="2" name="Title 1">
+          <p:cNvPr id="2" name="Title 1"/>
+          <p:cNvSpPr>
+            <a:spLocks noGrp="1"/>
+          </p:cNvSpPr>
+          <p:nvPr>
+            <p:ph type="title"/>
+          </p:nvPr>
+        </p:nvSpPr>
+        <p:spPr/>
+        <p:txBody>
+          <a:bodyPr/>
+          <a:lstStyle/>
+          <a:p>
+            <a:r>
+              <a:rPr lang="en-US" dirty="0"/>
+              <a:t>Worked Example</a:t>
+            </a:r>
+          </a:p>
+        </p:txBody>
+      </p:sp>
+      <p:sp>
+        <p:nvSpPr>
+          <p:cNvPr id="3" name="Content Placeholder 2"/>
+          <p:cNvSpPr>
+            <a:spLocks noGrp="1"/>
+          </p:cNvSpPr>
+          <p:nvPr>
+            <p:ph idx="1"/>
+          </p:nvPr>
+        </p:nvSpPr>
+        <p:spPr>
+          <a:xfrm>
+            <a:off x="457200" y="1600201"/>
+            <a:ext cx="8229600" cy="2362200"/>
+          </a:xfrm>
+        </p:spPr>
+        <p:txBody>
+          <a:bodyPr>
+            <a:normAutofit fontScale="77500" lnSpcReduction="20000"/>
+          </a:bodyPr>
+          <a:lstStyle/>
+          <a:p>
+            <a:r>
+              <a:rPr lang="en-US" b="0" i="0" dirty="0">
+                <a:solidFill>
+                  <a:srgbClr val="000000"/>
+                </a:solidFill>
+                <a:effectLst/>
+                <a:latin typeface="Arial" panose="020B0604020202020204" pitchFamily="34" charset="0"/>
+              </a:rPr>
+              <a:t>A race car is traveling along a straight road at a constant speed of 80 kilometers per hour. The engine provides a 50-newton meter torque at each of the back two wheels (radius r = 0.5m). What is the power being applied at the wheels? What is the efficiency of the transmission if the input power from the motor is 17.78 kilowatts?</a:t>
+            </a:r>
+            <a:endParaRPr lang="en-US" dirty="0"/>
+          </a:p>
+        </p:txBody>
+      </p:sp>
+      <p:sp>
+        <p:nvSpPr>
+          <p:cNvPr id="4" name="Slide Number Placeholder 3"/>
+          <p:cNvSpPr>
+            <a:spLocks noGrp="1"/>
+          </p:cNvSpPr>
+          <p:nvPr>
+            <p:ph type="sldNum" sz="quarter" idx="12"/>
+          </p:nvPr>
+        </p:nvSpPr>
+        <p:spPr/>
+        <p:txBody>
+          <a:bodyPr/>
+          <a:lstStyle/>
+          <a:p>
+            <a:fld id="{929262FE-7F58-4A1E-8AF3-5A510A86DEBD}" type="slidenum">
+              <a:rPr lang="en-US" smtClean="0"/>
+              <a:t>9</a:t>
+            </a:fld>
+            <a:endParaRPr lang="en-US"/>
+          </a:p>
+        </p:txBody>
+      </p:sp>
+      <p:pic>
+        <p:nvPicPr>
+          <p:cNvPr id="3074" name="Picture 2" descr="Problem 3 Diagram">
             <a:extLst>
               <a:ext uri="{FF2B5EF4-FFF2-40B4-BE49-F238E27FC236}">
-                <a16:creationId xmlns:a16="http://schemas.microsoft.com/office/drawing/2014/main" id="{61A07C29-9A58-4871-BDC5-A36C637901C2}"/>
+                <a16:creationId xmlns:a16="http://schemas.microsoft.com/office/drawing/2014/main" id="{405682F0-7265-4C85-BCA2-7E925490F5A6}"/>
               </a:ext>
             </a:extLst>
           </p:cNvPr>
-          <p:cNvSpPr>
-            <a:spLocks noGrp="1"/>
-          </p:cNvSpPr>
-          <p:nvPr>
-            <p:ph type="title"/>
-          </p:nvPr>
-        </p:nvSpPr>
-        <p:spPr/>
-        <p:txBody>
-          <a:bodyPr>
-            <a:normAutofit fontScale="90000"/>
-          </a:bodyPr>
-          <a:lstStyle/>
-          <a:p>
-            <a:r>
-              <a:rPr lang="en-US" dirty="0"/>
-              <a:t>Solving Power Problems</a:t>
-            </a:r>
-            <a:br>
-              <a:rPr lang="en-US" dirty="0"/>
-            </a:br>
-            <a:r>
-              <a:rPr lang="en-US" dirty="0"/>
-              <a:t>(The Process)</a:t>
-            </a:r>
-          </a:p>
-        </p:txBody>
-      </p:sp>
-      <mc:AlternateContent xmlns:mc="http://schemas.openxmlformats.org/markup-compatibility/2006" xmlns:a14="http://schemas.microsoft.com/office/drawing/2010/main">
-        <mc:Choice Requires="a14">
-          <p:sp>
-            <p:nvSpPr>
-              <p:cNvPr id="3" name="Content Placeholder 2">
-                <a:extLst>
-                  <a:ext uri="{FF2B5EF4-FFF2-40B4-BE49-F238E27FC236}">
-                    <a16:creationId xmlns:a16="http://schemas.microsoft.com/office/drawing/2014/main" id="{A0280897-CDB5-4D78-9300-B055EC7031D9}"/>
-                  </a:ext>
-                </a:extLst>
-              </p:cNvPr>
-              <p:cNvSpPr>
-                <a:spLocks noGrp="1"/>
-              </p:cNvSpPr>
-              <p:nvPr>
-                <p:ph idx="1"/>
-              </p:nvPr>
-            </p:nvSpPr>
-            <p:spPr>
-              <a:xfrm>
-                <a:off x="457200" y="1600200"/>
-                <a:ext cx="8229600" cy="4648200"/>
-              </a:xfrm>
-            </p:spPr>
-            <p:txBody>
-              <a:bodyPr>
-                <a:normAutofit fontScale="62500" lnSpcReduction="20000"/>
-              </a:bodyPr>
-              <a:lstStyle/>
-              <a:p>
-                <a:r>
-                  <a:rPr lang="en-US" dirty="0"/>
-                  <a:t>Solving a power related problem is still at it’s heart a work and energy problem, and we will therefore use a very similar process</a:t>
-                </a:r>
-              </a:p>
-              <a:p>
-                <a:pPr marL="514350" indent="-514350">
-                  <a:buFont typeface="+mj-lt"/>
-                  <a:buAutoNum type="arabicPeriod"/>
-                </a:pPr>
-                <a:r>
-                  <a:rPr lang="en-US" dirty="0"/>
-                  <a:t>Set up one diagram showing the initial state and set up some other diagram for the final state.</a:t>
-                </a:r>
-              </a:p>
-              <a:p>
-                <a:pPr marL="914400" lvl="1" indent="-514350"/>
-                <a:r>
-                  <a:rPr lang="en-US" dirty="0"/>
-                  <a:t>Identify any </a:t>
-                </a:r>
-                <a:r>
-                  <a:rPr lang="en-US" dirty="0">
-                    <a:solidFill>
-                      <a:srgbClr val="FF0000"/>
-                    </a:solidFill>
-                  </a:rPr>
-                  <a:t>forces</a:t>
-                </a:r>
-                <a:r>
-                  <a:rPr lang="en-US" dirty="0"/>
-                  <a:t> and </a:t>
-                </a:r>
-                <a:r>
-                  <a:rPr lang="en-US" dirty="0">
-                    <a:solidFill>
-                      <a:srgbClr val="FF0000"/>
-                    </a:solidFill>
-                  </a:rPr>
-                  <a:t>moments</a:t>
-                </a:r>
-                <a:r>
-                  <a:rPr lang="en-US" dirty="0"/>
-                  <a:t> that will do work between the two states</a:t>
-                </a:r>
-              </a:p>
-              <a:p>
-                <a:pPr marL="914400" lvl="1" indent="-514350"/>
-                <a:r>
-                  <a:rPr lang="en-US" dirty="0"/>
-                  <a:t>Identify the known or unknown </a:t>
-                </a:r>
-                <a:r>
-                  <a:rPr lang="en-US" dirty="0">
-                    <a:solidFill>
-                      <a:schemeClr val="accent1"/>
-                    </a:solidFill>
-                  </a:rPr>
-                  <a:t>velocities </a:t>
-                </a:r>
-                <a:r>
-                  <a:rPr lang="en-US" dirty="0">
-                    <a:solidFill>
-                      <a:schemeClr val="tx2"/>
-                    </a:solidFill>
-                  </a:rPr>
-                  <a:t>and</a:t>
-                </a:r>
-                <a:r>
-                  <a:rPr lang="en-US" dirty="0">
-                    <a:solidFill>
-                      <a:schemeClr val="accent1"/>
-                    </a:solidFill>
-                  </a:rPr>
-                  <a:t> angular velocities</a:t>
-                </a:r>
-                <a:r>
-                  <a:rPr lang="en-US" dirty="0"/>
-                  <a:t> in each state</a:t>
-                </a:r>
-              </a:p>
-              <a:p>
-                <a:pPr marL="914400" lvl="1" indent="-514350"/>
-                <a:r>
-                  <a:rPr lang="en-US" dirty="0"/>
-                  <a:t>Identify the change in </a:t>
-                </a:r>
-                <a:r>
-                  <a:rPr lang="en-US" dirty="0">
-                    <a:solidFill>
-                      <a:schemeClr val="accent1"/>
-                    </a:solidFill>
-                  </a:rPr>
-                  <a:t>height</a:t>
-                </a:r>
-                <a:r>
-                  <a:rPr lang="en-US" dirty="0"/>
-                  <a:t> if applicable</a:t>
-                </a:r>
-              </a:p>
-              <a:p>
-                <a:pPr marL="514350" indent="-514350">
-                  <a:buFont typeface="+mj-lt"/>
-                  <a:buAutoNum type="arabicPeriod"/>
-                </a:pPr>
-                <a:r>
-                  <a:rPr lang="en-US" dirty="0"/>
-                  <a:t>Use the diagram to put together the single conservation of energy equation, as well as an equation relating work to power with included known and unknown values.</a:t>
-                </a:r>
-              </a:p>
-              <a:p>
-                <a:pPr marL="914400" lvl="1" indent="-514350"/>
-                <a14:m>
-                  <m:oMath xmlns:m="http://schemas.openxmlformats.org/officeDocument/2006/math">
-                    <m:r>
-                      <m:rPr>
-                        <m:sty m:val="p"/>
-                      </m:rPr>
-                      <a:rPr lang="en-US">
-                        <a:latin typeface="Cambria Math"/>
-                      </a:rPr>
-                      <m:t>W</m:t>
-                    </m:r>
-                    <m:r>
-                      <a:rPr lang="en-US">
-                        <a:latin typeface="Cambria Math"/>
-                      </a:rPr>
-                      <m:t>=∆</m:t>
-                    </m:r>
-                    <m:r>
-                      <m:rPr>
-                        <m:sty m:val="p"/>
-                      </m:rPr>
-                      <a:rPr lang="en-US">
-                        <a:latin typeface="Cambria Math"/>
-                        <a:ea typeface="Cambria Math"/>
-                      </a:rPr>
-                      <m:t>KE</m:t>
-                    </m:r>
-                    <m:r>
-                      <a:rPr lang="en-US">
-                        <a:latin typeface="Cambria Math"/>
-                        <a:ea typeface="Cambria Math"/>
-                      </a:rPr>
-                      <m:t>+∆</m:t>
-                    </m:r>
-                    <m:r>
-                      <m:rPr>
-                        <m:sty m:val="p"/>
-                      </m:rPr>
-                      <a:rPr lang="en-US">
-                        <a:latin typeface="Cambria Math"/>
-                        <a:ea typeface="Cambria Math"/>
-                      </a:rPr>
-                      <m:t>PE</m:t>
-                    </m:r>
-                  </m:oMath>
-                </a14:m>
-                <a:endParaRPr lang="en-US" dirty="0">
-                  <a:latin typeface="Cambria Math"/>
-                  <a:ea typeface="Cambria Math"/>
-                </a:endParaRPr>
-              </a:p>
-              <a:p>
-                <a:pPr marL="914400" lvl="1" indent="-514350"/>
-                <a14:m>
-                  <m:oMath xmlns:m="http://schemas.openxmlformats.org/officeDocument/2006/math">
-                    <m:sSub>
-                      <m:sSubPr>
-                        <m:ctrlPr>
-                          <a:rPr lang="en-US" i="1">
-                            <a:latin typeface="Cambria Math" panose="02040503050406030204" pitchFamily="18" charset="0"/>
-                          </a:rPr>
-                        </m:ctrlPr>
-                      </m:sSubPr>
-                      <m:e>
-                        <m:r>
-                          <a:rPr lang="en-US" i="1">
-                            <a:latin typeface="Cambria Math" panose="02040503050406030204" pitchFamily="18" charset="0"/>
-                          </a:rPr>
-                          <m:t>𝑃</m:t>
-                        </m:r>
-                      </m:e>
-                      <m:sub>
-                        <m:r>
-                          <a:rPr lang="en-US" i="1">
-                            <a:latin typeface="Cambria Math" panose="02040503050406030204" pitchFamily="18" charset="0"/>
-                          </a:rPr>
-                          <m:t>𝑎𝑣𝑒</m:t>
-                        </m:r>
-                      </m:sub>
-                    </m:sSub>
-                    <m:r>
-                      <a:rPr lang="en-US" i="1">
-                        <a:latin typeface="Cambria Math"/>
-                      </a:rPr>
-                      <m:t>= </m:t>
-                    </m:r>
-                    <m:f>
-                      <m:fPr>
-                        <m:ctrlPr>
-                          <a:rPr lang="en-US" i="1">
-                            <a:latin typeface="Cambria Math" panose="02040503050406030204" pitchFamily="18" charset="0"/>
-                          </a:rPr>
-                        </m:ctrlPr>
-                      </m:fPr>
-                      <m:num>
-                        <m:r>
-                          <a:rPr lang="en-US" i="1">
-                            <a:latin typeface="Cambria Math"/>
-                          </a:rPr>
-                          <m:t>𝑊</m:t>
-                        </m:r>
-                      </m:num>
-                      <m:den>
-                        <m:r>
-                          <a:rPr lang="en-US" i="1">
-                            <a:latin typeface="Cambria Math"/>
-                            <a:ea typeface="Cambria Math"/>
-                          </a:rPr>
-                          <m:t>𝑡</m:t>
-                        </m:r>
-                      </m:den>
-                    </m:f>
-                  </m:oMath>
-                </a14:m>
-                <a:endParaRPr lang="en-US" dirty="0"/>
-              </a:p>
-              <a:p>
-                <a:pPr marL="514350" indent="-514350">
-                  <a:buFont typeface="+mj-lt"/>
-                  <a:buAutoNum type="arabicPeriod"/>
-                </a:pPr>
-                <a:r>
-                  <a:rPr lang="en-US" dirty="0"/>
-                  <a:t>Solve the equations for the unknown quantities</a:t>
-                </a:r>
-              </a:p>
-              <a:p>
-                <a:pPr marL="514350" indent="-514350">
-                  <a:buFont typeface="+mj-lt"/>
-                  <a:buAutoNum type="arabicPeriod"/>
-                </a:pPr>
-                <a:endParaRPr lang="en-US" dirty="0"/>
-              </a:p>
-            </p:txBody>
-          </p:sp>
-        </mc:Choice>
-        <mc:Fallback xmlns="">
-          <p:sp>
-            <p:nvSpPr>
-              <p:cNvPr id="3" name="Content Placeholder 2">
-                <a:extLst>
-                  <a:ext uri="{FF2B5EF4-FFF2-40B4-BE49-F238E27FC236}">
-                    <a16:creationId xmlns:a16="http://schemas.microsoft.com/office/drawing/2014/main" id="{A0280897-CDB5-4D78-9300-B055EC7031D9}"/>
-                  </a:ext>
-                </a:extLst>
-              </p:cNvPr>
-              <p:cNvSpPr>
-                <a:spLocks noGrp="1" noRot="1" noChangeAspect="1" noMove="1" noResize="1" noEditPoints="1" noAdjustHandles="1" noChangeArrowheads="1" noChangeShapeType="1" noTextEdit="1"/>
-              </p:cNvSpPr>
-              <p:nvPr>
-                <p:ph idx="1"/>
-              </p:nvPr>
-            </p:nvSpPr>
-            <p:spPr>
-              <a:xfrm>
-                <a:off x="457200" y="1600200"/>
-                <a:ext cx="8229600" cy="4648200"/>
-              </a:xfrm>
-              <a:blipFill>
-                <a:blip r:embed="rId2"/>
-                <a:stretch>
-                  <a:fillRect l="-815" t="-1969"/>
-                </a:stretch>
-              </a:blipFill>
-            </p:spPr>
-            <p:txBody>
-              <a:bodyPr/>
-              <a:lstStyle/>
-              <a:p>
-                <a:r>
-                  <a:rPr lang="en-US">
-                    <a:noFill/>
-                  </a:rPr>
-                  <a:t> </a:t>
-                </a:r>
-              </a:p>
-            </p:txBody>
-          </p:sp>
-        </mc:Fallback>
-      </mc:AlternateContent>
+          <p:cNvPicPr>
+            <a:picLocks noChangeAspect="1" noChangeArrowheads="1"/>
+          </p:cNvPicPr>
+          <p:nvPr/>
+        </p:nvPicPr>
+        <p:blipFill>
+          <a:blip r:embed="rId2" cstate="print">
+            <a:extLst>
+              <a:ext uri="{28A0092B-C50C-407E-A947-70E740481C1C}">
+                <a14:useLocalDpi xmlns:a14="http://schemas.microsoft.com/office/drawing/2010/main" val="0"/>
+              </a:ext>
+            </a:extLst>
+          </a:blip>
+          <a:srcRect/>
+          <a:stretch>
+            <a:fillRect/>
+          </a:stretch>
+        </p:blipFill>
+        <p:spPr bwMode="auto">
+          <a:xfrm>
+            <a:off x="2896145" y="4403725"/>
+            <a:ext cx="3657055" cy="2135187"/>
+          </a:xfrm>
+          <a:prstGeom prst="rect">
+            <a:avLst/>
+          </a:prstGeom>
+          <a:noFill/>
+          <a:extLst>
+            <a:ext uri="{909E8E84-426E-40DD-AFC4-6F175D3DCCD1}">
+              <a14:hiddenFill xmlns:a14="http://schemas.microsoft.com/office/drawing/2010/main">
+                <a:solidFill>
+                  <a:srgbClr val="FFFFFF"/>
+                </a:solidFill>
+              </a14:hiddenFill>
+            </a:ext>
+          </a:extLst>
+        </p:spPr>
+      </p:pic>
     </p:spTree>
     <p:extLst>
       <p:ext uri="{BB962C8B-B14F-4D97-AF65-F5344CB8AC3E}">
-        <p14:creationId xmlns:p14="http://schemas.microsoft.com/office/powerpoint/2010/main" val="1685981082"/>
+        <p14:creationId xmlns:p14="http://schemas.microsoft.com/office/powerpoint/2010/main" val="4192164903"/>
       </p:ext>
     </p:extLst>
   </p:cSld>
   <p:clrMapOvr>
     <a:masterClrMapping/>
   </p:clrMapOvr>
-  <p:timing>
-    <p:tnLst>
-      <p:par>
-        <p:cTn id="1" dur="indefinite" restart="never" nodeType="tmRoot">
-          <p:childTnLst>
-            <p:seq concurrent="1" nextAc="seek">
-              <p:cTn id="2" dur="indefinite" nodeType="mainSeq">
-                <p:childTnLst>
-                  <p:par>
-                    <p:cTn id="3" fill="hold">
-                      <p:stCondLst>
-                        <p:cond delay="indefinite"/>
-                      </p:stCondLst>
-                      <p:childTnLst>
-                        <p:par>
-                          <p:cTn id="4" fill="hold">
-                            <p:stCondLst>
-                              <p:cond delay="0"/>
-                            </p:stCondLst>
-                            <p:childTnLst>
-                              <p:par>
-                                <p:cTn id="5" presetID="1" presetClass="entr" presetSubtype="0" fill="hold" nodeType="clickEffect">
-                                  <p:stCondLst>
-                                    <p:cond delay="0"/>
-                                  </p:stCondLst>
-                                  <p:childTnLst>
-                                    <p:set>
-                                      <p:cBhvr>
-                                        <p:cTn id="6" dur="1" fill="hold">
-                                          <p:stCondLst>
-                                            <p:cond delay="0"/>
-                                          </p:stCondLst>
-                                        </p:cTn>
-                                        <p:tgtEl>
-                                          <p:spTgt spid="3">
-                                            <p:txEl>
-                                              <p:pRg st="1" end="1"/>
-                                            </p:txEl>
-                                          </p:spTgt>
-                                        </p:tgtEl>
-                                        <p:attrNameLst>
-                                          <p:attrName>style.visibility</p:attrName>
-                                        </p:attrNameLst>
-                                      </p:cBhvr>
-                                      <p:to>
-                                        <p:strVal val="visible"/>
-                                      </p:to>
-                                    </p:set>
-                                  </p:childTnLst>
-                                </p:cTn>
-                              </p:par>
-                              <p:par>
-                                <p:cTn id="7" presetID="1" presetClass="entr" presetSubtype="0" fill="hold" nodeType="withEffect">
-                                  <p:stCondLst>
-                                    <p:cond delay="0"/>
-                                  </p:stCondLst>
-                                  <p:childTnLst>
-                                    <p:set>
-                                      <p:cBhvr>
-                                        <p:cTn id="8" dur="1" fill="hold">
-                                          <p:stCondLst>
-                                            <p:cond delay="0"/>
-                                          </p:stCondLst>
-                                        </p:cTn>
-                                        <p:tgtEl>
-                                          <p:spTgt spid="3">
-                                            <p:txEl>
-                                              <p:pRg st="2" end="2"/>
-                                            </p:txEl>
-                                          </p:spTgt>
-                                        </p:tgtEl>
-                                        <p:attrNameLst>
-                                          <p:attrName>style.visibility</p:attrName>
-                                        </p:attrNameLst>
-                                      </p:cBhvr>
-                                      <p:to>
-                                        <p:strVal val="visible"/>
-                                      </p:to>
-                                    </p:set>
-                                  </p:childTnLst>
-                                </p:cTn>
-                              </p:par>
-                              <p:par>
-                                <p:cTn id="9" presetID="1" presetClass="entr" presetSubtype="0" fill="hold" nodeType="withEffect">
-                                  <p:stCondLst>
-                                    <p:cond delay="0"/>
-                                  </p:stCondLst>
-                                  <p:childTnLst>
-                                    <p:set>
-                                      <p:cBhvr>
-                                        <p:cTn id="10" dur="1" fill="hold">
-                                          <p:stCondLst>
-                                            <p:cond delay="0"/>
-                                          </p:stCondLst>
-                                        </p:cTn>
-                                        <p:tgtEl>
-                                          <p:spTgt spid="3">
-                                            <p:txEl>
-                                              <p:pRg st="3" end="3"/>
-                                            </p:txEl>
-                                          </p:spTgt>
-                                        </p:tgtEl>
-                                        <p:attrNameLst>
-                                          <p:attrName>style.visibility</p:attrName>
-                                        </p:attrNameLst>
-                                      </p:cBhvr>
-                                      <p:to>
-                                        <p:strVal val="visible"/>
-                                      </p:to>
-                                    </p:set>
-                                  </p:childTnLst>
-                                </p:cTn>
-                              </p:par>
-                              <p:par>
-                                <p:cTn id="11" presetID="1" presetClass="entr" presetSubtype="0" fill="hold" nodeType="withEffect">
-                                  <p:stCondLst>
-                                    <p:cond delay="0"/>
-                                  </p:stCondLst>
-                                  <p:childTnLst>
-                                    <p:set>
-                                      <p:cBhvr>
-                                        <p:cTn id="12" dur="1" fill="hold">
-                                          <p:stCondLst>
-                                            <p:cond delay="0"/>
-                                          </p:stCondLst>
-                                        </p:cTn>
-                                        <p:tgtEl>
-                                          <p:spTgt spid="3">
-                                            <p:txEl>
-                                              <p:pRg st="4" end="4"/>
-                                            </p:txEl>
-                                          </p:spTgt>
-                                        </p:tgtEl>
-                                        <p:attrNameLst>
-                                          <p:attrName>style.visibility</p:attrName>
-                                        </p:attrNameLst>
-                                      </p:cBhvr>
-                                      <p:to>
-                                        <p:strVal val="visible"/>
-                                      </p:to>
-                                    </p:set>
-                                  </p:childTnLst>
-                                </p:cTn>
-                              </p:par>
-                            </p:childTnLst>
-                          </p:cTn>
-                        </p:par>
-                      </p:childTnLst>
-                    </p:cTn>
-                  </p:par>
-                  <p:par>
-                    <p:cTn id="13" fill="hold">
-                      <p:stCondLst>
-                        <p:cond delay="indefinite"/>
-                      </p:stCondLst>
-                      <p:childTnLst>
-                        <p:par>
-                          <p:cTn id="14" fill="hold">
-                            <p:stCondLst>
-                              <p:cond delay="0"/>
-                            </p:stCondLst>
-                            <p:childTnLst>
-                              <p:par>
-                                <p:cTn id="15" presetID="1" presetClass="entr" presetSubtype="0" fill="hold" nodeType="clickEffect">
-                                  <p:stCondLst>
-                                    <p:cond delay="0"/>
-                                  </p:stCondLst>
-                                  <p:childTnLst>
-                                    <p:set>
-                                      <p:cBhvr>
-                                        <p:cTn id="16" dur="1" fill="hold">
-                                          <p:stCondLst>
-                                            <p:cond delay="0"/>
-                                          </p:stCondLst>
-                                        </p:cTn>
-                                        <p:tgtEl>
-                                          <p:spTgt spid="3">
-                                            <p:txEl>
-                                              <p:pRg st="5" end="5"/>
-                                            </p:txEl>
-                                          </p:spTgt>
-                                        </p:tgtEl>
-                                        <p:attrNameLst>
-                                          <p:attrName>style.visibility</p:attrName>
-                                        </p:attrNameLst>
-                                      </p:cBhvr>
-                                      <p:to>
-                                        <p:strVal val="visible"/>
-                                      </p:to>
-                                    </p:set>
-                                  </p:childTnLst>
-                                </p:cTn>
-                              </p:par>
-                              <p:par>
-                                <p:cTn id="17" presetID="1" presetClass="entr" presetSubtype="0" fill="hold" nodeType="withEffect">
-                                  <p:stCondLst>
-                                    <p:cond delay="0"/>
-                                  </p:stCondLst>
-                                  <p:childTnLst>
-                                    <p:set>
-                                      <p:cBhvr>
-                                        <p:cTn id="18" dur="1" fill="hold">
-                                          <p:stCondLst>
-                                            <p:cond delay="0"/>
-                                          </p:stCondLst>
-                                        </p:cTn>
-                                        <p:tgtEl>
-                                          <p:spTgt spid="3">
-                                            <p:txEl>
-                                              <p:pRg st="6" end="6"/>
-                                            </p:txEl>
-                                          </p:spTgt>
-                                        </p:tgtEl>
-                                        <p:attrNameLst>
-                                          <p:attrName>style.visibility</p:attrName>
-                                        </p:attrNameLst>
-                                      </p:cBhvr>
-                                      <p:to>
-                                        <p:strVal val="visible"/>
-                                      </p:to>
-                                    </p:set>
-                                  </p:childTnLst>
-                                </p:cTn>
-                              </p:par>
-                              <p:par>
-                                <p:cTn id="19" presetID="1" presetClass="entr" presetSubtype="0" fill="hold" nodeType="withEffect">
-                                  <p:stCondLst>
-                                    <p:cond delay="0"/>
-                                  </p:stCondLst>
-                                  <p:childTnLst>
-                                    <p:set>
-                                      <p:cBhvr>
-                                        <p:cTn id="20" dur="1" fill="hold">
-                                          <p:stCondLst>
-                                            <p:cond delay="0"/>
-                                          </p:stCondLst>
-                                        </p:cTn>
-                                        <p:tgtEl>
-                                          <p:spTgt spid="3">
-                                            <p:txEl>
-                                              <p:pRg st="7" end="7"/>
-                                            </p:txEl>
-                                          </p:spTgt>
-                                        </p:tgtEl>
-                                        <p:attrNameLst>
-                                          <p:attrName>style.visibility</p:attrName>
-                                        </p:attrNameLst>
-                                      </p:cBhvr>
-                                      <p:to>
-                                        <p:strVal val="visible"/>
-                                      </p:to>
-                                    </p:set>
-                                  </p:childTnLst>
-                                </p:cTn>
-                              </p:par>
-                            </p:childTnLst>
-                          </p:cTn>
-                        </p:par>
-                      </p:childTnLst>
-                    </p:cTn>
-                  </p:par>
-                  <p:par>
-                    <p:cTn id="21" fill="hold">
-                      <p:stCondLst>
-                        <p:cond delay="indefinite"/>
-                      </p:stCondLst>
-                      <p:childTnLst>
-                        <p:par>
-                          <p:cTn id="22" fill="hold">
-                            <p:stCondLst>
-                              <p:cond delay="0"/>
-                            </p:stCondLst>
-                            <p:childTnLst>
-                              <p:par>
-                                <p:cTn id="23" presetID="1" presetClass="entr" presetSubtype="0" fill="hold" nodeType="clickEffect">
-                                  <p:stCondLst>
-                                    <p:cond delay="0"/>
-                                  </p:stCondLst>
-                                  <p:childTnLst>
-                                    <p:set>
-                                      <p:cBhvr>
-                                        <p:cTn id="24" dur="1" fill="hold">
-                                          <p:stCondLst>
-                                            <p:cond delay="0"/>
-                                          </p:stCondLst>
-                                        </p:cTn>
-                                        <p:tgtEl>
-                                          <p:spTgt spid="3">
-                                            <p:txEl>
-                                              <p:pRg st="8" end="8"/>
-                                            </p:txEl>
-                                          </p:spTgt>
-                                        </p:tgtEl>
-                                        <p:attrNameLst>
-                                          <p:attrName>style.visibility</p:attrName>
-                                        </p:attrNameLst>
-                                      </p:cBhvr>
-                                      <p:to>
-                                        <p:strVal val="visible"/>
-                                      </p:to>
-                                    </p:set>
-                                  </p:childTnLst>
-                                </p:cTn>
-                              </p:par>
-                            </p:childTnLst>
-                          </p:cTn>
-                        </p:par>
-                      </p:childTnLst>
-                    </p:cTn>
-                  </p:par>
-                </p:childTnLst>
-              </p:cTn>
-              <p:prevCondLst>
-                <p:cond evt="onPrev" delay="0">
-                  <p:tgtEl>
-                    <p:sldTgt/>
-                  </p:tgtEl>
-                </p:cond>
-              </p:prevCondLst>
-              <p:nextCondLst>
-                <p:cond evt="onNext" delay="0">
-                  <p:tgtEl>
-                    <p:sldTgt/>
-                  </p:tgtEl>
-                </p:cond>
-              </p:nextCondLst>
-            </p:seq>
-          </p:childTnLst>
-        </p:cTn>
-      </p:par>
-    </p:tnLst>
-  </p:timing>
 </p:sld>
 </file>
 
@@ -9556,16 +7762,8 @@
 <file path=customXml/itemProps2.xml><?xml version="1.0" encoding="utf-8"?>
 <ds:datastoreItem xmlns:ds="http://schemas.openxmlformats.org/officeDocument/2006/customXml" ds:itemID="{52EB1464-66D1-425A-BBB5-7A9312BBE9C4}">
   <ds:schemaRefs>
-    <ds:schemaRef ds:uri="http://purl.org/dc/terms/"/>
-    <ds:schemaRef ds:uri="http://schemas.openxmlformats.org/package/2006/metadata/core-properties"/>
-    <ds:schemaRef ds:uri="http://schemas.microsoft.com/office/2006/documentManagement/types"/>
-    <ds:schemaRef ds:uri="90d05cb5-950f-4f68-bc2c-e17794455b92"/>
-    <ds:schemaRef ds:uri="http://purl.org/dc/elements/1.1/"/>
     <ds:schemaRef ds:uri="http://schemas.microsoft.com/office/2006/metadata/properties"/>
     <ds:schemaRef ds:uri="http://schemas.microsoft.com/office/infopath/2007/PartnerControls"/>
-    <ds:schemaRef ds:uri="b4eab9fa-dbb0-4082-8491-8bd54207a265"/>
-    <ds:schemaRef ds:uri="http://www.w3.org/XML/1998/namespace"/>
-    <ds:schemaRef ds:uri="http://purl.org/dc/dcmitype/"/>
   </ds:schemaRefs>
 </ds:datastoreItem>
 </file>
